--- a/lecture-materials/Security/Security_Hub/sec_hub.pptx
+++ b/lecture-materials/Security/Security_Hub/sec_hub.pptx
@@ -6,11 +6,16 @@
   </p:sldMasterIdLst>
   <p:sldIdLst>
     <p:sldId id="257" r:id="rId2"/>
-    <p:sldId id="258" r:id="rId3"/>
-    <p:sldId id="259" r:id="rId4"/>
-    <p:sldId id="260" r:id="rId5"/>
-    <p:sldId id="261" r:id="rId6"/>
-    <p:sldId id="262" r:id="rId7"/>
+    <p:sldId id="259" r:id="rId3"/>
+    <p:sldId id="263" r:id="rId4"/>
+    <p:sldId id="264" r:id="rId5"/>
+    <p:sldId id="258" r:id="rId6"/>
+    <p:sldId id="265" r:id="rId7"/>
+    <p:sldId id="266" r:id="rId8"/>
+    <p:sldId id="260" r:id="rId9"/>
+    <p:sldId id="261" r:id="rId10"/>
+    <p:sldId id="267" r:id="rId11"/>
+    <p:sldId id="262" r:id="rId12"/>
   </p:sldIdLst>
   <p:sldSz cx="12192000" cy="6858000"/>
   <p:notesSz cx="6858000" cy="9144000"/>
@@ -266,7 +271,7 @@
           <a:p>
             <a:fld id="{322C9020-58D6-4B4B-AE71-CBBD8D6FD410}" type="datetimeFigureOut">
               <a:rPr lang="en-CH" smtClean="0"/>
-              <a:t>03.09.23</a:t>
+              <a:t>26.12.2023</a:t>
             </a:fld>
             <a:endParaRPr lang="en-CH"/>
           </a:p>
@@ -466,7 +471,7 @@
           <a:p>
             <a:fld id="{322C9020-58D6-4B4B-AE71-CBBD8D6FD410}" type="datetimeFigureOut">
               <a:rPr lang="en-CH" smtClean="0"/>
-              <a:t>03.09.23</a:t>
+              <a:t>26.12.2023</a:t>
             </a:fld>
             <a:endParaRPr lang="en-CH"/>
           </a:p>
@@ -676,7 +681,7 @@
           <a:p>
             <a:fld id="{322C9020-58D6-4B4B-AE71-CBBD8D6FD410}" type="datetimeFigureOut">
               <a:rPr lang="en-CH" smtClean="0"/>
-              <a:t>03.09.23</a:t>
+              <a:t>26.12.2023</a:t>
             </a:fld>
             <a:endParaRPr lang="en-CH"/>
           </a:p>
@@ -876,7 +881,7 @@
           <a:p>
             <a:fld id="{322C9020-58D6-4B4B-AE71-CBBD8D6FD410}" type="datetimeFigureOut">
               <a:rPr lang="en-CH" smtClean="0"/>
-              <a:t>03.09.23</a:t>
+              <a:t>26.12.2023</a:t>
             </a:fld>
             <a:endParaRPr lang="en-CH"/>
           </a:p>
@@ -1152,7 +1157,7 @@
           <a:p>
             <a:fld id="{322C9020-58D6-4B4B-AE71-CBBD8D6FD410}" type="datetimeFigureOut">
               <a:rPr lang="en-CH" smtClean="0"/>
-              <a:t>03.09.23</a:t>
+              <a:t>26.12.2023</a:t>
             </a:fld>
             <a:endParaRPr lang="en-CH"/>
           </a:p>
@@ -1420,7 +1425,7 @@
           <a:p>
             <a:fld id="{322C9020-58D6-4B4B-AE71-CBBD8D6FD410}" type="datetimeFigureOut">
               <a:rPr lang="en-CH" smtClean="0"/>
-              <a:t>03.09.23</a:t>
+              <a:t>26.12.2023</a:t>
             </a:fld>
             <a:endParaRPr lang="en-CH"/>
           </a:p>
@@ -1835,7 +1840,7 @@
           <a:p>
             <a:fld id="{322C9020-58D6-4B4B-AE71-CBBD8D6FD410}" type="datetimeFigureOut">
               <a:rPr lang="en-CH" smtClean="0"/>
-              <a:t>03.09.23</a:t>
+              <a:t>26.12.2023</a:t>
             </a:fld>
             <a:endParaRPr lang="en-CH"/>
           </a:p>
@@ -1977,7 +1982,7 @@
           <a:p>
             <a:fld id="{322C9020-58D6-4B4B-AE71-CBBD8D6FD410}" type="datetimeFigureOut">
               <a:rPr lang="en-CH" smtClean="0"/>
-              <a:t>03.09.23</a:t>
+              <a:t>26.12.2023</a:t>
             </a:fld>
             <a:endParaRPr lang="en-CH"/>
           </a:p>
@@ -2090,7 +2095,7 @@
           <a:p>
             <a:fld id="{322C9020-58D6-4B4B-AE71-CBBD8D6FD410}" type="datetimeFigureOut">
               <a:rPr lang="en-CH" smtClean="0"/>
-              <a:t>03.09.23</a:t>
+              <a:t>26.12.2023</a:t>
             </a:fld>
             <a:endParaRPr lang="en-CH"/>
           </a:p>
@@ -2403,7 +2408,7 @@
           <a:p>
             <a:fld id="{322C9020-58D6-4B4B-AE71-CBBD8D6FD410}" type="datetimeFigureOut">
               <a:rPr lang="en-CH" smtClean="0"/>
-              <a:t>03.09.23</a:t>
+              <a:t>26.12.2023</a:t>
             </a:fld>
             <a:endParaRPr lang="en-CH"/>
           </a:p>
@@ -2692,7 +2697,7 @@
           <a:p>
             <a:fld id="{322C9020-58D6-4B4B-AE71-CBBD8D6FD410}" type="datetimeFigureOut">
               <a:rPr lang="en-CH" smtClean="0"/>
-              <a:t>03.09.23</a:t>
+              <a:t>26.12.2023</a:t>
             </a:fld>
             <a:endParaRPr lang="en-CH"/>
           </a:p>
@@ -2935,7 +2940,7 @@
           <a:p>
             <a:fld id="{322C9020-58D6-4B4B-AE71-CBBD8D6FD410}" type="datetimeFigureOut">
               <a:rPr lang="en-CH" smtClean="0"/>
-              <a:t>03.09.23</a:t>
+              <a:t>26.12.2023</a:t>
             </a:fld>
             <a:endParaRPr lang="en-CH"/>
           </a:p>
@@ -3960,7 +3965,7 @@
 </p:sld>
 </file>
 
-<file path=ppt/slides/slide2.xml><?xml version="1.0" encoding="utf-8"?>
+<file path=ppt/slides/slide10.xml><?xml version="1.0" encoding="utf-8"?>
 <p:sld xmlns:a="http://schemas.openxmlformats.org/drawingml/2006/main" xmlns:r="http://schemas.openxmlformats.org/officeDocument/2006/relationships" xmlns:p="http://schemas.openxmlformats.org/presentationml/2006/main">
   <p:cSld>
     <p:bg>
@@ -3985,12 +3990,12 @@
           <a:chExt cx="0" cy="0"/>
         </a:xfrm>
       </p:grpSpPr>
-      <p:sp useBgFill="1">
-        <p:nvSpPr>
-          <p:cNvPr id="1031" name="Rectangle 1030">
-            <a:extLst>
-              <a:ext uri="{FF2B5EF4-FFF2-40B4-BE49-F238E27FC236}">
-                <a16:creationId xmlns:a16="http://schemas.microsoft.com/office/drawing/2014/main" id="{A8384FB5-9ADC-4DDC-881B-597D56F5B15D}"/>
+      <p:sp>
+        <p:nvSpPr>
+          <p:cNvPr id="9" name="Down Arrow 7">
+            <a:extLst>
+              <a:ext uri="{FF2B5EF4-FFF2-40B4-BE49-F238E27FC236}">
+                <a16:creationId xmlns:a16="http://schemas.microsoft.com/office/drawing/2014/main" id="{D4771268-CB57-404A-9271-370EB28F6090}"/>
               </a:ext>
               <a:ext uri="{C183D7F6-B498-43B3-948B-1728B52AA6E4}">
                 <adec:decorative xmlns:adec="http://schemas.microsoft.com/office/drawing/2017/decorative" val="1"/>
@@ -4009,105 +4014,20 @@
           </p:nvPr>
         </p:nvSpPr>
         <p:spPr>
-          <a:xfrm>
-            <a:off x="0" y="0"/>
-            <a:ext cx="12192000" cy="6858000"/>
+          <a:xfrm rot="16200000">
+            <a:off x="800100" y="1491343"/>
+            <a:ext cx="3333749" cy="3499103"/>
           </a:xfrm>
-          <a:prstGeom prst="rect">
-            <a:avLst/>
+          <a:prstGeom prst="downArrow">
+            <a:avLst>
+              <a:gd name="adj1" fmla="val 100000"/>
+              <a:gd name="adj2" fmla="val 15788"/>
+            </a:avLst>
           </a:prstGeom>
-          <a:ln w="12700" cap="flat" cmpd="sng" algn="ctr">
-            <a:noFill/>
-            <a:prstDash val="solid"/>
-            <a:miter lim="800000"/>
-          </a:ln>
-          <a:effectLst/>
-          <a:extLst>
-            <a:ext uri="{91240B29-F687-4F45-9708-019B960494DF}">
-              <a14:hiddenLine xmlns:a14="http://schemas.microsoft.com/office/drawing/2010/main" w="12700" cap="flat" cmpd="sng" algn="ctr">
-                <a:solidFill>
-                  <a:schemeClr val="accent1">
-                    <a:shade val="50000"/>
-                  </a:schemeClr>
-                </a:solidFill>
-                <a:prstDash val="solid"/>
-                <a:miter lim="800000"/>
-              </a14:hiddenLine>
-            </a:ext>
-          </a:extLst>
-        </p:spPr>
-        <p:style>
-          <a:lnRef idx="2">
-            <a:schemeClr val="accent1">
-              <a:shade val="50000"/>
-            </a:schemeClr>
-          </a:lnRef>
-          <a:fillRef idx="1">
-            <a:schemeClr val="accent1"/>
-          </a:fillRef>
-          <a:effectRef idx="0">
-            <a:schemeClr val="accent1"/>
-          </a:effectRef>
-          <a:fontRef idx="minor">
-            <a:schemeClr val="lt1"/>
-          </a:fontRef>
-        </p:style>
-        <p:txBody>
-          <a:bodyPr rtlCol="0" anchor="ctr"/>
-          <a:lstStyle/>
-          <a:p>
-            <a:pPr algn="ctr"/>
-            <a:endParaRPr lang="en-US"/>
-          </a:p>
-        </p:txBody>
-      </p:sp>
-      <p:sp>
-        <p:nvSpPr>
-          <p:cNvPr id="1033" name="Rectangle 1032">
-            <a:extLst>
-              <a:ext uri="{FF2B5EF4-FFF2-40B4-BE49-F238E27FC236}">
-                <a16:creationId xmlns:a16="http://schemas.microsoft.com/office/drawing/2014/main" id="{1199E1B1-A8C0-4FE8-A5A8-1CB41D69F857}"/>
-              </a:ext>
-              <a:ext uri="{C183D7F6-B498-43B3-948B-1728B52AA6E4}">
-                <adec:decorative xmlns:adec="http://schemas.microsoft.com/office/drawing/2017/decorative" val="1"/>
-              </a:ext>
-            </a:extLst>
-          </p:cNvPr>
-          <p:cNvSpPr>
-            <a:spLocks noGrp="1" noRot="1" noChangeAspect="1" noMove="1" noResize="1" noEditPoints="1" noAdjustHandles="1" noChangeArrowheads="1" noChangeShapeType="1" noTextEdit="1"/>
-          </p:cNvSpPr>
-          <p:nvPr>
-            <p:extLst>
-              <p:ext uri="{386F3935-93C4-4BCD-93E2-E3B085C9AB24}">
-                <p16:designElem xmlns:p16="http://schemas.microsoft.com/office/powerpoint/2015/main" val="1"/>
-              </p:ext>
-            </p:extLst>
-          </p:nvPr>
-        </p:nvSpPr>
-        <p:spPr>
-          <a:xfrm rot="10800000" flipH="1">
-            <a:off x="2" y="0"/>
-            <a:ext cx="12191998" cy="1575955"/>
-          </a:xfrm>
-          <a:prstGeom prst="rect">
-            <a:avLst/>
-          </a:prstGeom>
-          <a:gradFill>
-            <a:gsLst>
-              <a:gs pos="0">
-                <a:srgbClr val="000000">
-                  <a:alpha val="96000"/>
-                </a:srgbClr>
-              </a:gs>
-              <a:gs pos="100000">
-                <a:schemeClr val="accent1">
-                  <a:lumMod val="75000"/>
-                </a:schemeClr>
-              </a:gs>
-            </a:gsLst>
-            <a:lin ang="6000000" scaled="0"/>
-          </a:gradFill>
-          <a:ln>
+          <a:solidFill>
+            <a:srgbClr val="404040"/>
+          </a:solidFill>
+          <a:ln w="53975">
             <a:noFill/>
           </a:ln>
         </p:spPr>
@@ -4138,259 +4058,103 @@
       </p:sp>
       <p:sp>
         <p:nvSpPr>
-          <p:cNvPr id="1035" name="Rectangle 1034">
-            <a:extLst>
-              <a:ext uri="{FF2B5EF4-FFF2-40B4-BE49-F238E27FC236}">
-                <a16:creationId xmlns:a16="http://schemas.microsoft.com/office/drawing/2014/main" id="{84A8DE83-DE75-4B41-9DB4-A7EC0B0DEC0B}"/>
-              </a:ext>
-              <a:ext uri="{C183D7F6-B498-43B3-948B-1728B52AA6E4}">
-                <adec:decorative xmlns:adec="http://schemas.microsoft.com/office/drawing/2017/decorative" val="1"/>
-              </a:ext>
-            </a:extLst>
-          </p:cNvPr>
-          <p:cNvSpPr>
-            <a:spLocks noGrp="1" noRot="1" noChangeAspect="1" noMove="1" noResize="1" noEditPoints="1" noAdjustHandles="1" noChangeArrowheads="1" noChangeShapeType="1" noTextEdit="1"/>
-          </p:cNvSpPr>
-          <p:nvPr>
-            <p:extLst>
-              <p:ext uri="{386F3935-93C4-4BCD-93E2-E3B085C9AB24}">
-                <p16:designElem xmlns:p16="http://schemas.microsoft.com/office/powerpoint/2015/main" val="1"/>
-              </p:ext>
-            </p:extLst>
+          <p:cNvPr id="2" name="Title 1">
+            <a:extLst>
+              <a:ext uri="{FF2B5EF4-FFF2-40B4-BE49-F238E27FC236}">
+                <a16:creationId xmlns:a16="http://schemas.microsoft.com/office/drawing/2014/main" id="{23E856DC-9C4A-A7AF-7DFA-4779D4FFA0C8}"/>
+              </a:ext>
+            </a:extLst>
+          </p:cNvPr>
+          <p:cNvSpPr>
+            <a:spLocks noGrp="1"/>
+          </p:cNvSpPr>
+          <p:nvPr>
+            <p:ph type="title"/>
           </p:nvPr>
         </p:nvSpPr>
         <p:spPr>
           <a:xfrm>
-            <a:off x="0" y="0"/>
-            <a:ext cx="8128856" cy="1575461"/>
+            <a:off x="1028700" y="1967266"/>
+            <a:ext cx="2628900" cy="2547257"/>
+          </a:xfrm>
+          <a:noFill/>
+        </p:spPr>
+        <p:txBody>
+          <a:bodyPr vert="horz" lIns="91440" tIns="45720" rIns="91440" bIns="45720" rtlCol="0" anchor="ctr">
+            <a:normAutofit/>
+          </a:bodyPr>
+          <a:lstStyle/>
+          <a:p>
+            <a:pPr algn="ctr"/>
+            <a:r>
+              <a:rPr lang="en-US" sz="3600" kern="1200" dirty="0">
+                <a:solidFill>
+                  <a:srgbClr val="FFFFFF"/>
+                </a:solidFill>
+                <a:latin typeface="+mj-lt"/>
+                <a:ea typeface="+mj-ea"/>
+                <a:cs typeface="+mj-cs"/>
+              </a:rPr>
+              <a:t>Security Hub</a:t>
+            </a:r>
+            <a:br>
+              <a:rPr lang="en-US" sz="3600" kern="1200" dirty="0">
+                <a:solidFill>
+                  <a:srgbClr val="FFFFFF"/>
+                </a:solidFill>
+                <a:latin typeface="+mj-lt"/>
+                <a:ea typeface="+mj-ea"/>
+                <a:cs typeface="+mj-cs"/>
+              </a:rPr>
+            </a:br>
+            <a:r>
+              <a:rPr lang="en-US" sz="3600" kern="1200" dirty="0">
+                <a:solidFill>
+                  <a:srgbClr val="FFFFFF"/>
+                </a:solidFill>
+                <a:latin typeface="+mj-lt"/>
+                <a:ea typeface="+mj-ea"/>
+                <a:cs typeface="+mj-cs"/>
+              </a:rPr>
+              <a:t>Security Account </a:t>
+            </a:r>
+          </a:p>
+        </p:txBody>
+      </p:sp>
+      <p:pic>
+        <p:nvPicPr>
+          <p:cNvPr id="4" name="Picture 3" descr="A diagram of a software process&#10;&#10;Description automatically generated with medium confidence">
+            <a:extLst>
+              <a:ext uri="{FF2B5EF4-FFF2-40B4-BE49-F238E27FC236}">
+                <a16:creationId xmlns:a16="http://schemas.microsoft.com/office/drawing/2014/main" id="{8BC29D28-5FA6-AF82-BF4B-48323A6DBE45}"/>
+              </a:ext>
+            </a:extLst>
+          </p:cNvPr>
+          <p:cNvPicPr>
+            <a:picLocks noChangeAspect="1"/>
+          </p:cNvPicPr>
+          <p:nvPr/>
+        </p:nvPicPr>
+        <p:blipFill>
+          <a:blip r:embed="rId2"/>
+          <a:stretch>
+            <a:fillRect/>
+          </a:stretch>
+        </p:blipFill>
+        <p:spPr>
+          <a:xfrm>
+            <a:off x="4777316" y="1741136"/>
+            <a:ext cx="6780700" cy="3373398"/>
           </a:xfrm>
           <a:prstGeom prst="rect">
             <a:avLst/>
           </a:prstGeom>
-          <a:gradFill>
-            <a:gsLst>
-              <a:gs pos="0">
-                <a:schemeClr val="accent1">
-                  <a:alpha val="41000"/>
-                </a:schemeClr>
-              </a:gs>
-              <a:gs pos="74000">
-                <a:schemeClr val="accent1">
-                  <a:lumMod val="60000"/>
-                  <a:lumOff val="40000"/>
-                  <a:alpha val="0"/>
-                </a:schemeClr>
-              </a:gs>
-            </a:gsLst>
-            <a:lin ang="8400000" scaled="0"/>
-          </a:gradFill>
-          <a:ln>
-            <a:noFill/>
-          </a:ln>
-        </p:spPr>
-        <p:style>
-          <a:lnRef idx="2">
-            <a:schemeClr val="accent1">
-              <a:shade val="50000"/>
-            </a:schemeClr>
-          </a:lnRef>
-          <a:fillRef idx="1">
-            <a:schemeClr val="accent1"/>
-          </a:fillRef>
-          <a:effectRef idx="0">
-            <a:schemeClr val="accent1"/>
-          </a:effectRef>
-          <a:fontRef idx="minor">
-            <a:schemeClr val="lt1"/>
-          </a:fontRef>
-        </p:style>
-        <p:txBody>
-          <a:bodyPr rtlCol="0" anchor="ctr"/>
-          <a:lstStyle/>
-          <a:p>
-            <a:pPr algn="ctr"/>
-            <a:endParaRPr lang="en-US"/>
-          </a:p>
-        </p:txBody>
-      </p:sp>
-      <p:sp>
-        <p:nvSpPr>
-          <p:cNvPr id="1037" name="Rectangle 1036">
-            <a:extLst>
-              <a:ext uri="{FF2B5EF4-FFF2-40B4-BE49-F238E27FC236}">
-                <a16:creationId xmlns:a16="http://schemas.microsoft.com/office/drawing/2014/main" id="{A7009A0A-BEF5-4EAC-AF15-E4F9F002E239}"/>
-              </a:ext>
-              <a:ext uri="{C183D7F6-B498-43B3-948B-1728B52AA6E4}">
-                <adec:decorative xmlns:adec="http://schemas.microsoft.com/office/drawing/2017/decorative" val="1"/>
-              </a:ext>
-            </a:extLst>
-          </p:cNvPr>
-          <p:cNvSpPr>
-            <a:spLocks noGrp="1" noRot="1" noChangeAspect="1" noMove="1" noResize="1" noEditPoints="1" noAdjustHandles="1" noChangeArrowheads="1" noChangeShapeType="1" noTextEdit="1"/>
-          </p:cNvSpPr>
-          <p:nvPr>
-            <p:extLst>
-              <p:ext uri="{386F3935-93C4-4BCD-93E2-E3B085C9AB24}">
-                <p16:designElem xmlns:p16="http://schemas.microsoft.com/office/powerpoint/2015/main" val="1"/>
-              </p:ext>
-            </p:extLst>
-          </p:nvPr>
-        </p:nvSpPr>
-        <p:spPr>
-          <a:xfrm flipH="1">
-            <a:off x="-3" y="-1"/>
-            <a:ext cx="12192002" cy="1574311"/>
-          </a:xfrm>
-          <a:prstGeom prst="rect">
-            <a:avLst/>
-          </a:prstGeom>
-          <a:gradFill>
-            <a:gsLst>
-              <a:gs pos="0">
-                <a:srgbClr val="000000">
-                  <a:alpha val="63000"/>
-                </a:srgbClr>
-              </a:gs>
-              <a:gs pos="78000">
-                <a:schemeClr val="accent1">
-                  <a:alpha val="15000"/>
-                </a:schemeClr>
-              </a:gs>
-            </a:gsLst>
-            <a:lin ang="15600000" scaled="0"/>
-          </a:gradFill>
-          <a:ln>
-            <a:noFill/>
-          </a:ln>
-        </p:spPr>
-        <p:style>
-          <a:lnRef idx="2">
-            <a:schemeClr val="accent1">
-              <a:shade val="50000"/>
-            </a:schemeClr>
-          </a:lnRef>
-          <a:fillRef idx="1">
-            <a:schemeClr val="accent1"/>
-          </a:fillRef>
-          <a:effectRef idx="0">
-            <a:schemeClr val="accent1"/>
-          </a:effectRef>
-          <a:fontRef idx="minor">
-            <a:schemeClr val="lt1"/>
-          </a:fontRef>
-        </p:style>
-        <p:txBody>
-          <a:bodyPr rtlCol="0" anchor="ctr"/>
-          <a:lstStyle/>
-          <a:p>
-            <a:pPr algn="ctr"/>
-            <a:endParaRPr lang="en-US"/>
-          </a:p>
-        </p:txBody>
-      </p:sp>
-      <p:sp>
-        <p:nvSpPr>
-          <p:cNvPr id="2" name="Title 1">
-            <a:extLst>
-              <a:ext uri="{FF2B5EF4-FFF2-40B4-BE49-F238E27FC236}">
-                <a16:creationId xmlns:a16="http://schemas.microsoft.com/office/drawing/2014/main" id="{2A0E728A-A1A8-3B47-EB4B-EB02B9AC9FE1}"/>
-              </a:ext>
-            </a:extLst>
-          </p:cNvPr>
-          <p:cNvSpPr>
-            <a:spLocks noGrp="1"/>
-          </p:cNvSpPr>
-          <p:nvPr>
-            <p:ph type="title"/>
-          </p:nvPr>
-        </p:nvSpPr>
-        <p:spPr>
-          <a:xfrm>
-            <a:off x="699713" y="248038"/>
-            <a:ext cx="7063721" cy="1159200"/>
-          </a:xfrm>
-        </p:spPr>
-        <p:txBody>
-          <a:bodyPr vert="horz" lIns="91440" tIns="45720" rIns="91440" bIns="45720" rtlCol="0" anchor="ctr">
-            <a:normAutofit/>
-          </a:bodyPr>
-          <a:lstStyle/>
-          <a:p>
-            <a:r>
-              <a:rPr lang="en-US" sz="4000" b="0" i="0" kern="1200" dirty="0">
-                <a:solidFill>
-                  <a:srgbClr val="FFFFFF"/>
-                </a:solidFill>
-                <a:effectLst/>
-                <a:latin typeface="+mj-lt"/>
-                <a:ea typeface="+mj-ea"/>
-                <a:cs typeface="+mj-cs"/>
-              </a:rPr>
-              <a:t>AWS Security Hub</a:t>
-            </a:r>
-            <a:endParaRPr lang="en-US" sz="4000" kern="1200" dirty="0">
-              <a:solidFill>
-                <a:srgbClr val="FFFFFF"/>
-              </a:solidFill>
-              <a:latin typeface="+mj-lt"/>
-              <a:ea typeface="+mj-ea"/>
-              <a:cs typeface="+mj-cs"/>
-            </a:endParaRPr>
-          </a:p>
-        </p:txBody>
-      </p:sp>
-      <p:pic>
-        <p:nvPicPr>
-          <p:cNvPr id="1026" name="Picture 2">
-            <a:extLst>
-              <a:ext uri="{FF2B5EF4-FFF2-40B4-BE49-F238E27FC236}">
-                <a16:creationId xmlns:a16="http://schemas.microsoft.com/office/drawing/2014/main" id="{912D4FB8-208E-9B36-CDF0-9B7DFC3073CE}"/>
-              </a:ext>
-            </a:extLst>
-          </p:cNvPr>
-          <p:cNvPicPr>
-            <a:picLocks noGrp="1" noChangeAspect="1" noChangeArrowheads="1"/>
-          </p:cNvPicPr>
-          <p:nvPr>
-            <p:ph idx="1"/>
-          </p:nvPr>
-        </p:nvPicPr>
-        <p:blipFill>
-          <a:blip r:embed="rId2">
-            <a:extLst>
-              <a:ext uri="{28A0092B-C50C-407E-A947-70E740481C1C}">
-                <a14:useLocalDpi xmlns:a14="http://schemas.microsoft.com/office/drawing/2010/main" val="0"/>
-              </a:ext>
-            </a:extLst>
-          </a:blip>
-          <a:stretch>
-            <a:fillRect/>
-          </a:stretch>
-        </p:blipFill>
-        <p:spPr bwMode="auto">
-          <a:xfrm>
-            <a:off x="1149155" y="1966293"/>
-            <a:ext cx="9893688" cy="4452160"/>
-          </a:xfrm>
-          <a:prstGeom prst="rect">
-            <a:avLst/>
-          </a:prstGeom>
-          <a:noFill/>
-          <a:extLst>
-            <a:ext uri="{909E8E84-426E-40DD-AFC4-6F175D3DCCD1}">
-              <a14:hiddenFill xmlns:a14="http://schemas.microsoft.com/office/drawing/2010/main">
-                <a:solidFill>
-                  <a:srgbClr val="FFFFFF"/>
-                </a:solidFill>
-              </a14:hiddenFill>
-            </a:ext>
-          </a:extLst>
         </p:spPr>
       </p:pic>
     </p:spTree>
     <p:extLst>
       <p:ext uri="{BB962C8B-B14F-4D97-AF65-F5344CB8AC3E}">
-        <p14:creationId xmlns:p14="http://schemas.microsoft.com/office/powerpoint/2010/main" val="1026631560"/>
+        <p14:creationId xmlns:p14="http://schemas.microsoft.com/office/powerpoint/2010/main" val="3375320545"/>
       </p:ext>
     </p:extLst>
   </p:cSld>
@@ -4400,1628 +4164,7 @@
 </p:sld>
 </file>
 
-<file path=ppt/slides/slide3.xml><?xml version="1.0" encoding="utf-8"?>
-<p:sld xmlns:a="http://schemas.openxmlformats.org/drawingml/2006/main" xmlns:r="http://schemas.openxmlformats.org/officeDocument/2006/relationships" xmlns:p="http://schemas.openxmlformats.org/presentationml/2006/main">
-  <p:cSld>
-    <p:bg>
-      <p:bgPr>
-        <a:solidFill>
-          <a:schemeClr val="bg1"/>
-        </a:solidFill>
-        <a:effectLst/>
-      </p:bgPr>
-    </p:bg>
-    <p:spTree>
-      <p:nvGrpSpPr>
-        <p:cNvPr id="1" name=""/>
-        <p:cNvGrpSpPr/>
-        <p:nvPr/>
-      </p:nvGrpSpPr>
-      <p:grpSpPr>
-        <a:xfrm>
-          <a:off x="0" y="0"/>
-          <a:ext cx="0" cy="0"/>
-          <a:chOff x="0" y="0"/>
-          <a:chExt cx="0" cy="0"/>
-        </a:xfrm>
-      </p:grpSpPr>
-      <p:sp useBgFill="1">
-        <p:nvSpPr>
-          <p:cNvPr id="2067" name="Rectangle 2054">
-            <a:extLst>
-              <a:ext uri="{FF2B5EF4-FFF2-40B4-BE49-F238E27FC236}">
-                <a16:creationId xmlns:a16="http://schemas.microsoft.com/office/drawing/2014/main" id="{BACC6370-2D7E-4714-9D71-7542949D7D5D}"/>
-              </a:ext>
-              <a:ext uri="{C183D7F6-B498-43B3-948B-1728B52AA6E4}">
-                <adec:decorative xmlns:adec="http://schemas.microsoft.com/office/drawing/2017/decorative" val="1"/>
-              </a:ext>
-            </a:extLst>
-          </p:cNvPr>
-          <p:cNvSpPr>
-            <a:spLocks noGrp="1" noRot="1" noChangeAspect="1" noMove="1" noResize="1" noEditPoints="1" noAdjustHandles="1" noChangeArrowheads="1" noChangeShapeType="1" noTextEdit="1"/>
-          </p:cNvSpPr>
-          <p:nvPr>
-            <p:extLst>
-              <p:ext uri="{386F3935-93C4-4BCD-93E2-E3B085C9AB24}">
-                <p16:designElem xmlns:p16="http://schemas.microsoft.com/office/powerpoint/2015/main" val="1"/>
-              </p:ext>
-            </p:extLst>
-          </p:nvPr>
-        </p:nvSpPr>
-        <p:spPr>
-          <a:xfrm>
-            <a:off x="0" y="0"/>
-            <a:ext cx="12192000" cy="6858000"/>
-          </a:xfrm>
-          <a:prstGeom prst="rect">
-            <a:avLst/>
-          </a:prstGeom>
-          <a:ln w="12700" cap="flat" cmpd="sng" algn="ctr">
-            <a:noFill/>
-            <a:prstDash val="solid"/>
-            <a:miter lim="800000"/>
-          </a:ln>
-          <a:effectLst/>
-          <a:extLst>
-            <a:ext uri="{91240B29-F687-4F45-9708-019B960494DF}">
-              <a14:hiddenLine xmlns:a14="http://schemas.microsoft.com/office/drawing/2010/main" w="12700" cap="flat" cmpd="sng" algn="ctr">
-                <a:solidFill>
-                  <a:schemeClr val="accent1">
-                    <a:shade val="50000"/>
-                  </a:schemeClr>
-                </a:solidFill>
-                <a:prstDash val="solid"/>
-                <a:miter lim="800000"/>
-              </a14:hiddenLine>
-            </a:ext>
-          </a:extLst>
-        </p:spPr>
-        <p:style>
-          <a:lnRef idx="2">
-            <a:schemeClr val="accent1">
-              <a:shade val="50000"/>
-            </a:schemeClr>
-          </a:lnRef>
-          <a:fillRef idx="1">
-            <a:schemeClr val="accent1"/>
-          </a:fillRef>
-          <a:effectRef idx="0">
-            <a:schemeClr val="accent1"/>
-          </a:effectRef>
-          <a:fontRef idx="minor">
-            <a:schemeClr val="lt1"/>
-          </a:fontRef>
-        </p:style>
-        <p:txBody>
-          <a:bodyPr rtlCol="0" anchor="ctr"/>
-          <a:lstStyle/>
-          <a:p>
-            <a:pPr algn="ctr"/>
-            <a:endParaRPr lang="en-US"/>
-          </a:p>
-        </p:txBody>
-      </p:sp>
-      <p:sp>
-        <p:nvSpPr>
-          <p:cNvPr id="2" name="Title 1">
-            <a:extLst>
-              <a:ext uri="{FF2B5EF4-FFF2-40B4-BE49-F238E27FC236}">
-                <a16:creationId xmlns:a16="http://schemas.microsoft.com/office/drawing/2014/main" id="{425C46AE-42E4-ED4E-F295-9B7D7580F467}"/>
-              </a:ext>
-            </a:extLst>
-          </p:cNvPr>
-          <p:cNvSpPr>
-            <a:spLocks noGrp="1"/>
-          </p:cNvSpPr>
-          <p:nvPr>
-            <p:ph type="title"/>
-          </p:nvPr>
-        </p:nvSpPr>
-        <p:spPr>
-          <a:xfrm>
-            <a:off x="1007923" y="175125"/>
-            <a:ext cx="10176151" cy="1097519"/>
-          </a:xfrm>
-        </p:spPr>
-        <p:txBody>
-          <a:bodyPr anchor="ctr">
-            <a:normAutofit/>
-          </a:bodyPr>
-          <a:lstStyle/>
-          <a:p>
-            <a:r>
-              <a:rPr lang="en-GB" sz="4000" b="0" i="0" dirty="0">
-                <a:effectLst/>
-                <a:latin typeface="Amazon Ember"/>
-              </a:rPr>
-              <a:t>What is AWS Security Hub?</a:t>
-            </a:r>
-          </a:p>
-        </p:txBody>
-      </p:sp>
-      <p:sp>
-        <p:nvSpPr>
-          <p:cNvPr id="2068" name="Rectangle 2056">
-            <a:extLst>
-              <a:ext uri="{FF2B5EF4-FFF2-40B4-BE49-F238E27FC236}">
-                <a16:creationId xmlns:a16="http://schemas.microsoft.com/office/drawing/2014/main" id="{B444D337-4D9F-40A8-BA84-C0BFA7A8AD66}"/>
-              </a:ext>
-              <a:ext uri="{C183D7F6-B498-43B3-948B-1728B52AA6E4}">
-                <adec:decorative xmlns:adec="http://schemas.microsoft.com/office/drawing/2017/decorative" val="1"/>
-              </a:ext>
-            </a:extLst>
-          </p:cNvPr>
-          <p:cNvSpPr>
-            <a:spLocks noGrp="1" noRot="1" noChangeAspect="1" noMove="1" noResize="1" noEditPoints="1" noAdjustHandles="1" noChangeArrowheads="1" noChangeShapeType="1" noTextEdit="1"/>
-          </p:cNvSpPr>
-          <p:nvPr>
-            <p:extLst>
-              <p:ext uri="{386F3935-93C4-4BCD-93E2-E3B085C9AB24}">
-                <p16:designElem xmlns:p16="http://schemas.microsoft.com/office/powerpoint/2015/main" val="1"/>
-              </p:ext>
-            </p:extLst>
-          </p:nvPr>
-        </p:nvSpPr>
-        <p:spPr>
-          <a:xfrm>
-            <a:off x="0" y="6401962"/>
-            <a:ext cx="12191998" cy="461774"/>
-          </a:xfrm>
-          <a:prstGeom prst="rect">
-            <a:avLst/>
-          </a:prstGeom>
-          <a:gradFill>
-            <a:gsLst>
-              <a:gs pos="0">
-                <a:srgbClr val="000000"/>
-              </a:gs>
-              <a:gs pos="100000">
-                <a:schemeClr val="accent1">
-                  <a:lumMod val="75000"/>
-                </a:schemeClr>
-              </a:gs>
-            </a:gsLst>
-            <a:lin ang="13800000" scaled="0"/>
-          </a:gradFill>
-          <a:ln>
-            <a:noFill/>
-          </a:ln>
-        </p:spPr>
-        <p:style>
-          <a:lnRef idx="2">
-            <a:schemeClr val="accent1">
-              <a:shade val="50000"/>
-            </a:schemeClr>
-          </a:lnRef>
-          <a:fillRef idx="1">
-            <a:schemeClr val="accent1"/>
-          </a:fillRef>
-          <a:effectRef idx="0">
-            <a:schemeClr val="accent1"/>
-          </a:effectRef>
-          <a:fontRef idx="minor">
-            <a:schemeClr val="lt1"/>
-          </a:fontRef>
-        </p:style>
-        <p:txBody>
-          <a:bodyPr rtlCol="0" anchor="ctr"/>
-          <a:lstStyle/>
-          <a:p>
-            <a:pPr algn="ctr"/>
-            <a:endParaRPr lang="en-US"/>
-          </a:p>
-        </p:txBody>
-      </p:sp>
-      <p:sp>
-        <p:nvSpPr>
-          <p:cNvPr id="2069" name="Rectangle 2058">
-            <a:extLst>
-              <a:ext uri="{FF2B5EF4-FFF2-40B4-BE49-F238E27FC236}">
-                <a16:creationId xmlns:a16="http://schemas.microsoft.com/office/drawing/2014/main" id="{70478D1D-B50E-41C8-8A55-36A53D449402}"/>
-              </a:ext>
-              <a:ext uri="{C183D7F6-B498-43B3-948B-1728B52AA6E4}">
-                <adec:decorative xmlns:adec="http://schemas.microsoft.com/office/drawing/2017/decorative" val="1"/>
-              </a:ext>
-            </a:extLst>
-          </p:cNvPr>
-          <p:cNvSpPr>
-            <a:spLocks noGrp="1" noRot="1" noChangeAspect="1" noMove="1" noResize="1" noEditPoints="1" noAdjustHandles="1" noChangeArrowheads="1" noChangeShapeType="1" noTextEdit="1"/>
-          </p:cNvSpPr>
-          <p:nvPr>
-            <p:extLst>
-              <p:ext uri="{386F3935-93C4-4BCD-93E2-E3B085C9AB24}">
-                <p16:designElem xmlns:p16="http://schemas.microsoft.com/office/powerpoint/2015/main" val="1"/>
-              </p:ext>
-            </p:extLst>
-          </p:nvPr>
-        </p:nvSpPr>
-        <p:spPr>
-          <a:xfrm>
-            <a:off x="0" y="6401962"/>
-            <a:ext cx="4076698" cy="464399"/>
-          </a:xfrm>
-          <a:prstGeom prst="rect">
-            <a:avLst/>
-          </a:prstGeom>
-          <a:gradFill>
-            <a:gsLst>
-              <a:gs pos="0">
-                <a:srgbClr val="000000">
-                  <a:alpha val="46000"/>
-                </a:srgbClr>
-              </a:gs>
-              <a:gs pos="99000">
-                <a:schemeClr val="accent1"/>
-              </a:gs>
-            </a:gsLst>
-            <a:lin ang="14400000" scaled="0"/>
-          </a:gradFill>
-          <a:ln>
-            <a:noFill/>
-          </a:ln>
-        </p:spPr>
-        <p:style>
-          <a:lnRef idx="2">
-            <a:schemeClr val="accent1">
-              <a:shade val="50000"/>
-            </a:schemeClr>
-          </a:lnRef>
-          <a:fillRef idx="1">
-            <a:schemeClr val="accent1"/>
-          </a:fillRef>
-          <a:effectRef idx="0">
-            <a:schemeClr val="accent1"/>
-          </a:effectRef>
-          <a:fontRef idx="minor">
-            <a:schemeClr val="lt1"/>
-          </a:fontRef>
-        </p:style>
-        <p:txBody>
-          <a:bodyPr rtlCol="0" anchor="ctr"/>
-          <a:lstStyle/>
-          <a:p>
-            <a:pPr algn="ctr"/>
-            <a:endParaRPr lang="en-US"/>
-          </a:p>
-        </p:txBody>
-      </p:sp>
-      <p:sp>
-        <p:nvSpPr>
-          <p:cNvPr id="3" name="Content Placeholder 2">
-            <a:extLst>
-              <a:ext uri="{FF2B5EF4-FFF2-40B4-BE49-F238E27FC236}">
-                <a16:creationId xmlns:a16="http://schemas.microsoft.com/office/drawing/2014/main" id="{FA63298F-EF82-C644-49F0-860E38B851D8}"/>
-              </a:ext>
-            </a:extLst>
-          </p:cNvPr>
-          <p:cNvSpPr>
-            <a:spLocks noGrp="1"/>
-          </p:cNvSpPr>
-          <p:nvPr>
-            <p:ph idx="1"/>
-          </p:nvPr>
-        </p:nvSpPr>
-        <p:spPr>
-          <a:xfrm>
-            <a:off x="618302" y="1268374"/>
-            <a:ext cx="6570774" cy="733421"/>
-          </a:xfrm>
-        </p:spPr>
-        <p:txBody>
-          <a:bodyPr>
-            <a:noAutofit/>
-          </a:bodyPr>
-          <a:lstStyle/>
-          <a:p>
-            <a:pPr marL="0" indent="0" defTabSz="886968">
-              <a:spcBef>
-                <a:spcPts val="970"/>
-              </a:spcBef>
-              <a:buNone/>
-            </a:pPr>
-            <a:r>
-              <a:rPr lang="en-GB" sz="1400" kern="1200" dirty="0">
-                <a:solidFill>
-                  <a:srgbClr val="333333"/>
-                </a:solidFill>
-                <a:latin typeface="AmazonEmber"/>
-                <a:ea typeface="+mn-ea"/>
-                <a:cs typeface="+mn-cs"/>
-              </a:rPr>
-              <a:t>AWS Security Hub is a cloud security posture management (CSPM) service that performs security best practice checks, aggregates alerts, and enables automated remediation.</a:t>
-            </a:r>
-            <a:endParaRPr lang="en-CH" sz="1400" dirty="0"/>
-          </a:p>
-        </p:txBody>
-      </p:sp>
-      <p:sp>
-        <p:nvSpPr>
-          <p:cNvPr id="6" name="TextBox 5">
-            <a:extLst>
-              <a:ext uri="{FF2B5EF4-FFF2-40B4-BE49-F238E27FC236}">
-                <a16:creationId xmlns:a16="http://schemas.microsoft.com/office/drawing/2014/main" id="{5EDCDD7E-768B-4812-4515-5B21D9B78AD2}"/>
-              </a:ext>
-            </a:extLst>
-          </p:cNvPr>
-          <p:cNvSpPr txBox="1"/>
-          <p:nvPr/>
-        </p:nvSpPr>
-        <p:spPr>
-          <a:xfrm>
-            <a:off x="709359" y="1820027"/>
-            <a:ext cx="6210423" cy="2646878"/>
-          </a:xfrm>
-          <a:prstGeom prst="rect">
-            <a:avLst/>
-          </a:prstGeom>
-          <a:noFill/>
-        </p:spPr>
-        <p:txBody>
-          <a:bodyPr wrap="square" rtlCol="0">
-            <a:spAutoFit/>
-          </a:bodyPr>
-          <a:lstStyle/>
-          <a:p>
-            <a:pPr defTabSz="886968">
-              <a:spcAft>
-                <a:spcPts val="600"/>
-              </a:spcAft>
-            </a:pPr>
-            <a:r>
-              <a:rPr lang="en-GB" sz="1400" kern="1200" dirty="0">
-                <a:solidFill>
-                  <a:srgbClr val="16191F"/>
-                </a:solidFill>
-                <a:latin typeface="Amazon Ember"/>
-                <a:ea typeface="+mn-ea"/>
-                <a:cs typeface="+mn-cs"/>
-              </a:rPr>
-              <a:t>Security Hub also receives findings from other AWS services:</a:t>
-            </a:r>
-          </a:p>
-          <a:p>
-            <a:pPr marL="277178" indent="-277178" defTabSz="886968">
-              <a:spcAft>
-                <a:spcPts val="600"/>
-              </a:spcAft>
-              <a:buFont typeface="Arial" panose="020B0604020202020204" pitchFamily="34" charset="0"/>
-              <a:buChar char="•"/>
-            </a:pPr>
-            <a:r>
-              <a:rPr lang="en-GB" sz="1400" b="1" kern="1200" dirty="0">
-                <a:solidFill>
-                  <a:srgbClr val="16191F"/>
-                </a:solidFill>
-                <a:latin typeface="Amazon Ember"/>
-                <a:ea typeface="+mn-ea"/>
-                <a:cs typeface="+mn-cs"/>
-              </a:rPr>
-              <a:t>Amazon </a:t>
-            </a:r>
-            <a:r>
-              <a:rPr lang="en-GB" sz="1400" b="1" kern="1200" dirty="0" err="1">
-                <a:solidFill>
-                  <a:srgbClr val="16191F"/>
-                </a:solidFill>
-                <a:latin typeface="Amazon Ember"/>
-                <a:ea typeface="+mn-ea"/>
-                <a:cs typeface="+mn-cs"/>
-              </a:rPr>
-              <a:t>GuardDuty</a:t>
-            </a:r>
-            <a:endParaRPr lang="en-GB" sz="1400" b="1" kern="1200" dirty="0">
-              <a:solidFill>
-                <a:srgbClr val="16191F"/>
-              </a:solidFill>
-              <a:latin typeface="Amazon Ember"/>
-              <a:ea typeface="+mn-ea"/>
-              <a:cs typeface="+mn-cs"/>
-            </a:endParaRPr>
-          </a:p>
-          <a:p>
-            <a:pPr marL="277178" indent="-277178" defTabSz="886968">
-              <a:spcAft>
-                <a:spcPts val="600"/>
-              </a:spcAft>
-              <a:buFont typeface="Arial" panose="020B0604020202020204" pitchFamily="34" charset="0"/>
-              <a:buChar char="•"/>
-            </a:pPr>
-            <a:r>
-              <a:rPr lang="en-GB" sz="1400" b="1" kern="1200" dirty="0">
-                <a:solidFill>
-                  <a:srgbClr val="16191F"/>
-                </a:solidFill>
-                <a:latin typeface="Amazon Ember"/>
-                <a:ea typeface="+mn-ea"/>
-                <a:cs typeface="+mn-cs"/>
-              </a:rPr>
-              <a:t>Amazon Inspector</a:t>
-            </a:r>
-          </a:p>
-          <a:p>
-            <a:pPr marL="277178" indent="-277178" defTabSz="886968">
-              <a:spcAft>
-                <a:spcPts val="600"/>
-              </a:spcAft>
-              <a:buFont typeface="Arial" panose="020B0604020202020204" pitchFamily="34" charset="0"/>
-              <a:buChar char="•"/>
-            </a:pPr>
-            <a:r>
-              <a:rPr lang="en-GB" sz="1400" b="1" kern="1200" dirty="0">
-                <a:solidFill>
-                  <a:srgbClr val="16191F"/>
-                </a:solidFill>
-                <a:latin typeface="Amazon Ember"/>
-                <a:ea typeface="+mn-ea"/>
-                <a:cs typeface="+mn-cs"/>
-              </a:rPr>
-              <a:t>Amazon Macie</a:t>
-            </a:r>
-          </a:p>
-          <a:p>
-            <a:pPr marL="277178" indent="-277178" defTabSz="886968">
-              <a:spcAft>
-                <a:spcPts val="600"/>
-              </a:spcAft>
-              <a:buFont typeface="Arial" panose="020B0604020202020204" pitchFamily="34" charset="0"/>
-              <a:buChar char="•"/>
-            </a:pPr>
-            <a:r>
-              <a:rPr lang="en-GB" sz="1400" b="0" i="0" u="none" strike="noStrike" dirty="0">
-                <a:solidFill>
-                  <a:srgbClr val="16191F"/>
-                </a:solidFill>
-                <a:effectLst/>
-                <a:latin typeface="Amazon Ember"/>
-                <a:hlinkClick r:id="rId2"/>
-              </a:rPr>
-              <a:t>AWS Systems Manager Patch Manager </a:t>
-            </a:r>
-            <a:endParaRPr lang="en-GB" sz="1400" b="0" i="0" u="none" strike="noStrike" dirty="0">
-              <a:solidFill>
-                <a:srgbClr val="16191F"/>
-              </a:solidFill>
-              <a:effectLst/>
-              <a:latin typeface="Amazon Ember"/>
-            </a:endParaRPr>
-          </a:p>
-          <a:p>
-            <a:pPr marL="277178" indent="-277178" defTabSz="886968">
-              <a:spcAft>
-                <a:spcPts val="600"/>
-              </a:spcAft>
-              <a:buFont typeface="Arial" panose="020B0604020202020204" pitchFamily="34" charset="0"/>
-              <a:buChar char="•"/>
-            </a:pPr>
-            <a:r>
-              <a:rPr lang="en-GB" sz="1400" b="0" i="0" u="none" strike="noStrike" dirty="0">
-                <a:solidFill>
-                  <a:srgbClr val="16191F"/>
-                </a:solidFill>
-                <a:effectLst/>
-                <a:latin typeface="Amazon Ember"/>
-                <a:hlinkClick r:id="rId3"/>
-              </a:rPr>
-              <a:t>Amazon Detective </a:t>
-            </a:r>
-            <a:endParaRPr lang="en-GB" sz="1400" b="0" i="0" u="none" strike="noStrike" dirty="0">
-              <a:solidFill>
-                <a:srgbClr val="16191F"/>
-              </a:solidFill>
-              <a:effectLst/>
-              <a:latin typeface="Amazon Ember"/>
-            </a:endParaRPr>
-          </a:p>
-          <a:p>
-            <a:pPr marL="277178" indent="-277178" defTabSz="886968">
-              <a:spcAft>
-                <a:spcPts val="600"/>
-              </a:spcAft>
-              <a:buFont typeface="Arial" panose="020B0604020202020204" pitchFamily="34" charset="0"/>
-              <a:buChar char="•"/>
-            </a:pPr>
-            <a:r>
-              <a:rPr lang="en-GB" sz="1400" b="0" i="0" u="none" strike="noStrike" dirty="0">
-                <a:solidFill>
-                  <a:srgbClr val="16191F"/>
-                </a:solidFill>
-                <a:effectLst/>
-                <a:latin typeface="Amazon Ember"/>
-                <a:hlinkClick r:id="rId4"/>
-              </a:rPr>
-              <a:t>AWS Firewall Manager </a:t>
-            </a:r>
-            <a:endParaRPr lang="en-GB" sz="1400" dirty="0">
-              <a:solidFill>
-                <a:srgbClr val="16191F"/>
-              </a:solidFill>
-              <a:latin typeface="Amazon Ember"/>
-            </a:endParaRPr>
-          </a:p>
-          <a:p>
-            <a:pPr marL="277178" indent="-277178" defTabSz="886968">
-              <a:spcAft>
-                <a:spcPts val="600"/>
-              </a:spcAft>
-              <a:buFont typeface="Arial" panose="020B0604020202020204" pitchFamily="34" charset="0"/>
-              <a:buChar char="•"/>
-            </a:pPr>
-            <a:r>
-              <a:rPr lang="en-GB" sz="1400" b="0" i="0" u="none" strike="noStrike" dirty="0">
-                <a:solidFill>
-                  <a:srgbClr val="16191F"/>
-                </a:solidFill>
-                <a:effectLst/>
-                <a:latin typeface="Amazon Ember"/>
-              </a:rPr>
-              <a:t>AWS C</a:t>
-            </a:r>
-            <a:r>
-              <a:rPr lang="en-GB" sz="1400" dirty="0">
-                <a:solidFill>
-                  <a:srgbClr val="16191F"/>
-                </a:solidFill>
-                <a:latin typeface="Amazon Ember"/>
-              </a:rPr>
-              <a:t>onfig</a:t>
-            </a:r>
-            <a:endParaRPr lang="en-GB" sz="1400" b="0" i="0" u="none" strike="noStrike" dirty="0">
-              <a:solidFill>
-                <a:srgbClr val="16191F"/>
-              </a:solidFill>
-              <a:effectLst/>
-              <a:latin typeface="Amazon Ember"/>
-            </a:endParaRPr>
-          </a:p>
-          <a:p>
-            <a:pPr marL="277178" indent="-277178" defTabSz="886968">
-              <a:spcAft>
-                <a:spcPts val="600"/>
-              </a:spcAft>
-              <a:buFont typeface="Arial" panose="020B0604020202020204" pitchFamily="34" charset="0"/>
-              <a:buChar char="•"/>
-            </a:pPr>
-            <a:r>
-              <a:rPr lang="en-GB" sz="1400" b="1" kern="1200" dirty="0">
-                <a:solidFill>
-                  <a:srgbClr val="16191F"/>
-                </a:solidFill>
-                <a:latin typeface="Amazon Ember"/>
-                <a:ea typeface="+mn-ea"/>
-                <a:cs typeface="+mn-cs"/>
-              </a:rPr>
-              <a:t>supported third-party products. </a:t>
-            </a:r>
-            <a:endParaRPr lang="en-GB" sz="1400" b="1" i="0" dirty="0">
-              <a:solidFill>
-                <a:srgbClr val="16191F"/>
-              </a:solidFill>
-              <a:effectLst/>
-              <a:latin typeface="Amazon Ember"/>
-            </a:endParaRPr>
-          </a:p>
-        </p:txBody>
-      </p:sp>
-      <p:pic>
-        <p:nvPicPr>
-          <p:cNvPr id="2050" name="Picture 2" descr="AWS Security Hub | AWS Security Blog">
-            <a:extLst>
-              <a:ext uri="{FF2B5EF4-FFF2-40B4-BE49-F238E27FC236}">
-                <a16:creationId xmlns:a16="http://schemas.microsoft.com/office/drawing/2014/main" id="{A98B73E6-D180-73D8-623C-3935C48FEDE3}"/>
-              </a:ext>
-            </a:extLst>
-          </p:cNvPr>
-          <p:cNvPicPr>
-            <a:picLocks noChangeAspect="1" noChangeArrowheads="1"/>
-          </p:cNvPicPr>
-          <p:nvPr/>
-        </p:nvPicPr>
-        <p:blipFill>
-          <a:blip r:embed="rId5">
-            <a:extLst>
-              <a:ext uri="{28A0092B-C50C-407E-A947-70E740481C1C}">
-                <a14:useLocalDpi xmlns:a14="http://schemas.microsoft.com/office/drawing/2010/main" val="0"/>
-              </a:ext>
-            </a:extLst>
-          </a:blip>
-          <a:srcRect/>
-          <a:stretch>
-            <a:fillRect/>
-          </a:stretch>
-        </p:blipFill>
-        <p:spPr bwMode="auto">
-          <a:xfrm>
-            <a:off x="7727995" y="2405689"/>
-            <a:ext cx="4093245" cy="2046622"/>
-          </a:xfrm>
-          <a:prstGeom prst="rect">
-            <a:avLst/>
-          </a:prstGeom>
-          <a:noFill/>
-          <a:extLst>
-            <a:ext uri="{909E8E84-426E-40DD-AFC4-6F175D3DCCD1}">
-              <a14:hiddenFill xmlns:a14="http://schemas.microsoft.com/office/drawing/2010/main">
-                <a:solidFill>
-                  <a:srgbClr val="FFFFFF"/>
-                </a:solidFill>
-              </a14:hiddenFill>
-            </a:ext>
-          </a:extLst>
-        </p:spPr>
-      </p:pic>
-      <p:sp>
-        <p:nvSpPr>
-          <p:cNvPr id="7" name="TextBox 6">
-            <a:extLst>
-              <a:ext uri="{FF2B5EF4-FFF2-40B4-BE49-F238E27FC236}">
-                <a16:creationId xmlns:a16="http://schemas.microsoft.com/office/drawing/2014/main" id="{EDF19A31-4CF2-2735-C428-1CB7E50CE2BE}"/>
-              </a:ext>
-            </a:extLst>
-          </p:cNvPr>
-          <p:cNvSpPr txBox="1"/>
-          <p:nvPr/>
-        </p:nvSpPr>
-        <p:spPr>
-          <a:xfrm>
-            <a:off x="659931" y="4842361"/>
-            <a:ext cx="6309277" cy="1169551"/>
-          </a:xfrm>
-          <a:prstGeom prst="rect">
-            <a:avLst/>
-          </a:prstGeom>
-          <a:noFill/>
-        </p:spPr>
-        <p:txBody>
-          <a:bodyPr wrap="square">
-            <a:spAutoFit/>
-          </a:bodyPr>
-          <a:lstStyle/>
-          <a:p>
-            <a:r>
-              <a:rPr lang="en-GB" sz="1400" b="0" i="0" dirty="0">
-                <a:solidFill>
-                  <a:srgbClr val="16191F"/>
-                </a:solidFill>
-                <a:effectLst/>
-                <a:latin typeface="Amazon Ember"/>
-              </a:rPr>
-              <a:t>Security Hub supports multiple security standards</a:t>
-            </a:r>
-            <a:r>
-              <a:rPr lang="en-GB" sz="1400" dirty="0">
-                <a:solidFill>
-                  <a:srgbClr val="16191F"/>
-                </a:solidFill>
-                <a:latin typeface="Amazon Ember"/>
-              </a:rPr>
-              <a:t>:</a:t>
-            </a:r>
-            <a:endParaRPr lang="en-GB" sz="1400" b="0" i="0" dirty="0">
-              <a:solidFill>
-                <a:srgbClr val="16191F"/>
-              </a:solidFill>
-              <a:effectLst/>
-              <a:latin typeface="Amazon Ember"/>
-            </a:endParaRPr>
-          </a:p>
-          <a:p>
-            <a:pPr marL="285750" indent="-285750">
-              <a:buFont typeface="Arial" panose="020B0604020202020204" pitchFamily="34" charset="0"/>
-              <a:buChar char="•"/>
-            </a:pPr>
-            <a:r>
-              <a:rPr lang="en-GB" sz="1400" b="0" i="0" dirty="0">
-                <a:solidFill>
-                  <a:srgbClr val="16191F"/>
-                </a:solidFill>
-                <a:effectLst/>
-                <a:latin typeface="Amazon Ember"/>
-              </a:rPr>
-              <a:t>AWS Foundational Security Best Practices (FSBP) standard developed by AWS</a:t>
-            </a:r>
-            <a:endParaRPr lang="en-GB" sz="1400" dirty="0">
-              <a:solidFill>
-                <a:srgbClr val="16191F"/>
-              </a:solidFill>
-              <a:latin typeface="Amazon Ember"/>
-            </a:endParaRPr>
-          </a:p>
-          <a:p>
-            <a:pPr marL="285750" indent="-285750">
-              <a:buFont typeface="Arial" panose="020B0604020202020204" pitchFamily="34" charset="0"/>
-              <a:buChar char="•"/>
-            </a:pPr>
-            <a:r>
-              <a:rPr lang="en-GB" sz="1400" b="0" i="0" dirty="0" err="1">
-                <a:solidFill>
-                  <a:srgbClr val="16191F"/>
-                </a:solidFill>
-                <a:effectLst/>
-                <a:latin typeface="Amazon Ember"/>
-              </a:rPr>
-              <a:t>Center</a:t>
-            </a:r>
-            <a:r>
-              <a:rPr lang="en-GB" sz="1400" b="0" i="0" dirty="0">
-                <a:solidFill>
-                  <a:srgbClr val="16191F"/>
-                </a:solidFill>
-                <a:effectLst/>
-                <a:latin typeface="Amazon Ember"/>
-              </a:rPr>
-              <a:t> for Internet Security (CIS)</a:t>
-            </a:r>
-          </a:p>
-          <a:p>
-            <a:pPr marL="285750" indent="-285750">
-              <a:buFont typeface="Arial" panose="020B0604020202020204" pitchFamily="34" charset="0"/>
-              <a:buChar char="•"/>
-            </a:pPr>
-            <a:r>
-              <a:rPr lang="en-GB" sz="1400" b="0" i="0" dirty="0">
-                <a:solidFill>
-                  <a:srgbClr val="16191F"/>
-                </a:solidFill>
-                <a:effectLst/>
-                <a:latin typeface="Amazon Ember"/>
-              </a:rPr>
-              <a:t>Payment Card Industry Data Security Standard (PCI DSS)</a:t>
-            </a:r>
-          </a:p>
-          <a:p>
-            <a:pPr marL="285750" indent="-285750">
-              <a:buFont typeface="Arial" panose="020B0604020202020204" pitchFamily="34" charset="0"/>
-              <a:buChar char="•"/>
-            </a:pPr>
-            <a:r>
-              <a:rPr lang="en-GB" sz="1400" b="0" i="0" dirty="0">
-                <a:solidFill>
-                  <a:srgbClr val="16191F"/>
-                </a:solidFill>
-                <a:effectLst/>
-                <a:latin typeface="Amazon Ember"/>
-              </a:rPr>
-              <a:t>National Institute of Standards and Technology (NIST). </a:t>
-            </a:r>
-          </a:p>
-        </p:txBody>
-      </p:sp>
-    </p:spTree>
-    <p:extLst>
-      <p:ext uri="{BB962C8B-B14F-4D97-AF65-F5344CB8AC3E}">
-        <p14:creationId xmlns:p14="http://schemas.microsoft.com/office/powerpoint/2010/main" val="2500278166"/>
-      </p:ext>
-    </p:extLst>
-  </p:cSld>
-  <p:clrMapOvr>
-    <a:masterClrMapping/>
-  </p:clrMapOvr>
-</p:sld>
-</file>
-
-<file path=ppt/slides/slide4.xml><?xml version="1.0" encoding="utf-8"?>
-<p:sld xmlns:a="http://schemas.openxmlformats.org/drawingml/2006/main" xmlns:r="http://schemas.openxmlformats.org/officeDocument/2006/relationships" xmlns:p="http://schemas.openxmlformats.org/presentationml/2006/main">
-  <p:cSld>
-    <p:bg>
-      <p:bgPr>
-        <a:solidFill>
-          <a:schemeClr val="bg1"/>
-        </a:solidFill>
-        <a:effectLst/>
-      </p:bgPr>
-    </p:bg>
-    <p:spTree>
-      <p:nvGrpSpPr>
-        <p:cNvPr id="1" name=""/>
-        <p:cNvGrpSpPr/>
-        <p:nvPr/>
-      </p:nvGrpSpPr>
-      <p:grpSpPr>
-        <a:xfrm>
-          <a:off x="0" y="0"/>
-          <a:ext cx="0" cy="0"/>
-          <a:chOff x="0" y="0"/>
-          <a:chExt cx="0" cy="0"/>
-        </a:xfrm>
-      </p:grpSpPr>
-      <p:sp useBgFill="1">
-        <p:nvSpPr>
-          <p:cNvPr id="9" name="Rectangle 8">
-            <a:extLst>
-              <a:ext uri="{FF2B5EF4-FFF2-40B4-BE49-F238E27FC236}">
-                <a16:creationId xmlns:a16="http://schemas.microsoft.com/office/drawing/2014/main" id="{2596F992-698C-48C0-9D89-70DA4CE927EF}"/>
-              </a:ext>
-              <a:ext uri="{C183D7F6-B498-43B3-948B-1728B52AA6E4}">
-                <adec:decorative xmlns:adec="http://schemas.microsoft.com/office/drawing/2017/decorative" val="1"/>
-              </a:ext>
-            </a:extLst>
-          </p:cNvPr>
-          <p:cNvSpPr>
-            <a:spLocks noGrp="1" noRot="1" noChangeAspect="1" noMove="1" noResize="1" noEditPoints="1" noAdjustHandles="1" noChangeArrowheads="1" noChangeShapeType="1" noTextEdit="1"/>
-          </p:cNvSpPr>
-          <p:nvPr>
-            <p:extLst>
-              <p:ext uri="{386F3935-93C4-4BCD-93E2-E3B085C9AB24}">
-                <p16:designElem xmlns:p16="http://schemas.microsoft.com/office/powerpoint/2015/main" val="1"/>
-              </p:ext>
-            </p:extLst>
-          </p:nvPr>
-        </p:nvSpPr>
-        <p:spPr>
-          <a:xfrm>
-            <a:off x="0" y="0"/>
-            <a:ext cx="12192000" cy="6858000"/>
-          </a:xfrm>
-          <a:prstGeom prst="rect">
-            <a:avLst/>
-          </a:prstGeom>
-          <a:ln w="12700" cap="flat" cmpd="sng" algn="ctr">
-            <a:noFill/>
-            <a:prstDash val="solid"/>
-            <a:miter lim="800000"/>
-          </a:ln>
-          <a:effectLst/>
-          <a:extLst>
-            <a:ext uri="{91240B29-F687-4F45-9708-019B960494DF}">
-              <a14:hiddenLine xmlns:a14="http://schemas.microsoft.com/office/drawing/2010/main" w="12700" cap="flat" cmpd="sng" algn="ctr">
-                <a:solidFill>
-                  <a:schemeClr val="accent1">
-                    <a:shade val="50000"/>
-                  </a:schemeClr>
-                </a:solidFill>
-                <a:prstDash val="solid"/>
-                <a:miter lim="800000"/>
-              </a14:hiddenLine>
-            </a:ext>
-          </a:extLst>
-        </p:spPr>
-        <p:style>
-          <a:lnRef idx="2">
-            <a:schemeClr val="accent1">
-              <a:shade val="50000"/>
-            </a:schemeClr>
-          </a:lnRef>
-          <a:fillRef idx="1">
-            <a:schemeClr val="accent1"/>
-          </a:fillRef>
-          <a:effectRef idx="0">
-            <a:schemeClr val="accent1"/>
-          </a:effectRef>
-          <a:fontRef idx="minor">
-            <a:schemeClr val="lt1"/>
-          </a:fontRef>
-        </p:style>
-        <p:txBody>
-          <a:bodyPr rtlCol="0" anchor="ctr"/>
-          <a:lstStyle/>
-          <a:p>
-            <a:pPr algn="ctr"/>
-            <a:endParaRPr lang="en-US"/>
-          </a:p>
-        </p:txBody>
-      </p:sp>
-      <p:sp>
-        <p:nvSpPr>
-          <p:cNvPr id="2" name="Title 1">
-            <a:extLst>
-              <a:ext uri="{FF2B5EF4-FFF2-40B4-BE49-F238E27FC236}">
-                <a16:creationId xmlns:a16="http://schemas.microsoft.com/office/drawing/2014/main" id="{BAA00A78-D33F-DE76-82F4-0C671C93F904}"/>
-              </a:ext>
-            </a:extLst>
-          </p:cNvPr>
-          <p:cNvSpPr>
-            <a:spLocks noGrp="1"/>
-          </p:cNvSpPr>
-          <p:nvPr>
-            <p:ph type="title"/>
-          </p:nvPr>
-        </p:nvSpPr>
-        <p:spPr>
-          <a:xfrm>
-            <a:off x="914402" y="489508"/>
-            <a:ext cx="5535825" cy="709097"/>
-          </a:xfrm>
-        </p:spPr>
-        <p:txBody>
-          <a:bodyPr anchor="b">
-            <a:normAutofit/>
-          </a:bodyPr>
-          <a:lstStyle/>
-          <a:p>
-            <a:pPr algn="r"/>
-            <a:r>
-              <a:rPr lang="en-CH" sz="4000" dirty="0"/>
-              <a:t>Security Hub Pricing</a:t>
-            </a:r>
-          </a:p>
-        </p:txBody>
-      </p:sp>
-      <p:sp>
-        <p:nvSpPr>
-          <p:cNvPr id="3" name="Content Placeholder 2">
-            <a:extLst>
-              <a:ext uri="{FF2B5EF4-FFF2-40B4-BE49-F238E27FC236}">
-                <a16:creationId xmlns:a16="http://schemas.microsoft.com/office/drawing/2014/main" id="{6C226AA0-2574-9E79-C381-9F742F3453F9}"/>
-              </a:ext>
-            </a:extLst>
-          </p:cNvPr>
-          <p:cNvSpPr>
-            <a:spLocks noGrp="1"/>
-          </p:cNvSpPr>
-          <p:nvPr>
-            <p:ph idx="1"/>
-          </p:nvPr>
-        </p:nvSpPr>
-        <p:spPr>
-          <a:xfrm>
-            <a:off x="662153" y="1688113"/>
-            <a:ext cx="4855778" cy="1958368"/>
-          </a:xfrm>
-        </p:spPr>
-        <p:txBody>
-          <a:bodyPr anchor="t">
-            <a:normAutofit/>
-          </a:bodyPr>
-          <a:lstStyle/>
-          <a:p>
-            <a:r>
-              <a:rPr lang="en-GB" sz="2000" b="0" i="0" dirty="0">
-                <a:effectLst/>
-                <a:latin typeface="Amazon Ember"/>
-              </a:rPr>
-              <a:t>for the first time a 30-day Security Hub free trial.</a:t>
-            </a:r>
-          </a:p>
-          <a:p>
-            <a:r>
-              <a:rPr lang="en-GB" sz="2000" b="0" i="0" dirty="0">
-                <a:effectLst/>
-                <a:latin typeface="Amazon Ember"/>
-                <a:hlinkClick r:id="rId2"/>
-              </a:rPr>
-              <a:t>https://aws.amazon.com/security-hub/pricing/</a:t>
-            </a:r>
-            <a:endParaRPr lang="en-GB" sz="2000" b="0" i="0" dirty="0">
-              <a:effectLst/>
-              <a:latin typeface="Amazon Ember"/>
-            </a:endParaRPr>
-          </a:p>
-          <a:p>
-            <a:endParaRPr lang="en-GB" sz="2000" b="0" i="0" dirty="0">
-              <a:effectLst/>
-              <a:latin typeface="Amazon Ember"/>
-            </a:endParaRPr>
-          </a:p>
-          <a:p>
-            <a:endParaRPr lang="en-GB" sz="2000" b="0" i="0" dirty="0">
-              <a:effectLst/>
-              <a:latin typeface="Amazon Ember"/>
-            </a:endParaRPr>
-          </a:p>
-          <a:p>
-            <a:endParaRPr lang="en-CH" sz="2000" dirty="0"/>
-          </a:p>
-        </p:txBody>
-      </p:sp>
-      <p:pic>
-        <p:nvPicPr>
-          <p:cNvPr id="4" name="Picture 3">
-            <a:extLst>
-              <a:ext uri="{FF2B5EF4-FFF2-40B4-BE49-F238E27FC236}">
-                <a16:creationId xmlns:a16="http://schemas.microsoft.com/office/drawing/2014/main" id="{56513A9F-9499-E1DF-4FCE-6CB302E7CF9D}"/>
-              </a:ext>
-            </a:extLst>
-          </p:cNvPr>
-          <p:cNvPicPr>
-            <a:picLocks noChangeAspect="1"/>
-          </p:cNvPicPr>
-          <p:nvPr/>
-        </p:nvPicPr>
-        <p:blipFill>
-          <a:blip r:embed="rId3"/>
-          <a:stretch>
-            <a:fillRect/>
-          </a:stretch>
-        </p:blipFill>
-        <p:spPr>
-          <a:xfrm>
-            <a:off x="1518746" y="3959430"/>
-            <a:ext cx="9154508" cy="2128420"/>
-          </a:xfrm>
-          <a:prstGeom prst="rect">
-            <a:avLst/>
-          </a:prstGeom>
-        </p:spPr>
-      </p:pic>
-      <p:sp>
-        <p:nvSpPr>
-          <p:cNvPr id="11" name="Rectangle 10">
-            <a:extLst>
-              <a:ext uri="{FF2B5EF4-FFF2-40B4-BE49-F238E27FC236}">
-                <a16:creationId xmlns:a16="http://schemas.microsoft.com/office/drawing/2014/main" id="{A344AAA5-41F4-4862-97EF-688D31DC7567}"/>
-              </a:ext>
-              <a:ext uri="{C183D7F6-B498-43B3-948B-1728B52AA6E4}">
-                <adec:decorative xmlns:adec="http://schemas.microsoft.com/office/drawing/2017/decorative" val="1"/>
-              </a:ext>
-            </a:extLst>
-          </p:cNvPr>
-          <p:cNvSpPr>
-            <a:spLocks noGrp="1" noRot="1" noChangeAspect="1" noMove="1" noResize="1" noEditPoints="1" noAdjustHandles="1" noChangeArrowheads="1" noChangeShapeType="1" noTextEdit="1"/>
-          </p:cNvSpPr>
-          <p:nvPr>
-            <p:extLst>
-              <p:ext uri="{386F3935-93C4-4BCD-93E2-E3B085C9AB24}">
-                <p16:designElem xmlns:p16="http://schemas.microsoft.com/office/powerpoint/2015/main" val="1"/>
-              </p:ext>
-            </p:extLst>
-          </p:nvPr>
-        </p:nvSpPr>
-        <p:spPr>
-          <a:xfrm rot="10800000" flipH="1">
-            <a:off x="0" y="6400799"/>
-            <a:ext cx="12192000" cy="456773"/>
-          </a:xfrm>
-          <a:prstGeom prst="rect">
-            <a:avLst/>
-          </a:prstGeom>
-          <a:gradFill>
-            <a:gsLst>
-              <a:gs pos="0">
-                <a:schemeClr val="accent1"/>
-              </a:gs>
-              <a:gs pos="85000">
-                <a:srgbClr val="000000"/>
-              </a:gs>
-            </a:gsLst>
-            <a:lin ang="2400000" scaled="0"/>
-          </a:gradFill>
-          <a:ln>
-            <a:noFill/>
-          </a:ln>
-        </p:spPr>
-        <p:style>
-          <a:lnRef idx="2">
-            <a:schemeClr val="accent1">
-              <a:shade val="50000"/>
-            </a:schemeClr>
-          </a:lnRef>
-          <a:fillRef idx="1">
-            <a:schemeClr val="accent1"/>
-          </a:fillRef>
-          <a:effectRef idx="0">
-            <a:schemeClr val="accent1"/>
-          </a:effectRef>
-          <a:fontRef idx="minor">
-            <a:schemeClr val="lt1"/>
-          </a:fontRef>
-        </p:style>
-        <p:txBody>
-          <a:bodyPr rtlCol="0" anchor="ctr"/>
-          <a:lstStyle/>
-          <a:p>
-            <a:pPr algn="ctr"/>
-            <a:endParaRPr lang="en-US"/>
-          </a:p>
-        </p:txBody>
-      </p:sp>
-      <p:sp>
-        <p:nvSpPr>
-          <p:cNvPr id="13" name="Rectangle 12">
-            <a:extLst>
-              <a:ext uri="{FF2B5EF4-FFF2-40B4-BE49-F238E27FC236}">
-                <a16:creationId xmlns:a16="http://schemas.microsoft.com/office/drawing/2014/main" id="{69E1A62C-2AAF-4B3E-8CDB-65E237080997}"/>
-              </a:ext>
-              <a:ext uri="{C183D7F6-B498-43B3-948B-1728B52AA6E4}">
-                <adec:decorative xmlns:adec="http://schemas.microsoft.com/office/drawing/2017/decorative" val="1"/>
-              </a:ext>
-            </a:extLst>
-          </p:cNvPr>
-          <p:cNvSpPr>
-            <a:spLocks noGrp="1" noRot="1" noChangeAspect="1" noMove="1" noResize="1" noEditPoints="1" noAdjustHandles="1" noChangeArrowheads="1" noChangeShapeType="1" noTextEdit="1"/>
-          </p:cNvSpPr>
-          <p:nvPr>
-            <p:extLst>
-              <p:ext uri="{386F3935-93C4-4BCD-93E2-E3B085C9AB24}">
-                <p16:designElem xmlns:p16="http://schemas.microsoft.com/office/powerpoint/2015/main" val="1"/>
-              </p:ext>
-            </p:extLst>
-          </p:nvPr>
-        </p:nvSpPr>
-        <p:spPr>
-          <a:xfrm flipH="1">
-            <a:off x="4038600" y="6400799"/>
-            <a:ext cx="8153398" cy="456772"/>
-          </a:xfrm>
-          <a:prstGeom prst="rect">
-            <a:avLst/>
-          </a:prstGeom>
-          <a:gradFill>
-            <a:gsLst>
-              <a:gs pos="0">
-                <a:srgbClr val="000000">
-                  <a:alpha val="26000"/>
-                </a:srgbClr>
-              </a:gs>
-              <a:gs pos="100000">
-                <a:schemeClr val="accent1">
-                  <a:lumMod val="75000"/>
-                </a:schemeClr>
-              </a:gs>
-            </a:gsLst>
-            <a:lin ang="13800000" scaled="0"/>
-          </a:gradFill>
-          <a:ln>
-            <a:noFill/>
-          </a:ln>
-        </p:spPr>
-        <p:style>
-          <a:lnRef idx="2">
-            <a:schemeClr val="accent1">
-              <a:shade val="50000"/>
-            </a:schemeClr>
-          </a:lnRef>
-          <a:fillRef idx="1">
-            <a:schemeClr val="accent1"/>
-          </a:fillRef>
-          <a:effectRef idx="0">
-            <a:schemeClr val="accent1"/>
-          </a:effectRef>
-          <a:fontRef idx="minor">
-            <a:schemeClr val="lt1"/>
-          </a:fontRef>
-        </p:style>
-        <p:txBody>
-          <a:bodyPr rtlCol="0" anchor="ctr"/>
-          <a:lstStyle/>
-          <a:p>
-            <a:pPr algn="ctr"/>
-            <a:endParaRPr lang="en-US"/>
-          </a:p>
-        </p:txBody>
-      </p:sp>
-    </p:spTree>
-    <p:extLst>
-      <p:ext uri="{BB962C8B-B14F-4D97-AF65-F5344CB8AC3E}">
-        <p14:creationId xmlns:p14="http://schemas.microsoft.com/office/powerpoint/2010/main" val="434424016"/>
-      </p:ext>
-    </p:extLst>
-  </p:cSld>
-  <p:clrMapOvr>
-    <a:masterClrMapping/>
-  </p:clrMapOvr>
-</p:sld>
-</file>
-
-<file path=ppt/slides/slide5.xml><?xml version="1.0" encoding="utf-8"?>
-<p:sld xmlns:a="http://schemas.openxmlformats.org/drawingml/2006/main" xmlns:r="http://schemas.openxmlformats.org/officeDocument/2006/relationships" xmlns:p="http://schemas.openxmlformats.org/presentationml/2006/main">
-  <p:cSld>
-    <p:bg>
-      <p:bgPr>
-        <a:solidFill>
-          <a:schemeClr val="bg1"/>
-        </a:solidFill>
-        <a:effectLst/>
-      </p:bgPr>
-    </p:bg>
-    <p:spTree>
-      <p:nvGrpSpPr>
-        <p:cNvPr id="1" name=""/>
-        <p:cNvGrpSpPr/>
-        <p:nvPr/>
-      </p:nvGrpSpPr>
-      <p:grpSpPr>
-        <a:xfrm>
-          <a:off x="0" y="0"/>
-          <a:ext cx="0" cy="0"/>
-          <a:chOff x="0" y="0"/>
-          <a:chExt cx="0" cy="0"/>
-        </a:xfrm>
-      </p:grpSpPr>
-      <p:sp useBgFill="1">
-        <p:nvSpPr>
-          <p:cNvPr id="3089" name="Rectangle 3078">
-            <a:extLst>
-              <a:ext uri="{FF2B5EF4-FFF2-40B4-BE49-F238E27FC236}">
-                <a16:creationId xmlns:a16="http://schemas.microsoft.com/office/drawing/2014/main" id="{A8384FB5-9ADC-4DDC-881B-597D56F5B15D}"/>
-              </a:ext>
-              <a:ext uri="{C183D7F6-B498-43B3-948B-1728B52AA6E4}">
-                <adec:decorative xmlns:adec="http://schemas.microsoft.com/office/drawing/2017/decorative" val="1"/>
-              </a:ext>
-            </a:extLst>
-          </p:cNvPr>
-          <p:cNvSpPr>
-            <a:spLocks noGrp="1" noRot="1" noChangeAspect="1" noMove="1" noResize="1" noEditPoints="1" noAdjustHandles="1" noChangeArrowheads="1" noChangeShapeType="1" noTextEdit="1"/>
-          </p:cNvSpPr>
-          <p:nvPr>
-            <p:extLst>
-              <p:ext uri="{386F3935-93C4-4BCD-93E2-E3B085C9AB24}">
-                <p16:designElem xmlns:p16="http://schemas.microsoft.com/office/powerpoint/2015/main" val="1"/>
-              </p:ext>
-            </p:extLst>
-          </p:nvPr>
-        </p:nvSpPr>
-        <p:spPr>
-          <a:xfrm>
-            <a:off x="0" y="0"/>
-            <a:ext cx="12192000" cy="6858000"/>
-          </a:xfrm>
-          <a:prstGeom prst="rect">
-            <a:avLst/>
-          </a:prstGeom>
-          <a:ln w="12700" cap="flat" cmpd="sng" algn="ctr">
-            <a:noFill/>
-            <a:prstDash val="solid"/>
-            <a:miter lim="800000"/>
-          </a:ln>
-          <a:effectLst/>
-          <a:extLst>
-            <a:ext uri="{91240B29-F687-4F45-9708-019B960494DF}">
-              <a14:hiddenLine xmlns:a14="http://schemas.microsoft.com/office/drawing/2010/main" w="12700" cap="flat" cmpd="sng" algn="ctr">
-                <a:solidFill>
-                  <a:schemeClr val="accent1">
-                    <a:shade val="50000"/>
-                  </a:schemeClr>
-                </a:solidFill>
-                <a:prstDash val="solid"/>
-                <a:miter lim="800000"/>
-              </a14:hiddenLine>
-            </a:ext>
-          </a:extLst>
-        </p:spPr>
-        <p:style>
-          <a:lnRef idx="2">
-            <a:schemeClr val="accent1">
-              <a:shade val="50000"/>
-            </a:schemeClr>
-          </a:lnRef>
-          <a:fillRef idx="1">
-            <a:schemeClr val="accent1"/>
-          </a:fillRef>
-          <a:effectRef idx="0">
-            <a:schemeClr val="accent1"/>
-          </a:effectRef>
-          <a:fontRef idx="minor">
-            <a:schemeClr val="lt1"/>
-          </a:fontRef>
-        </p:style>
-        <p:txBody>
-          <a:bodyPr rtlCol="0" anchor="ctr"/>
-          <a:lstStyle/>
-          <a:p>
-            <a:pPr algn="ctr"/>
-            <a:endParaRPr lang="en-US"/>
-          </a:p>
-        </p:txBody>
-      </p:sp>
-      <p:sp>
-        <p:nvSpPr>
-          <p:cNvPr id="3090" name="Rectangle 3080">
-            <a:extLst>
-              <a:ext uri="{FF2B5EF4-FFF2-40B4-BE49-F238E27FC236}">
-                <a16:creationId xmlns:a16="http://schemas.microsoft.com/office/drawing/2014/main" id="{1199E1B1-A8C0-4FE8-A5A8-1CB41D69F857}"/>
-              </a:ext>
-              <a:ext uri="{C183D7F6-B498-43B3-948B-1728B52AA6E4}">
-                <adec:decorative xmlns:adec="http://schemas.microsoft.com/office/drawing/2017/decorative" val="1"/>
-              </a:ext>
-            </a:extLst>
-          </p:cNvPr>
-          <p:cNvSpPr>
-            <a:spLocks noGrp="1" noRot="1" noChangeAspect="1" noMove="1" noResize="1" noEditPoints="1" noAdjustHandles="1" noChangeArrowheads="1" noChangeShapeType="1" noTextEdit="1"/>
-          </p:cNvSpPr>
-          <p:nvPr>
-            <p:extLst>
-              <p:ext uri="{386F3935-93C4-4BCD-93E2-E3B085C9AB24}">
-                <p16:designElem xmlns:p16="http://schemas.microsoft.com/office/powerpoint/2015/main" val="1"/>
-              </p:ext>
-            </p:extLst>
-          </p:nvPr>
-        </p:nvSpPr>
-        <p:spPr>
-          <a:xfrm rot="10800000" flipH="1">
-            <a:off x="2" y="0"/>
-            <a:ext cx="12191998" cy="1575955"/>
-          </a:xfrm>
-          <a:prstGeom prst="rect">
-            <a:avLst/>
-          </a:prstGeom>
-          <a:gradFill>
-            <a:gsLst>
-              <a:gs pos="0">
-                <a:srgbClr val="000000">
-                  <a:alpha val="96000"/>
-                </a:srgbClr>
-              </a:gs>
-              <a:gs pos="100000">
-                <a:schemeClr val="accent1">
-                  <a:lumMod val="75000"/>
-                </a:schemeClr>
-              </a:gs>
-            </a:gsLst>
-            <a:lin ang="6000000" scaled="0"/>
-          </a:gradFill>
-          <a:ln>
-            <a:noFill/>
-          </a:ln>
-        </p:spPr>
-        <p:style>
-          <a:lnRef idx="2">
-            <a:schemeClr val="accent1">
-              <a:shade val="50000"/>
-            </a:schemeClr>
-          </a:lnRef>
-          <a:fillRef idx="1">
-            <a:schemeClr val="accent1"/>
-          </a:fillRef>
-          <a:effectRef idx="0">
-            <a:schemeClr val="accent1"/>
-          </a:effectRef>
-          <a:fontRef idx="minor">
-            <a:schemeClr val="lt1"/>
-          </a:fontRef>
-        </p:style>
-        <p:txBody>
-          <a:bodyPr rtlCol="0" anchor="ctr"/>
-          <a:lstStyle/>
-          <a:p>
-            <a:pPr algn="ctr"/>
-            <a:endParaRPr lang="en-US"/>
-          </a:p>
-        </p:txBody>
-      </p:sp>
-      <p:sp>
-        <p:nvSpPr>
-          <p:cNvPr id="3091" name="Rectangle 3082">
-            <a:extLst>
-              <a:ext uri="{FF2B5EF4-FFF2-40B4-BE49-F238E27FC236}">
-                <a16:creationId xmlns:a16="http://schemas.microsoft.com/office/drawing/2014/main" id="{84A8DE83-DE75-4B41-9DB4-A7EC0B0DEC0B}"/>
-              </a:ext>
-              <a:ext uri="{C183D7F6-B498-43B3-948B-1728B52AA6E4}">
-                <adec:decorative xmlns:adec="http://schemas.microsoft.com/office/drawing/2017/decorative" val="1"/>
-              </a:ext>
-            </a:extLst>
-          </p:cNvPr>
-          <p:cNvSpPr>
-            <a:spLocks noGrp="1" noRot="1" noChangeAspect="1" noMove="1" noResize="1" noEditPoints="1" noAdjustHandles="1" noChangeArrowheads="1" noChangeShapeType="1" noTextEdit="1"/>
-          </p:cNvSpPr>
-          <p:nvPr>
-            <p:extLst>
-              <p:ext uri="{386F3935-93C4-4BCD-93E2-E3B085C9AB24}">
-                <p16:designElem xmlns:p16="http://schemas.microsoft.com/office/powerpoint/2015/main" val="1"/>
-              </p:ext>
-            </p:extLst>
-          </p:nvPr>
-        </p:nvSpPr>
-        <p:spPr>
-          <a:xfrm>
-            <a:off x="0" y="0"/>
-            <a:ext cx="8128856" cy="1575461"/>
-          </a:xfrm>
-          <a:prstGeom prst="rect">
-            <a:avLst/>
-          </a:prstGeom>
-          <a:gradFill>
-            <a:gsLst>
-              <a:gs pos="0">
-                <a:schemeClr val="accent1">
-                  <a:alpha val="41000"/>
-                </a:schemeClr>
-              </a:gs>
-              <a:gs pos="74000">
-                <a:schemeClr val="accent1">
-                  <a:lumMod val="60000"/>
-                  <a:lumOff val="40000"/>
-                  <a:alpha val="0"/>
-                </a:schemeClr>
-              </a:gs>
-            </a:gsLst>
-            <a:lin ang="8400000" scaled="0"/>
-          </a:gradFill>
-          <a:ln>
-            <a:noFill/>
-          </a:ln>
-        </p:spPr>
-        <p:style>
-          <a:lnRef idx="2">
-            <a:schemeClr val="accent1">
-              <a:shade val="50000"/>
-            </a:schemeClr>
-          </a:lnRef>
-          <a:fillRef idx="1">
-            <a:schemeClr val="accent1"/>
-          </a:fillRef>
-          <a:effectRef idx="0">
-            <a:schemeClr val="accent1"/>
-          </a:effectRef>
-          <a:fontRef idx="minor">
-            <a:schemeClr val="lt1"/>
-          </a:fontRef>
-        </p:style>
-        <p:txBody>
-          <a:bodyPr rtlCol="0" anchor="ctr"/>
-          <a:lstStyle/>
-          <a:p>
-            <a:pPr algn="ctr"/>
-            <a:endParaRPr lang="en-US"/>
-          </a:p>
-        </p:txBody>
-      </p:sp>
-      <p:sp>
-        <p:nvSpPr>
-          <p:cNvPr id="3092" name="Rectangle 3084">
-            <a:extLst>
-              <a:ext uri="{FF2B5EF4-FFF2-40B4-BE49-F238E27FC236}">
-                <a16:creationId xmlns:a16="http://schemas.microsoft.com/office/drawing/2014/main" id="{A7009A0A-BEF5-4EAC-AF15-E4F9F002E239}"/>
-              </a:ext>
-              <a:ext uri="{C183D7F6-B498-43B3-948B-1728B52AA6E4}">
-                <adec:decorative xmlns:adec="http://schemas.microsoft.com/office/drawing/2017/decorative" val="1"/>
-              </a:ext>
-            </a:extLst>
-          </p:cNvPr>
-          <p:cNvSpPr>
-            <a:spLocks noGrp="1" noRot="1" noChangeAspect="1" noMove="1" noResize="1" noEditPoints="1" noAdjustHandles="1" noChangeArrowheads="1" noChangeShapeType="1" noTextEdit="1"/>
-          </p:cNvSpPr>
-          <p:nvPr>
-            <p:extLst>
-              <p:ext uri="{386F3935-93C4-4BCD-93E2-E3B085C9AB24}">
-                <p16:designElem xmlns:p16="http://schemas.microsoft.com/office/powerpoint/2015/main" val="1"/>
-              </p:ext>
-            </p:extLst>
-          </p:nvPr>
-        </p:nvSpPr>
-        <p:spPr>
-          <a:xfrm flipH="1">
-            <a:off x="-3" y="-1"/>
-            <a:ext cx="12192002" cy="1574311"/>
-          </a:xfrm>
-          <a:prstGeom prst="rect">
-            <a:avLst/>
-          </a:prstGeom>
-          <a:gradFill>
-            <a:gsLst>
-              <a:gs pos="0">
-                <a:srgbClr val="000000">
-                  <a:alpha val="63000"/>
-                </a:srgbClr>
-              </a:gs>
-              <a:gs pos="78000">
-                <a:schemeClr val="accent1">
-                  <a:alpha val="15000"/>
-                </a:schemeClr>
-              </a:gs>
-            </a:gsLst>
-            <a:lin ang="15600000" scaled="0"/>
-          </a:gradFill>
-          <a:ln>
-            <a:noFill/>
-          </a:ln>
-        </p:spPr>
-        <p:style>
-          <a:lnRef idx="2">
-            <a:schemeClr val="accent1">
-              <a:shade val="50000"/>
-            </a:schemeClr>
-          </a:lnRef>
-          <a:fillRef idx="1">
-            <a:schemeClr val="accent1"/>
-          </a:fillRef>
-          <a:effectRef idx="0">
-            <a:schemeClr val="accent1"/>
-          </a:effectRef>
-          <a:fontRef idx="minor">
-            <a:schemeClr val="lt1"/>
-          </a:fontRef>
-        </p:style>
-        <p:txBody>
-          <a:bodyPr rtlCol="0" anchor="ctr"/>
-          <a:lstStyle/>
-          <a:p>
-            <a:pPr algn="ctr"/>
-            <a:endParaRPr lang="en-US"/>
-          </a:p>
-        </p:txBody>
-      </p:sp>
-      <p:sp>
-        <p:nvSpPr>
-          <p:cNvPr id="2" name="Title 1">
-            <a:extLst>
-              <a:ext uri="{FF2B5EF4-FFF2-40B4-BE49-F238E27FC236}">
-                <a16:creationId xmlns:a16="http://schemas.microsoft.com/office/drawing/2014/main" id="{C2C6CC84-665D-F22E-8DF8-073E1530B791}"/>
-              </a:ext>
-            </a:extLst>
-          </p:cNvPr>
-          <p:cNvSpPr>
-            <a:spLocks noGrp="1"/>
-          </p:cNvSpPr>
-          <p:nvPr>
-            <p:ph type="title"/>
-          </p:nvPr>
-        </p:nvSpPr>
-        <p:spPr>
-          <a:xfrm>
-            <a:off x="699713" y="248038"/>
-            <a:ext cx="7063721" cy="1159200"/>
-          </a:xfrm>
-        </p:spPr>
-        <p:txBody>
-          <a:bodyPr vert="horz" lIns="91440" tIns="45720" rIns="91440" bIns="45720" rtlCol="0" anchor="ctr">
-            <a:normAutofit/>
-          </a:bodyPr>
-          <a:lstStyle/>
-          <a:p>
-            <a:r>
-              <a:rPr lang="en-US" sz="4000" kern="1200">
-                <a:solidFill>
-                  <a:srgbClr val="FFFFFF"/>
-                </a:solidFill>
-                <a:latin typeface="+mj-lt"/>
-                <a:ea typeface="+mj-ea"/>
-                <a:cs typeface="+mj-cs"/>
-              </a:rPr>
-              <a:t>Sucurity Hub SNS Notification</a:t>
-            </a:r>
-          </a:p>
-        </p:txBody>
-      </p:sp>
-      <p:pic>
-        <p:nvPicPr>
-          <p:cNvPr id="3074" name="Picture 2" descr="How to set up a recurring Security Hub summary email | AWS Security Blog">
-            <a:extLst>
-              <a:ext uri="{FF2B5EF4-FFF2-40B4-BE49-F238E27FC236}">
-                <a16:creationId xmlns:a16="http://schemas.microsoft.com/office/drawing/2014/main" id="{C9AD7AC3-3FE8-C6ED-4691-B3DD89B39D25}"/>
-              </a:ext>
-            </a:extLst>
-          </p:cNvPr>
-          <p:cNvPicPr>
-            <a:picLocks noChangeAspect="1" noChangeArrowheads="1"/>
-          </p:cNvPicPr>
-          <p:nvPr/>
-        </p:nvPicPr>
-        <p:blipFill>
-          <a:blip r:embed="rId2">
-            <a:extLst>
-              <a:ext uri="{28A0092B-C50C-407E-A947-70E740481C1C}">
-                <a14:useLocalDpi xmlns:a14="http://schemas.microsoft.com/office/drawing/2010/main" val="0"/>
-              </a:ext>
-            </a:extLst>
-          </a:blip>
-          <a:stretch>
-            <a:fillRect/>
-          </a:stretch>
-        </p:blipFill>
-        <p:spPr bwMode="auto">
-          <a:xfrm>
-            <a:off x="1643839" y="1966293"/>
-            <a:ext cx="8904320" cy="4452160"/>
-          </a:xfrm>
-          <a:prstGeom prst="rect">
-            <a:avLst/>
-          </a:prstGeom>
-          <a:noFill/>
-          <a:extLst>
-            <a:ext uri="{909E8E84-426E-40DD-AFC4-6F175D3DCCD1}">
-              <a14:hiddenFill xmlns:a14="http://schemas.microsoft.com/office/drawing/2010/main">
-                <a:solidFill>
-                  <a:srgbClr val="FFFFFF"/>
-                </a:solidFill>
-              </a14:hiddenFill>
-            </a:ext>
-          </a:extLst>
-        </p:spPr>
-      </p:pic>
-    </p:spTree>
-    <p:extLst>
-      <p:ext uri="{BB962C8B-B14F-4D97-AF65-F5344CB8AC3E}">
-        <p14:creationId xmlns:p14="http://schemas.microsoft.com/office/powerpoint/2010/main" val="3426558226"/>
-      </p:ext>
-    </p:extLst>
-  </p:cSld>
-  <p:clrMapOvr>
-    <a:masterClrMapping/>
-  </p:clrMapOvr>
-</p:sld>
-</file>
-
-<file path=ppt/slides/slide6.xml><?xml version="1.0" encoding="utf-8"?>
+<file path=ppt/slides/slide11.xml><?xml version="1.0" encoding="utf-8"?>
 <p:sld xmlns:a="http://schemas.openxmlformats.org/drawingml/2006/main" xmlns:r="http://schemas.openxmlformats.org/officeDocument/2006/relationships" xmlns:p="http://schemas.openxmlformats.org/presentationml/2006/main">
   <p:cSld>
     <p:bg>
@@ -6615,6 +4758,4609 @@
       <p:bldP spid="2" grpId="0"/>
     </p:bldLst>
   </p:timing>
+</p:sld>
+</file>
+
+<file path=ppt/slides/slide2.xml><?xml version="1.0" encoding="utf-8"?>
+<p:sld xmlns:a="http://schemas.openxmlformats.org/drawingml/2006/main" xmlns:r="http://schemas.openxmlformats.org/officeDocument/2006/relationships" xmlns:p="http://schemas.openxmlformats.org/presentationml/2006/main">
+  <p:cSld>
+    <p:bg>
+      <p:bgPr>
+        <a:solidFill>
+          <a:schemeClr val="bg1"/>
+        </a:solidFill>
+        <a:effectLst/>
+      </p:bgPr>
+    </p:bg>
+    <p:spTree>
+      <p:nvGrpSpPr>
+        <p:cNvPr id="1" name=""/>
+        <p:cNvGrpSpPr/>
+        <p:nvPr/>
+      </p:nvGrpSpPr>
+      <p:grpSpPr>
+        <a:xfrm>
+          <a:off x="0" y="0"/>
+          <a:ext cx="0" cy="0"/>
+          <a:chOff x="0" y="0"/>
+          <a:chExt cx="0" cy="0"/>
+        </a:xfrm>
+      </p:grpSpPr>
+      <p:sp useBgFill="1">
+        <p:nvSpPr>
+          <p:cNvPr id="2067" name="Rectangle 2054">
+            <a:extLst>
+              <a:ext uri="{FF2B5EF4-FFF2-40B4-BE49-F238E27FC236}">
+                <a16:creationId xmlns:a16="http://schemas.microsoft.com/office/drawing/2014/main" id="{BACC6370-2D7E-4714-9D71-7542949D7D5D}"/>
+              </a:ext>
+              <a:ext uri="{C183D7F6-B498-43B3-948B-1728B52AA6E4}">
+                <adec:decorative xmlns:adec="http://schemas.microsoft.com/office/drawing/2017/decorative" val="1"/>
+              </a:ext>
+            </a:extLst>
+          </p:cNvPr>
+          <p:cNvSpPr>
+            <a:spLocks noGrp="1" noRot="1" noChangeAspect="1" noMove="1" noResize="1" noEditPoints="1" noAdjustHandles="1" noChangeArrowheads="1" noChangeShapeType="1" noTextEdit="1"/>
+          </p:cNvSpPr>
+          <p:nvPr>
+            <p:extLst>
+              <p:ext uri="{386F3935-93C4-4BCD-93E2-E3B085C9AB24}">
+                <p16:designElem xmlns:p16="http://schemas.microsoft.com/office/powerpoint/2015/main" val="1"/>
+              </p:ext>
+            </p:extLst>
+          </p:nvPr>
+        </p:nvSpPr>
+        <p:spPr>
+          <a:xfrm>
+            <a:off x="0" y="0"/>
+            <a:ext cx="12192000" cy="6858000"/>
+          </a:xfrm>
+          <a:prstGeom prst="rect">
+            <a:avLst/>
+          </a:prstGeom>
+          <a:ln w="12700" cap="flat" cmpd="sng" algn="ctr">
+            <a:noFill/>
+            <a:prstDash val="solid"/>
+            <a:miter lim="800000"/>
+          </a:ln>
+          <a:effectLst/>
+          <a:extLst>
+            <a:ext uri="{91240B29-F687-4F45-9708-019B960494DF}">
+              <a14:hiddenLine xmlns:a14="http://schemas.microsoft.com/office/drawing/2010/main" w="12700" cap="flat" cmpd="sng" algn="ctr">
+                <a:solidFill>
+                  <a:schemeClr val="accent1">
+                    <a:shade val="50000"/>
+                  </a:schemeClr>
+                </a:solidFill>
+                <a:prstDash val="solid"/>
+                <a:miter lim="800000"/>
+              </a14:hiddenLine>
+            </a:ext>
+          </a:extLst>
+        </p:spPr>
+        <p:style>
+          <a:lnRef idx="2">
+            <a:schemeClr val="accent1">
+              <a:shade val="50000"/>
+            </a:schemeClr>
+          </a:lnRef>
+          <a:fillRef idx="1">
+            <a:schemeClr val="accent1"/>
+          </a:fillRef>
+          <a:effectRef idx="0">
+            <a:schemeClr val="accent1"/>
+          </a:effectRef>
+          <a:fontRef idx="minor">
+            <a:schemeClr val="lt1"/>
+          </a:fontRef>
+        </p:style>
+        <p:txBody>
+          <a:bodyPr rtlCol="0" anchor="ctr"/>
+          <a:lstStyle/>
+          <a:p>
+            <a:pPr algn="ctr"/>
+            <a:endParaRPr lang="en-US"/>
+          </a:p>
+        </p:txBody>
+      </p:sp>
+      <p:sp>
+        <p:nvSpPr>
+          <p:cNvPr id="2" name="Title 1">
+            <a:extLst>
+              <a:ext uri="{FF2B5EF4-FFF2-40B4-BE49-F238E27FC236}">
+                <a16:creationId xmlns:a16="http://schemas.microsoft.com/office/drawing/2014/main" id="{425C46AE-42E4-ED4E-F295-9B7D7580F467}"/>
+              </a:ext>
+            </a:extLst>
+          </p:cNvPr>
+          <p:cNvSpPr>
+            <a:spLocks noGrp="1"/>
+          </p:cNvSpPr>
+          <p:nvPr>
+            <p:ph type="title"/>
+          </p:nvPr>
+        </p:nvSpPr>
+        <p:spPr>
+          <a:xfrm>
+            <a:off x="1007923" y="175125"/>
+            <a:ext cx="10176151" cy="1097519"/>
+          </a:xfrm>
+        </p:spPr>
+        <p:txBody>
+          <a:bodyPr anchor="ctr">
+            <a:normAutofit/>
+          </a:bodyPr>
+          <a:lstStyle/>
+          <a:p>
+            <a:r>
+              <a:rPr lang="en-GB" sz="4000" b="0" i="0" dirty="0">
+                <a:effectLst/>
+                <a:latin typeface="Amazon Ember"/>
+              </a:rPr>
+              <a:t>What is AWS Security Hub?</a:t>
+            </a:r>
+          </a:p>
+        </p:txBody>
+      </p:sp>
+      <p:sp>
+        <p:nvSpPr>
+          <p:cNvPr id="2068" name="Rectangle 2056">
+            <a:extLst>
+              <a:ext uri="{FF2B5EF4-FFF2-40B4-BE49-F238E27FC236}">
+                <a16:creationId xmlns:a16="http://schemas.microsoft.com/office/drawing/2014/main" id="{B444D337-4D9F-40A8-BA84-C0BFA7A8AD66}"/>
+              </a:ext>
+              <a:ext uri="{C183D7F6-B498-43B3-948B-1728B52AA6E4}">
+                <adec:decorative xmlns:adec="http://schemas.microsoft.com/office/drawing/2017/decorative" val="1"/>
+              </a:ext>
+            </a:extLst>
+          </p:cNvPr>
+          <p:cNvSpPr>
+            <a:spLocks noGrp="1" noRot="1" noChangeAspect="1" noMove="1" noResize="1" noEditPoints="1" noAdjustHandles="1" noChangeArrowheads="1" noChangeShapeType="1" noTextEdit="1"/>
+          </p:cNvSpPr>
+          <p:nvPr>
+            <p:extLst>
+              <p:ext uri="{386F3935-93C4-4BCD-93E2-E3B085C9AB24}">
+                <p16:designElem xmlns:p16="http://schemas.microsoft.com/office/powerpoint/2015/main" val="1"/>
+              </p:ext>
+            </p:extLst>
+          </p:nvPr>
+        </p:nvSpPr>
+        <p:spPr>
+          <a:xfrm>
+            <a:off x="0" y="6401962"/>
+            <a:ext cx="12191998" cy="461774"/>
+          </a:xfrm>
+          <a:prstGeom prst="rect">
+            <a:avLst/>
+          </a:prstGeom>
+          <a:gradFill>
+            <a:gsLst>
+              <a:gs pos="0">
+                <a:srgbClr val="000000"/>
+              </a:gs>
+              <a:gs pos="100000">
+                <a:schemeClr val="accent1">
+                  <a:lumMod val="75000"/>
+                </a:schemeClr>
+              </a:gs>
+            </a:gsLst>
+            <a:lin ang="13800000" scaled="0"/>
+          </a:gradFill>
+          <a:ln>
+            <a:noFill/>
+          </a:ln>
+        </p:spPr>
+        <p:style>
+          <a:lnRef idx="2">
+            <a:schemeClr val="accent1">
+              <a:shade val="50000"/>
+            </a:schemeClr>
+          </a:lnRef>
+          <a:fillRef idx="1">
+            <a:schemeClr val="accent1"/>
+          </a:fillRef>
+          <a:effectRef idx="0">
+            <a:schemeClr val="accent1"/>
+          </a:effectRef>
+          <a:fontRef idx="minor">
+            <a:schemeClr val="lt1"/>
+          </a:fontRef>
+        </p:style>
+        <p:txBody>
+          <a:bodyPr rtlCol="0" anchor="ctr"/>
+          <a:lstStyle/>
+          <a:p>
+            <a:pPr algn="ctr"/>
+            <a:endParaRPr lang="en-US"/>
+          </a:p>
+        </p:txBody>
+      </p:sp>
+      <p:sp>
+        <p:nvSpPr>
+          <p:cNvPr id="2069" name="Rectangle 2058">
+            <a:extLst>
+              <a:ext uri="{FF2B5EF4-FFF2-40B4-BE49-F238E27FC236}">
+                <a16:creationId xmlns:a16="http://schemas.microsoft.com/office/drawing/2014/main" id="{70478D1D-B50E-41C8-8A55-36A53D449402}"/>
+              </a:ext>
+              <a:ext uri="{C183D7F6-B498-43B3-948B-1728B52AA6E4}">
+                <adec:decorative xmlns:adec="http://schemas.microsoft.com/office/drawing/2017/decorative" val="1"/>
+              </a:ext>
+            </a:extLst>
+          </p:cNvPr>
+          <p:cNvSpPr>
+            <a:spLocks noGrp="1" noRot="1" noChangeAspect="1" noMove="1" noResize="1" noEditPoints="1" noAdjustHandles="1" noChangeArrowheads="1" noChangeShapeType="1" noTextEdit="1"/>
+          </p:cNvSpPr>
+          <p:nvPr>
+            <p:extLst>
+              <p:ext uri="{386F3935-93C4-4BCD-93E2-E3B085C9AB24}">
+                <p16:designElem xmlns:p16="http://schemas.microsoft.com/office/powerpoint/2015/main" val="1"/>
+              </p:ext>
+            </p:extLst>
+          </p:nvPr>
+        </p:nvSpPr>
+        <p:spPr>
+          <a:xfrm>
+            <a:off x="0" y="6401962"/>
+            <a:ext cx="4076698" cy="464399"/>
+          </a:xfrm>
+          <a:prstGeom prst="rect">
+            <a:avLst/>
+          </a:prstGeom>
+          <a:gradFill>
+            <a:gsLst>
+              <a:gs pos="0">
+                <a:srgbClr val="000000">
+                  <a:alpha val="46000"/>
+                </a:srgbClr>
+              </a:gs>
+              <a:gs pos="99000">
+                <a:schemeClr val="accent1"/>
+              </a:gs>
+            </a:gsLst>
+            <a:lin ang="14400000" scaled="0"/>
+          </a:gradFill>
+          <a:ln>
+            <a:noFill/>
+          </a:ln>
+        </p:spPr>
+        <p:style>
+          <a:lnRef idx="2">
+            <a:schemeClr val="accent1">
+              <a:shade val="50000"/>
+            </a:schemeClr>
+          </a:lnRef>
+          <a:fillRef idx="1">
+            <a:schemeClr val="accent1"/>
+          </a:fillRef>
+          <a:effectRef idx="0">
+            <a:schemeClr val="accent1"/>
+          </a:effectRef>
+          <a:fontRef idx="minor">
+            <a:schemeClr val="lt1"/>
+          </a:fontRef>
+        </p:style>
+        <p:txBody>
+          <a:bodyPr rtlCol="0" anchor="ctr"/>
+          <a:lstStyle/>
+          <a:p>
+            <a:pPr algn="ctr"/>
+            <a:endParaRPr lang="en-US"/>
+          </a:p>
+        </p:txBody>
+      </p:sp>
+      <p:sp>
+        <p:nvSpPr>
+          <p:cNvPr id="3" name="Content Placeholder 2">
+            <a:extLst>
+              <a:ext uri="{FF2B5EF4-FFF2-40B4-BE49-F238E27FC236}">
+                <a16:creationId xmlns:a16="http://schemas.microsoft.com/office/drawing/2014/main" id="{FA63298F-EF82-C644-49F0-860E38B851D8}"/>
+              </a:ext>
+            </a:extLst>
+          </p:cNvPr>
+          <p:cNvSpPr>
+            <a:spLocks noGrp="1"/>
+          </p:cNvSpPr>
+          <p:nvPr>
+            <p:ph idx="1"/>
+          </p:nvPr>
+        </p:nvSpPr>
+        <p:spPr>
+          <a:xfrm>
+            <a:off x="659931" y="1146504"/>
+            <a:ext cx="6570774" cy="618352"/>
+          </a:xfrm>
+        </p:spPr>
+        <p:txBody>
+          <a:bodyPr>
+            <a:noAutofit/>
+          </a:bodyPr>
+          <a:lstStyle/>
+          <a:p>
+            <a:pPr marL="0" indent="0" defTabSz="886968">
+              <a:spcBef>
+                <a:spcPts val="970"/>
+              </a:spcBef>
+              <a:buNone/>
+            </a:pPr>
+            <a:r>
+              <a:rPr lang="en-GB" sz="1400" b="1" kern="1200" dirty="0">
+                <a:solidFill>
+                  <a:srgbClr val="333333"/>
+                </a:solidFill>
+                <a:highlight>
+                  <a:srgbClr val="FFFF00"/>
+                </a:highlight>
+                <a:latin typeface="AmazonEmber"/>
+                <a:ea typeface="+mn-ea"/>
+                <a:cs typeface="+mn-cs"/>
+              </a:rPr>
+              <a:t>AWS Security Hub is a cloud security posture management </a:t>
+            </a:r>
+            <a:r>
+              <a:rPr lang="en-GB" sz="1400" kern="1200" dirty="0">
+                <a:solidFill>
+                  <a:srgbClr val="333333"/>
+                </a:solidFill>
+                <a:latin typeface="AmazonEmber"/>
+                <a:ea typeface="+mn-ea"/>
+                <a:cs typeface="+mn-cs"/>
+              </a:rPr>
+              <a:t>(</a:t>
+            </a:r>
+            <a:r>
+              <a:rPr lang="en-GB" sz="1400" b="1" kern="1200" dirty="0">
+                <a:solidFill>
+                  <a:srgbClr val="333333"/>
+                </a:solidFill>
+                <a:latin typeface="AmazonEmber"/>
+                <a:ea typeface="+mn-ea"/>
+                <a:cs typeface="+mn-cs"/>
+              </a:rPr>
+              <a:t>CSPM</a:t>
+            </a:r>
+            <a:r>
+              <a:rPr lang="en-GB" sz="1400" kern="1200" dirty="0">
+                <a:solidFill>
+                  <a:srgbClr val="333333"/>
+                </a:solidFill>
+                <a:latin typeface="AmazonEmber"/>
+                <a:ea typeface="+mn-ea"/>
+                <a:cs typeface="+mn-cs"/>
+              </a:rPr>
+              <a:t>) service that performs security best practice checks, aggregates alerts, and enables automated remediation.</a:t>
+            </a:r>
+            <a:endParaRPr lang="en-CH" sz="1400" dirty="0"/>
+          </a:p>
+        </p:txBody>
+      </p:sp>
+      <p:sp>
+        <p:nvSpPr>
+          <p:cNvPr id="6" name="TextBox 5">
+            <a:extLst>
+              <a:ext uri="{FF2B5EF4-FFF2-40B4-BE49-F238E27FC236}">
+                <a16:creationId xmlns:a16="http://schemas.microsoft.com/office/drawing/2014/main" id="{5EDCDD7E-768B-4812-4515-5B21D9B78AD2}"/>
+              </a:ext>
+            </a:extLst>
+          </p:cNvPr>
+          <p:cNvSpPr txBox="1"/>
+          <p:nvPr/>
+        </p:nvSpPr>
+        <p:spPr>
+          <a:xfrm>
+            <a:off x="709359" y="1820027"/>
+            <a:ext cx="6210423" cy="2646878"/>
+          </a:xfrm>
+          <a:prstGeom prst="rect">
+            <a:avLst/>
+          </a:prstGeom>
+          <a:noFill/>
+        </p:spPr>
+        <p:txBody>
+          <a:bodyPr wrap="square" rtlCol="0">
+            <a:spAutoFit/>
+          </a:bodyPr>
+          <a:lstStyle/>
+          <a:p>
+            <a:pPr defTabSz="886968">
+              <a:spcAft>
+                <a:spcPts val="600"/>
+              </a:spcAft>
+            </a:pPr>
+            <a:r>
+              <a:rPr lang="en-GB" sz="1400" kern="1200" dirty="0">
+                <a:solidFill>
+                  <a:srgbClr val="16191F"/>
+                </a:solidFill>
+                <a:latin typeface="Amazon Ember"/>
+                <a:ea typeface="+mn-ea"/>
+                <a:cs typeface="+mn-cs"/>
+              </a:rPr>
+              <a:t>Security Hub also receives findings from other AWS services:</a:t>
+            </a:r>
+          </a:p>
+          <a:p>
+            <a:pPr marL="277178" indent="-277178" defTabSz="886968">
+              <a:spcAft>
+                <a:spcPts val="600"/>
+              </a:spcAft>
+              <a:buFont typeface="Arial" panose="020B0604020202020204" pitchFamily="34" charset="0"/>
+              <a:buChar char="•"/>
+            </a:pPr>
+            <a:r>
+              <a:rPr lang="en-GB" sz="1400" b="1" kern="1200" dirty="0">
+                <a:latin typeface="Amazon Ember"/>
+                <a:ea typeface="+mn-ea"/>
+                <a:cs typeface="+mn-cs"/>
+              </a:rPr>
+              <a:t>Amazon </a:t>
+            </a:r>
+            <a:r>
+              <a:rPr lang="en-GB" sz="1400" b="1" kern="1200" dirty="0" err="1">
+                <a:latin typeface="Amazon Ember"/>
+                <a:ea typeface="+mn-ea"/>
+                <a:cs typeface="+mn-cs"/>
+              </a:rPr>
+              <a:t>GuardDuty</a:t>
+            </a:r>
+            <a:endParaRPr lang="en-GB" sz="1400" b="1" kern="1200" dirty="0">
+              <a:latin typeface="Amazon Ember"/>
+              <a:ea typeface="+mn-ea"/>
+              <a:cs typeface="+mn-cs"/>
+            </a:endParaRPr>
+          </a:p>
+          <a:p>
+            <a:pPr marL="277178" indent="-277178" defTabSz="886968">
+              <a:spcAft>
+                <a:spcPts val="600"/>
+              </a:spcAft>
+              <a:buFont typeface="Arial" panose="020B0604020202020204" pitchFamily="34" charset="0"/>
+              <a:buChar char="•"/>
+            </a:pPr>
+            <a:r>
+              <a:rPr lang="en-GB" sz="1400" b="1" kern="1200" dirty="0">
+                <a:latin typeface="Amazon Ember"/>
+                <a:ea typeface="+mn-ea"/>
+                <a:cs typeface="+mn-cs"/>
+              </a:rPr>
+              <a:t>Amazon Inspector</a:t>
+            </a:r>
+          </a:p>
+          <a:p>
+            <a:pPr marL="277178" indent="-277178" defTabSz="886968">
+              <a:spcAft>
+                <a:spcPts val="600"/>
+              </a:spcAft>
+              <a:buFont typeface="Arial" panose="020B0604020202020204" pitchFamily="34" charset="0"/>
+              <a:buChar char="•"/>
+            </a:pPr>
+            <a:r>
+              <a:rPr lang="en-GB" sz="1400" b="1" kern="1200" dirty="0">
+                <a:latin typeface="Amazon Ember"/>
+                <a:ea typeface="+mn-ea"/>
+                <a:cs typeface="+mn-cs"/>
+              </a:rPr>
+              <a:t>Amazon Macie</a:t>
+            </a:r>
+          </a:p>
+          <a:p>
+            <a:pPr marL="277178" indent="-277178" defTabSz="886968">
+              <a:spcAft>
+                <a:spcPts val="600"/>
+              </a:spcAft>
+              <a:buFont typeface="Arial" panose="020B0604020202020204" pitchFamily="34" charset="0"/>
+              <a:buChar char="•"/>
+            </a:pPr>
+            <a:r>
+              <a:rPr lang="en-GB" sz="1400" b="1" i="0" strike="noStrike" dirty="0">
+                <a:effectLst/>
+                <a:latin typeface="Amazon Ember"/>
+                <a:hlinkClick r:id="rId2">
+                  <a:extLst>
+                    <a:ext uri="{A12FA001-AC4F-418D-AE19-62706E023703}">
+                      <ahyp:hlinkClr xmlns:ahyp="http://schemas.microsoft.com/office/drawing/2018/hyperlinkcolor" val="tx"/>
+                    </a:ext>
+                  </a:extLst>
+                </a:hlinkClick>
+              </a:rPr>
+              <a:t>AWS Systems Manager Patch Manager </a:t>
+            </a:r>
+            <a:endParaRPr lang="en-GB" sz="1400" b="1" i="0" strike="noStrike" dirty="0">
+              <a:effectLst/>
+              <a:latin typeface="Amazon Ember"/>
+            </a:endParaRPr>
+          </a:p>
+          <a:p>
+            <a:pPr marL="277178" indent="-277178" defTabSz="886968">
+              <a:spcAft>
+                <a:spcPts val="600"/>
+              </a:spcAft>
+              <a:buFont typeface="Arial" panose="020B0604020202020204" pitchFamily="34" charset="0"/>
+              <a:buChar char="•"/>
+            </a:pPr>
+            <a:r>
+              <a:rPr lang="en-GB" sz="1400" b="1" i="0" strike="noStrike" dirty="0">
+                <a:effectLst/>
+                <a:latin typeface="Amazon Ember"/>
+                <a:hlinkClick r:id="rId3">
+                  <a:extLst>
+                    <a:ext uri="{A12FA001-AC4F-418D-AE19-62706E023703}">
+                      <ahyp:hlinkClr xmlns:ahyp="http://schemas.microsoft.com/office/drawing/2018/hyperlinkcolor" val="tx"/>
+                    </a:ext>
+                  </a:extLst>
+                </a:hlinkClick>
+              </a:rPr>
+              <a:t>Amazon Detective </a:t>
+            </a:r>
+            <a:endParaRPr lang="en-GB" sz="1400" b="1" i="0" strike="noStrike" dirty="0">
+              <a:effectLst/>
+              <a:latin typeface="Amazon Ember"/>
+            </a:endParaRPr>
+          </a:p>
+          <a:p>
+            <a:pPr marL="277178" indent="-277178" defTabSz="886968">
+              <a:spcAft>
+                <a:spcPts val="600"/>
+              </a:spcAft>
+              <a:buFont typeface="Arial" panose="020B0604020202020204" pitchFamily="34" charset="0"/>
+              <a:buChar char="•"/>
+            </a:pPr>
+            <a:r>
+              <a:rPr lang="en-GB" sz="1400" b="1" i="0" strike="noStrike" dirty="0">
+                <a:effectLst/>
+                <a:latin typeface="Amazon Ember"/>
+                <a:hlinkClick r:id="rId4">
+                  <a:extLst>
+                    <a:ext uri="{A12FA001-AC4F-418D-AE19-62706E023703}">
+                      <ahyp:hlinkClr xmlns:ahyp="http://schemas.microsoft.com/office/drawing/2018/hyperlinkcolor" val="tx"/>
+                    </a:ext>
+                  </a:extLst>
+                </a:hlinkClick>
+              </a:rPr>
+              <a:t>AWS Firewall Manager </a:t>
+            </a:r>
+            <a:endParaRPr lang="en-GB" sz="1400" b="1" dirty="0">
+              <a:latin typeface="Amazon Ember"/>
+            </a:endParaRPr>
+          </a:p>
+          <a:p>
+            <a:pPr marL="277178" indent="-277178" defTabSz="886968">
+              <a:spcAft>
+                <a:spcPts val="600"/>
+              </a:spcAft>
+              <a:buFont typeface="Arial" panose="020B0604020202020204" pitchFamily="34" charset="0"/>
+              <a:buChar char="•"/>
+            </a:pPr>
+            <a:r>
+              <a:rPr lang="en-GB" sz="1400" b="1" i="0" strike="noStrike" dirty="0">
+                <a:effectLst/>
+                <a:latin typeface="Amazon Ember"/>
+              </a:rPr>
+              <a:t>AWS C</a:t>
+            </a:r>
+            <a:r>
+              <a:rPr lang="en-GB" sz="1400" b="1" dirty="0">
+                <a:latin typeface="Amazon Ember"/>
+              </a:rPr>
+              <a:t>onfig</a:t>
+            </a:r>
+            <a:endParaRPr lang="en-GB" sz="1400" b="1" i="0" strike="noStrike" dirty="0">
+              <a:effectLst/>
+              <a:latin typeface="Amazon Ember"/>
+            </a:endParaRPr>
+          </a:p>
+          <a:p>
+            <a:pPr marL="277178" indent="-277178" defTabSz="886968">
+              <a:spcAft>
+                <a:spcPts val="600"/>
+              </a:spcAft>
+              <a:buFont typeface="Arial" panose="020B0604020202020204" pitchFamily="34" charset="0"/>
+              <a:buChar char="•"/>
+            </a:pPr>
+            <a:r>
+              <a:rPr lang="en-GB" sz="1400" b="1" kern="1200" dirty="0">
+                <a:latin typeface="Amazon Ember"/>
+                <a:ea typeface="+mn-ea"/>
+                <a:cs typeface="+mn-cs"/>
+              </a:rPr>
+              <a:t>supported third-party products. </a:t>
+            </a:r>
+            <a:endParaRPr lang="en-GB" sz="1400" b="1" i="0" dirty="0">
+              <a:effectLst/>
+              <a:latin typeface="Amazon Ember"/>
+            </a:endParaRPr>
+          </a:p>
+        </p:txBody>
+      </p:sp>
+      <p:pic>
+        <p:nvPicPr>
+          <p:cNvPr id="2050" name="Picture 2" descr="AWS Security Hub | AWS Security Blog">
+            <a:extLst>
+              <a:ext uri="{FF2B5EF4-FFF2-40B4-BE49-F238E27FC236}">
+                <a16:creationId xmlns:a16="http://schemas.microsoft.com/office/drawing/2014/main" id="{A98B73E6-D180-73D8-623C-3935C48FEDE3}"/>
+              </a:ext>
+            </a:extLst>
+          </p:cNvPr>
+          <p:cNvPicPr>
+            <a:picLocks noChangeAspect="1" noChangeArrowheads="1"/>
+          </p:cNvPicPr>
+          <p:nvPr/>
+        </p:nvPicPr>
+        <p:blipFill>
+          <a:blip r:embed="rId5">
+            <a:extLst>
+              <a:ext uri="{28A0092B-C50C-407E-A947-70E740481C1C}">
+                <a14:useLocalDpi xmlns:a14="http://schemas.microsoft.com/office/drawing/2010/main" val="0"/>
+              </a:ext>
+            </a:extLst>
+          </a:blip>
+          <a:srcRect/>
+          <a:stretch>
+            <a:fillRect/>
+          </a:stretch>
+        </p:blipFill>
+        <p:spPr bwMode="auto">
+          <a:xfrm>
+            <a:off x="7727995" y="2405689"/>
+            <a:ext cx="4093245" cy="2046622"/>
+          </a:xfrm>
+          <a:prstGeom prst="rect">
+            <a:avLst/>
+          </a:prstGeom>
+          <a:noFill/>
+          <a:extLst>
+            <a:ext uri="{909E8E84-426E-40DD-AFC4-6F175D3DCCD1}">
+              <a14:hiddenFill xmlns:a14="http://schemas.microsoft.com/office/drawing/2010/main">
+                <a:solidFill>
+                  <a:srgbClr val="FFFFFF"/>
+                </a:solidFill>
+              </a14:hiddenFill>
+            </a:ext>
+          </a:extLst>
+        </p:spPr>
+      </p:pic>
+      <p:sp>
+        <p:nvSpPr>
+          <p:cNvPr id="7" name="TextBox 6">
+            <a:extLst>
+              <a:ext uri="{FF2B5EF4-FFF2-40B4-BE49-F238E27FC236}">
+                <a16:creationId xmlns:a16="http://schemas.microsoft.com/office/drawing/2014/main" id="{EDF19A31-4CF2-2735-C428-1CB7E50CE2BE}"/>
+              </a:ext>
+            </a:extLst>
+          </p:cNvPr>
+          <p:cNvSpPr txBox="1"/>
+          <p:nvPr/>
+        </p:nvSpPr>
+        <p:spPr>
+          <a:xfrm>
+            <a:off x="659931" y="4842361"/>
+            <a:ext cx="6309277" cy="1169551"/>
+          </a:xfrm>
+          <a:prstGeom prst="rect">
+            <a:avLst/>
+          </a:prstGeom>
+          <a:noFill/>
+        </p:spPr>
+        <p:txBody>
+          <a:bodyPr wrap="square">
+            <a:spAutoFit/>
+          </a:bodyPr>
+          <a:lstStyle/>
+          <a:p>
+            <a:r>
+              <a:rPr lang="en-GB" sz="1400" b="0" i="0" dirty="0">
+                <a:solidFill>
+                  <a:srgbClr val="16191F"/>
+                </a:solidFill>
+                <a:effectLst/>
+                <a:latin typeface="Amazon Ember"/>
+              </a:rPr>
+              <a:t>Security Hub supports multiple security standards</a:t>
+            </a:r>
+            <a:r>
+              <a:rPr lang="en-GB" sz="1400" dirty="0">
+                <a:solidFill>
+                  <a:srgbClr val="16191F"/>
+                </a:solidFill>
+                <a:latin typeface="Amazon Ember"/>
+              </a:rPr>
+              <a:t>:</a:t>
+            </a:r>
+            <a:endParaRPr lang="en-GB" sz="1400" b="0" i="0" dirty="0">
+              <a:solidFill>
+                <a:srgbClr val="16191F"/>
+              </a:solidFill>
+              <a:effectLst/>
+              <a:latin typeface="Amazon Ember"/>
+            </a:endParaRPr>
+          </a:p>
+          <a:p>
+            <a:pPr marL="285750" indent="-285750">
+              <a:buFont typeface="Arial" panose="020B0604020202020204" pitchFamily="34" charset="0"/>
+              <a:buChar char="•"/>
+            </a:pPr>
+            <a:r>
+              <a:rPr lang="en-GB" sz="1400" b="0" i="0" dirty="0">
+                <a:solidFill>
+                  <a:srgbClr val="16191F"/>
+                </a:solidFill>
+                <a:effectLst/>
+                <a:latin typeface="Amazon Ember"/>
+              </a:rPr>
+              <a:t>AWS Foundational Security Best Practices (FSBP) standard developed by AWS</a:t>
+            </a:r>
+            <a:endParaRPr lang="en-GB" sz="1400" dirty="0">
+              <a:solidFill>
+                <a:srgbClr val="16191F"/>
+              </a:solidFill>
+              <a:latin typeface="Amazon Ember"/>
+            </a:endParaRPr>
+          </a:p>
+          <a:p>
+            <a:pPr marL="285750" indent="-285750">
+              <a:buFont typeface="Arial" panose="020B0604020202020204" pitchFamily="34" charset="0"/>
+              <a:buChar char="•"/>
+            </a:pPr>
+            <a:r>
+              <a:rPr lang="en-GB" sz="1400" b="0" i="0" dirty="0" err="1">
+                <a:solidFill>
+                  <a:srgbClr val="16191F"/>
+                </a:solidFill>
+                <a:effectLst/>
+                <a:latin typeface="Amazon Ember"/>
+              </a:rPr>
+              <a:t>Center</a:t>
+            </a:r>
+            <a:r>
+              <a:rPr lang="en-GB" sz="1400" b="0" i="0" dirty="0">
+                <a:solidFill>
+                  <a:srgbClr val="16191F"/>
+                </a:solidFill>
+                <a:effectLst/>
+                <a:latin typeface="Amazon Ember"/>
+              </a:rPr>
+              <a:t> for Internet Security (CIS)</a:t>
+            </a:r>
+          </a:p>
+          <a:p>
+            <a:pPr marL="285750" indent="-285750">
+              <a:buFont typeface="Arial" panose="020B0604020202020204" pitchFamily="34" charset="0"/>
+              <a:buChar char="•"/>
+            </a:pPr>
+            <a:r>
+              <a:rPr lang="en-GB" sz="1400" b="0" i="0" dirty="0">
+                <a:solidFill>
+                  <a:srgbClr val="16191F"/>
+                </a:solidFill>
+                <a:effectLst/>
+                <a:latin typeface="Amazon Ember"/>
+              </a:rPr>
+              <a:t>Payment Card Industry Data Security Standard (PCI DSS)</a:t>
+            </a:r>
+          </a:p>
+          <a:p>
+            <a:pPr marL="285750" indent="-285750">
+              <a:buFont typeface="Arial" panose="020B0604020202020204" pitchFamily="34" charset="0"/>
+              <a:buChar char="•"/>
+            </a:pPr>
+            <a:r>
+              <a:rPr lang="en-GB" sz="1400" b="0" i="0" dirty="0">
+                <a:solidFill>
+                  <a:srgbClr val="16191F"/>
+                </a:solidFill>
+                <a:effectLst/>
+                <a:latin typeface="Amazon Ember"/>
+              </a:rPr>
+              <a:t>National Institute of Standards and Technology (NIST). </a:t>
+            </a:r>
+          </a:p>
+        </p:txBody>
+      </p:sp>
+    </p:spTree>
+    <p:extLst>
+      <p:ext uri="{BB962C8B-B14F-4D97-AF65-F5344CB8AC3E}">
+        <p14:creationId xmlns:p14="http://schemas.microsoft.com/office/powerpoint/2010/main" val="2500278166"/>
+      </p:ext>
+    </p:extLst>
+  </p:cSld>
+  <p:clrMapOvr>
+    <a:masterClrMapping/>
+  </p:clrMapOvr>
+</p:sld>
+</file>
+
+<file path=ppt/slides/slide3.xml><?xml version="1.0" encoding="utf-8"?>
+<p:sld xmlns:a="http://schemas.openxmlformats.org/drawingml/2006/main" xmlns:r="http://schemas.openxmlformats.org/officeDocument/2006/relationships" xmlns:p="http://schemas.openxmlformats.org/presentationml/2006/main">
+  <p:cSld>
+    <p:bg>
+      <p:bgPr>
+        <a:solidFill>
+          <a:schemeClr val="bg1"/>
+        </a:solidFill>
+        <a:effectLst/>
+      </p:bgPr>
+    </p:bg>
+    <p:spTree>
+      <p:nvGrpSpPr>
+        <p:cNvPr id="1" name=""/>
+        <p:cNvGrpSpPr/>
+        <p:nvPr/>
+      </p:nvGrpSpPr>
+      <p:grpSpPr>
+        <a:xfrm>
+          <a:off x="0" y="0"/>
+          <a:ext cx="0" cy="0"/>
+          <a:chOff x="0" y="0"/>
+          <a:chExt cx="0" cy="0"/>
+        </a:xfrm>
+      </p:grpSpPr>
+      <p:sp useBgFill="1">
+        <p:nvSpPr>
+          <p:cNvPr id="8" name="Rectangle 7">
+            <a:extLst>
+              <a:ext uri="{FF2B5EF4-FFF2-40B4-BE49-F238E27FC236}">
+                <a16:creationId xmlns:a16="http://schemas.microsoft.com/office/drawing/2014/main" id="{09588DA8-065E-4F6F-8EFD-43104AB2E0CF}"/>
+              </a:ext>
+              <a:ext uri="{C183D7F6-B498-43B3-948B-1728B52AA6E4}">
+                <adec:decorative xmlns:adec="http://schemas.microsoft.com/office/drawing/2017/decorative" val="1"/>
+              </a:ext>
+            </a:extLst>
+          </p:cNvPr>
+          <p:cNvSpPr>
+            <a:spLocks noGrp="1" noRot="1" noChangeAspect="1" noMove="1" noResize="1" noEditPoints="1" noAdjustHandles="1" noChangeArrowheads="1" noChangeShapeType="1" noTextEdit="1"/>
+          </p:cNvSpPr>
+          <p:nvPr>
+            <p:extLst>
+              <p:ext uri="{386F3935-93C4-4BCD-93E2-E3B085C9AB24}">
+                <p16:designElem xmlns:p16="http://schemas.microsoft.com/office/powerpoint/2015/main" val="1"/>
+              </p:ext>
+            </p:extLst>
+          </p:nvPr>
+        </p:nvSpPr>
+        <p:spPr>
+          <a:xfrm>
+            <a:off x="0" y="0"/>
+            <a:ext cx="12192000" cy="6858000"/>
+          </a:xfrm>
+          <a:prstGeom prst="rect">
+            <a:avLst/>
+          </a:prstGeom>
+          <a:ln w="12700" cap="flat" cmpd="sng" algn="ctr">
+            <a:noFill/>
+            <a:prstDash val="solid"/>
+            <a:miter lim="800000"/>
+          </a:ln>
+          <a:effectLst/>
+          <a:extLst>
+            <a:ext uri="{91240B29-F687-4F45-9708-019B960494DF}">
+              <a14:hiddenLine xmlns:a14="http://schemas.microsoft.com/office/drawing/2010/main" w="12700" cap="flat" cmpd="sng" algn="ctr">
+                <a:solidFill>
+                  <a:schemeClr val="accent1">
+                    <a:shade val="50000"/>
+                  </a:schemeClr>
+                </a:solidFill>
+                <a:prstDash val="solid"/>
+                <a:miter lim="800000"/>
+              </a14:hiddenLine>
+            </a:ext>
+          </a:extLst>
+        </p:spPr>
+        <p:style>
+          <a:lnRef idx="2">
+            <a:schemeClr val="accent1">
+              <a:shade val="50000"/>
+            </a:schemeClr>
+          </a:lnRef>
+          <a:fillRef idx="1">
+            <a:schemeClr val="accent1"/>
+          </a:fillRef>
+          <a:effectRef idx="0">
+            <a:schemeClr val="accent1"/>
+          </a:effectRef>
+          <a:fontRef idx="minor">
+            <a:schemeClr val="lt1"/>
+          </a:fontRef>
+        </p:style>
+        <p:txBody>
+          <a:bodyPr rtlCol="0" anchor="ctr"/>
+          <a:lstStyle/>
+          <a:p>
+            <a:pPr algn="ctr"/>
+            <a:endParaRPr lang="en-US"/>
+          </a:p>
+        </p:txBody>
+      </p:sp>
+      <p:sp useBgFill="1">
+        <p:nvSpPr>
+          <p:cNvPr id="10" name="Rectangle 9">
+            <a:extLst>
+              <a:ext uri="{FF2B5EF4-FFF2-40B4-BE49-F238E27FC236}">
+                <a16:creationId xmlns:a16="http://schemas.microsoft.com/office/drawing/2014/main" id="{C4285719-470E-454C-AF62-8323075F1F5B}"/>
+              </a:ext>
+              <a:ext uri="{C183D7F6-B498-43B3-948B-1728B52AA6E4}">
+                <adec:decorative xmlns:adec="http://schemas.microsoft.com/office/drawing/2017/decorative" val="1"/>
+              </a:ext>
+            </a:extLst>
+          </p:cNvPr>
+          <p:cNvSpPr>
+            <a:spLocks noGrp="1" noRot="1" noChangeAspect="1" noMove="1" noResize="1" noEditPoints="1" noAdjustHandles="1" noChangeArrowheads="1" noChangeShapeType="1" noTextEdit="1"/>
+          </p:cNvSpPr>
+          <p:nvPr>
+            <p:extLst>
+              <p:ext uri="{386F3935-93C4-4BCD-93E2-E3B085C9AB24}">
+                <p16:designElem xmlns:p16="http://schemas.microsoft.com/office/powerpoint/2015/main" val="1"/>
+              </p:ext>
+            </p:extLst>
+          </p:nvPr>
+        </p:nvSpPr>
+        <p:spPr>
+          <a:xfrm>
+            <a:off x="0" y="0"/>
+            <a:ext cx="12188952" cy="6858000"/>
+          </a:xfrm>
+          <a:prstGeom prst="rect">
+            <a:avLst/>
+          </a:prstGeom>
+          <a:ln w="12700" cap="flat" cmpd="sng" algn="ctr">
+            <a:noFill/>
+            <a:prstDash val="solid"/>
+            <a:miter lim="800000"/>
+          </a:ln>
+          <a:effectLst/>
+          <a:extLst>
+            <a:ext uri="{91240B29-F687-4F45-9708-019B960494DF}">
+              <a14:hiddenLine xmlns:a14="http://schemas.microsoft.com/office/drawing/2010/main" w="12700" cap="flat" cmpd="sng" algn="ctr">
+                <a:solidFill>
+                  <a:schemeClr val="accent1">
+                    <a:shade val="50000"/>
+                  </a:schemeClr>
+                </a:solidFill>
+                <a:prstDash val="solid"/>
+                <a:miter lim="800000"/>
+              </a14:hiddenLine>
+            </a:ext>
+          </a:extLst>
+        </p:spPr>
+        <p:style>
+          <a:lnRef idx="2">
+            <a:schemeClr val="accent1">
+              <a:shade val="50000"/>
+            </a:schemeClr>
+          </a:lnRef>
+          <a:fillRef idx="1">
+            <a:schemeClr val="accent1"/>
+          </a:fillRef>
+          <a:effectRef idx="0">
+            <a:schemeClr val="accent1"/>
+          </a:effectRef>
+          <a:fontRef idx="minor">
+            <a:schemeClr val="lt1"/>
+          </a:fontRef>
+        </p:style>
+        <p:txBody>
+          <a:bodyPr rtlCol="0" anchor="ctr"/>
+          <a:lstStyle/>
+          <a:p>
+            <a:pPr algn="ctr"/>
+            <a:endParaRPr lang="en-US"/>
+          </a:p>
+        </p:txBody>
+      </p:sp>
+      <p:sp>
+        <p:nvSpPr>
+          <p:cNvPr id="12" name="Rectangle 11">
+            <a:extLst>
+              <a:ext uri="{FF2B5EF4-FFF2-40B4-BE49-F238E27FC236}">
+                <a16:creationId xmlns:a16="http://schemas.microsoft.com/office/drawing/2014/main" id="{CD9FE4EF-C4D8-49A0-B2FF-81D8DB7D8A24}"/>
+              </a:ext>
+              <a:ext uri="{C183D7F6-B498-43B3-948B-1728B52AA6E4}">
+                <adec:decorative xmlns:adec="http://schemas.microsoft.com/office/drawing/2017/decorative" val="1"/>
+              </a:ext>
+            </a:extLst>
+          </p:cNvPr>
+          <p:cNvSpPr>
+            <a:spLocks noGrp="1" noRot="1" noChangeAspect="1" noMove="1" noResize="1" noEditPoints="1" noAdjustHandles="1" noChangeArrowheads="1" noChangeShapeType="1" noTextEdit="1"/>
+          </p:cNvSpPr>
+          <p:nvPr>
+            <p:extLst>
+              <p:ext uri="{386F3935-93C4-4BCD-93E2-E3B085C9AB24}">
+                <p16:designElem xmlns:p16="http://schemas.microsoft.com/office/powerpoint/2015/main" val="1"/>
+              </p:ext>
+            </p:extLst>
+          </p:nvPr>
+        </p:nvSpPr>
+        <p:spPr>
+          <a:xfrm rot="5400000" flipH="1">
+            <a:off x="-1410084" y="1410082"/>
+            <a:ext cx="6858000" cy="4037836"/>
+          </a:xfrm>
+          <a:prstGeom prst="rect">
+            <a:avLst/>
+          </a:prstGeom>
+          <a:gradFill>
+            <a:gsLst>
+              <a:gs pos="8000">
+                <a:srgbClr val="000000"/>
+              </a:gs>
+              <a:gs pos="100000">
+                <a:schemeClr val="accent1">
+                  <a:lumMod val="75000"/>
+                </a:schemeClr>
+              </a:gs>
+            </a:gsLst>
+            <a:lin ang="3000000" scaled="0"/>
+          </a:gradFill>
+          <a:ln>
+            <a:noFill/>
+          </a:ln>
+        </p:spPr>
+        <p:style>
+          <a:lnRef idx="2">
+            <a:schemeClr val="accent1">
+              <a:shade val="50000"/>
+            </a:schemeClr>
+          </a:lnRef>
+          <a:fillRef idx="1">
+            <a:schemeClr val="accent1"/>
+          </a:fillRef>
+          <a:effectRef idx="0">
+            <a:schemeClr val="accent1"/>
+          </a:effectRef>
+          <a:fontRef idx="minor">
+            <a:schemeClr val="lt1"/>
+          </a:fontRef>
+        </p:style>
+        <p:txBody>
+          <a:bodyPr rtlCol="0" anchor="ctr"/>
+          <a:lstStyle/>
+          <a:p>
+            <a:pPr algn="ctr"/>
+            <a:endParaRPr lang="en-US"/>
+          </a:p>
+        </p:txBody>
+      </p:sp>
+      <p:sp>
+        <p:nvSpPr>
+          <p:cNvPr id="14" name="Rectangle 13">
+            <a:extLst>
+              <a:ext uri="{FF2B5EF4-FFF2-40B4-BE49-F238E27FC236}">
+                <a16:creationId xmlns:a16="http://schemas.microsoft.com/office/drawing/2014/main" id="{4300840D-0A0B-4512-BACA-B439D5B9C57C}"/>
+              </a:ext>
+              <a:ext uri="{C183D7F6-B498-43B3-948B-1728B52AA6E4}">
+                <adec:decorative xmlns:adec="http://schemas.microsoft.com/office/drawing/2017/decorative" val="1"/>
+              </a:ext>
+            </a:extLst>
+          </p:cNvPr>
+          <p:cNvSpPr>
+            <a:spLocks noGrp="1" noRot="1" noChangeAspect="1" noMove="1" noResize="1" noEditPoints="1" noAdjustHandles="1" noChangeArrowheads="1" noChangeShapeType="1" noTextEdit="1"/>
+          </p:cNvSpPr>
+          <p:nvPr>
+            <p:extLst>
+              <p:ext uri="{386F3935-93C4-4BCD-93E2-E3B085C9AB24}">
+                <p16:designElem xmlns:p16="http://schemas.microsoft.com/office/powerpoint/2015/main" val="1"/>
+              </p:ext>
+            </p:extLst>
+          </p:nvPr>
+        </p:nvSpPr>
+        <p:spPr>
+          <a:xfrm rot="5400000" flipH="1">
+            <a:off x="-1410085" y="1420219"/>
+            <a:ext cx="6857999" cy="4037839"/>
+          </a:xfrm>
+          <a:prstGeom prst="rect">
+            <a:avLst/>
+          </a:prstGeom>
+          <a:gradFill>
+            <a:gsLst>
+              <a:gs pos="0">
+                <a:srgbClr val="000000">
+                  <a:alpha val="0"/>
+                </a:srgbClr>
+              </a:gs>
+              <a:gs pos="99000">
+                <a:schemeClr val="accent1">
+                  <a:alpha val="46000"/>
+                </a:schemeClr>
+              </a:gs>
+            </a:gsLst>
+            <a:lin ang="1800000" scaled="0"/>
+          </a:gradFill>
+          <a:ln>
+            <a:noFill/>
+          </a:ln>
+        </p:spPr>
+        <p:style>
+          <a:lnRef idx="2">
+            <a:schemeClr val="accent1">
+              <a:shade val="50000"/>
+            </a:schemeClr>
+          </a:lnRef>
+          <a:fillRef idx="1">
+            <a:schemeClr val="accent1"/>
+          </a:fillRef>
+          <a:effectRef idx="0">
+            <a:schemeClr val="accent1"/>
+          </a:effectRef>
+          <a:fontRef idx="minor">
+            <a:schemeClr val="lt1"/>
+          </a:fontRef>
+        </p:style>
+        <p:txBody>
+          <a:bodyPr rtlCol="0" anchor="ctr"/>
+          <a:lstStyle/>
+          <a:p>
+            <a:pPr algn="ctr"/>
+            <a:endParaRPr lang="en-US"/>
+          </a:p>
+        </p:txBody>
+      </p:sp>
+      <p:sp>
+        <p:nvSpPr>
+          <p:cNvPr id="16" name="Rectangle 15">
+            <a:extLst>
+              <a:ext uri="{FF2B5EF4-FFF2-40B4-BE49-F238E27FC236}">
+                <a16:creationId xmlns:a16="http://schemas.microsoft.com/office/drawing/2014/main" id="{D2B78728-A580-49A7-84F9-6EF6F583ADE0}"/>
+              </a:ext>
+              <a:ext uri="{C183D7F6-B498-43B3-948B-1728B52AA6E4}">
+                <adec:decorative xmlns:adec="http://schemas.microsoft.com/office/drawing/2017/decorative" val="1"/>
+              </a:ext>
+            </a:extLst>
+          </p:cNvPr>
+          <p:cNvSpPr>
+            <a:spLocks noGrp="1" noRot="1" noChangeAspect="1" noMove="1" noResize="1" noEditPoints="1" noAdjustHandles="1" noChangeArrowheads="1" noChangeShapeType="1" noTextEdit="1"/>
+          </p:cNvSpPr>
+          <p:nvPr>
+            <p:extLst>
+              <p:ext uri="{386F3935-93C4-4BCD-93E2-E3B085C9AB24}">
+                <p16:designElem xmlns:p16="http://schemas.microsoft.com/office/powerpoint/2015/main" val="1"/>
+              </p:ext>
+            </p:extLst>
+          </p:nvPr>
+        </p:nvSpPr>
+        <p:spPr>
+          <a:xfrm rot="5400000" flipH="1">
+            <a:off x="767923" y="3588085"/>
+            <a:ext cx="2501979" cy="4037841"/>
+          </a:xfrm>
+          <a:prstGeom prst="rect">
+            <a:avLst/>
+          </a:prstGeom>
+          <a:gradFill>
+            <a:gsLst>
+              <a:gs pos="2000">
+                <a:schemeClr val="accent1">
+                  <a:alpha val="29000"/>
+                </a:schemeClr>
+              </a:gs>
+              <a:gs pos="100000">
+                <a:srgbClr val="000000">
+                  <a:alpha val="30000"/>
+                </a:srgbClr>
+              </a:gs>
+            </a:gsLst>
+            <a:lin ang="7800000" scaled="0"/>
+          </a:gradFill>
+          <a:ln>
+            <a:noFill/>
+          </a:ln>
+        </p:spPr>
+        <p:style>
+          <a:lnRef idx="2">
+            <a:schemeClr val="accent1">
+              <a:shade val="50000"/>
+            </a:schemeClr>
+          </a:lnRef>
+          <a:fillRef idx="1">
+            <a:schemeClr val="accent1"/>
+          </a:fillRef>
+          <a:effectRef idx="0">
+            <a:schemeClr val="accent1"/>
+          </a:effectRef>
+          <a:fontRef idx="minor">
+            <a:schemeClr val="lt1"/>
+          </a:fontRef>
+        </p:style>
+        <p:txBody>
+          <a:bodyPr rtlCol="0" anchor="ctr"/>
+          <a:lstStyle/>
+          <a:p>
+            <a:pPr algn="ctr"/>
+            <a:endParaRPr lang="en-US" dirty="0"/>
+          </a:p>
+        </p:txBody>
+      </p:sp>
+      <p:sp>
+        <p:nvSpPr>
+          <p:cNvPr id="18" name="Freeform: Shape 17">
+            <a:extLst>
+              <a:ext uri="{FF2B5EF4-FFF2-40B4-BE49-F238E27FC236}">
+                <a16:creationId xmlns:a16="http://schemas.microsoft.com/office/drawing/2014/main" id="{38FAA1A1-D861-433F-88FA-1E9D6FD31D11}"/>
+              </a:ext>
+              <a:ext uri="{C183D7F6-B498-43B3-948B-1728B52AA6E4}">
+                <adec:decorative xmlns:adec="http://schemas.microsoft.com/office/drawing/2017/decorative" val="1"/>
+              </a:ext>
+            </a:extLst>
+          </p:cNvPr>
+          <p:cNvSpPr>
+            <a:spLocks noGrp="1" noRot="1" noChangeAspect="1" noMove="1" noResize="1" noEditPoints="1" noAdjustHandles="1" noChangeArrowheads="1" noChangeShapeType="1" noTextEdit="1"/>
+          </p:cNvSpPr>
+          <p:nvPr>
+            <p:extLst>
+              <p:ext uri="{386F3935-93C4-4BCD-93E2-E3B085C9AB24}">
+                <p16:designElem xmlns:p16="http://schemas.microsoft.com/office/powerpoint/2015/main" val="1"/>
+              </p:ext>
+            </p:extLst>
+          </p:nvPr>
+        </p:nvSpPr>
+        <p:spPr>
+          <a:xfrm rot="20635413">
+            <a:off x="-501737" y="969718"/>
+            <a:ext cx="3900357" cy="4178958"/>
+          </a:xfrm>
+          <a:custGeom>
+            <a:avLst/>
+            <a:gdLst>
+              <a:gd name="connsiteX0" fmla="*/ 2432225 w 3900357"/>
+              <a:gd name="connsiteY0" fmla="*/ 93939 h 4178958"/>
+              <a:gd name="connsiteX1" fmla="*/ 3900357 w 3900357"/>
+              <a:gd name="connsiteY1" fmla="*/ 2089479 h 4178958"/>
+              <a:gd name="connsiteX2" fmla="*/ 1810878 w 3900357"/>
+              <a:gd name="connsiteY2" fmla="*/ 4178958 h 4178958"/>
+              <a:gd name="connsiteX3" fmla="*/ 78249 w 3900357"/>
+              <a:gd name="connsiteY3" fmla="*/ 3257727 h 4178958"/>
+              <a:gd name="connsiteX4" fmla="*/ 0 w 3900357"/>
+              <a:gd name="connsiteY4" fmla="*/ 3128923 h 4178958"/>
+              <a:gd name="connsiteX5" fmla="*/ 831324 w 3900357"/>
+              <a:gd name="connsiteY5" fmla="*/ 244281 h 4178958"/>
+              <a:gd name="connsiteX6" fmla="*/ 997559 w 3900357"/>
+              <a:gd name="connsiteY6" fmla="*/ 164202 h 4178958"/>
+              <a:gd name="connsiteX7" fmla="*/ 1810878 w 3900357"/>
+              <a:gd name="connsiteY7" fmla="*/ 0 h 4178958"/>
+              <a:gd name="connsiteX8" fmla="*/ 2432225 w 3900357"/>
+              <a:gd name="connsiteY8" fmla="*/ 93939 h 4178958"/>
+            </a:gdLst>
+            <a:ahLst/>
+            <a:cxnLst>
+              <a:cxn ang="0">
+                <a:pos x="connsiteX0" y="connsiteY0"/>
+              </a:cxn>
+              <a:cxn ang="0">
+                <a:pos x="connsiteX1" y="connsiteY1"/>
+              </a:cxn>
+              <a:cxn ang="0">
+                <a:pos x="connsiteX2" y="connsiteY2"/>
+              </a:cxn>
+              <a:cxn ang="0">
+                <a:pos x="connsiteX3" y="connsiteY3"/>
+              </a:cxn>
+              <a:cxn ang="0">
+                <a:pos x="connsiteX4" y="connsiteY4"/>
+              </a:cxn>
+              <a:cxn ang="0">
+                <a:pos x="connsiteX5" y="connsiteY5"/>
+              </a:cxn>
+              <a:cxn ang="0">
+                <a:pos x="connsiteX6" y="connsiteY6"/>
+              </a:cxn>
+              <a:cxn ang="0">
+                <a:pos x="connsiteX7" y="connsiteY7"/>
+              </a:cxn>
+              <a:cxn ang="0">
+                <a:pos x="connsiteX8" y="connsiteY8"/>
+              </a:cxn>
+            </a:cxnLst>
+            <a:rect l="l" t="t" r="r" b="b"/>
+            <a:pathLst>
+              <a:path w="3900357" h="4178958">
+                <a:moveTo>
+                  <a:pt x="2432225" y="93939"/>
+                </a:moveTo>
+                <a:cubicBezTo>
+                  <a:pt x="3282786" y="358491"/>
+                  <a:pt x="3900357" y="1151865"/>
+                  <a:pt x="3900357" y="2089479"/>
+                </a:cubicBezTo>
+                <a:cubicBezTo>
+                  <a:pt x="3900357" y="3243466"/>
+                  <a:pt x="2964865" y="4178958"/>
+                  <a:pt x="1810878" y="4178958"/>
+                </a:cubicBezTo>
+                <a:cubicBezTo>
+                  <a:pt x="1089636" y="4178958"/>
+                  <a:pt x="453744" y="3813531"/>
+                  <a:pt x="78249" y="3257727"/>
+                </a:cubicBezTo>
+                <a:lnTo>
+                  <a:pt x="0" y="3128923"/>
+                </a:lnTo>
+                <a:lnTo>
+                  <a:pt x="831324" y="244281"/>
+                </a:lnTo>
+                <a:lnTo>
+                  <a:pt x="997559" y="164202"/>
+                </a:lnTo>
+                <a:cubicBezTo>
+                  <a:pt x="1247540" y="58468"/>
+                  <a:pt x="1522381" y="0"/>
+                  <a:pt x="1810878" y="0"/>
+                </a:cubicBezTo>
+                <a:cubicBezTo>
+                  <a:pt x="2027251" y="0"/>
+                  <a:pt x="2235942" y="32888"/>
+                  <a:pt x="2432225" y="93939"/>
+                </a:cubicBezTo>
+                <a:close/>
+              </a:path>
+            </a:pathLst>
+          </a:custGeom>
+          <a:gradFill>
+            <a:gsLst>
+              <a:gs pos="29000">
+                <a:srgbClr val="000000">
+                  <a:alpha val="0"/>
+                </a:srgbClr>
+              </a:gs>
+              <a:gs pos="100000">
+                <a:schemeClr val="accent1">
+                  <a:alpha val="43000"/>
+                </a:schemeClr>
+              </a:gs>
+            </a:gsLst>
+            <a:lin ang="1800000" scaled="0"/>
+          </a:gradFill>
+          <a:ln>
+            <a:noFill/>
+          </a:ln>
+        </p:spPr>
+        <p:style>
+          <a:lnRef idx="2">
+            <a:schemeClr val="accent1">
+              <a:shade val="50000"/>
+            </a:schemeClr>
+          </a:lnRef>
+          <a:fillRef idx="1">
+            <a:schemeClr val="accent1"/>
+          </a:fillRef>
+          <a:effectRef idx="0">
+            <a:schemeClr val="accent1"/>
+          </a:effectRef>
+          <a:fontRef idx="minor">
+            <a:schemeClr val="lt1"/>
+          </a:fontRef>
+        </p:style>
+        <p:txBody>
+          <a:bodyPr wrap="square" rtlCol="0" anchor="ctr">
+            <a:noAutofit/>
+          </a:bodyPr>
+          <a:lstStyle/>
+          <a:p>
+            <a:pPr algn="ctr"/>
+            <a:endParaRPr lang="en-US" dirty="0"/>
+          </a:p>
+        </p:txBody>
+      </p:sp>
+      <p:sp>
+        <p:nvSpPr>
+          <p:cNvPr id="20" name="Rectangle 19">
+            <a:extLst>
+              <a:ext uri="{FF2B5EF4-FFF2-40B4-BE49-F238E27FC236}">
+                <a16:creationId xmlns:a16="http://schemas.microsoft.com/office/drawing/2014/main" id="{8D71EDA1-87BF-4D5D-AB79-F346FD19278A}"/>
+              </a:ext>
+              <a:ext uri="{C183D7F6-B498-43B3-948B-1728B52AA6E4}">
+                <adec:decorative xmlns:adec="http://schemas.microsoft.com/office/drawing/2017/decorative" val="1"/>
+              </a:ext>
+            </a:extLst>
+          </p:cNvPr>
+          <p:cNvSpPr>
+            <a:spLocks noGrp="1" noRot="1" noChangeAspect="1" noMove="1" noResize="1" noEditPoints="1" noAdjustHandles="1" noChangeArrowheads="1" noChangeShapeType="1" noTextEdit="1"/>
+          </p:cNvSpPr>
+          <p:nvPr>
+            <p:extLst>
+              <p:ext uri="{386F3935-93C4-4BCD-93E2-E3B085C9AB24}">
+                <p16:designElem xmlns:p16="http://schemas.microsoft.com/office/powerpoint/2015/main" val="1"/>
+              </p:ext>
+            </p:extLst>
+          </p:nvPr>
+        </p:nvSpPr>
+        <p:spPr>
+          <a:xfrm rot="5400000" flipH="1">
+            <a:off x="-1410093" y="1399943"/>
+            <a:ext cx="6858003" cy="4037835"/>
+          </a:xfrm>
+          <a:prstGeom prst="rect">
+            <a:avLst/>
+          </a:prstGeom>
+          <a:gradFill>
+            <a:gsLst>
+              <a:gs pos="0">
+                <a:srgbClr val="000000">
+                  <a:alpha val="0"/>
+                </a:srgbClr>
+              </a:gs>
+              <a:gs pos="99000">
+                <a:schemeClr val="accent1">
+                  <a:lumMod val="60000"/>
+                  <a:lumOff val="40000"/>
+                  <a:alpha val="11000"/>
+                </a:schemeClr>
+              </a:gs>
+            </a:gsLst>
+            <a:lin ang="7200000" scaled="0"/>
+          </a:gradFill>
+          <a:ln>
+            <a:noFill/>
+          </a:ln>
+        </p:spPr>
+        <p:style>
+          <a:lnRef idx="2">
+            <a:schemeClr val="accent1">
+              <a:shade val="50000"/>
+            </a:schemeClr>
+          </a:lnRef>
+          <a:fillRef idx="1">
+            <a:schemeClr val="accent1"/>
+          </a:fillRef>
+          <a:effectRef idx="0">
+            <a:schemeClr val="accent1"/>
+          </a:effectRef>
+          <a:fontRef idx="minor">
+            <a:schemeClr val="lt1"/>
+          </a:fontRef>
+        </p:style>
+        <p:txBody>
+          <a:bodyPr rtlCol="0" anchor="ctr"/>
+          <a:lstStyle/>
+          <a:p>
+            <a:pPr algn="ctr"/>
+            <a:endParaRPr lang="en-US"/>
+          </a:p>
+        </p:txBody>
+      </p:sp>
+      <p:sp>
+        <p:nvSpPr>
+          <p:cNvPr id="2" name="Title 1">
+            <a:extLst>
+              <a:ext uri="{FF2B5EF4-FFF2-40B4-BE49-F238E27FC236}">
+                <a16:creationId xmlns:a16="http://schemas.microsoft.com/office/drawing/2014/main" id="{5EE299BD-17D0-22DB-F33F-52FBFA1250A0}"/>
+              </a:ext>
+            </a:extLst>
+          </p:cNvPr>
+          <p:cNvSpPr>
+            <a:spLocks noGrp="1"/>
+          </p:cNvSpPr>
+          <p:nvPr>
+            <p:ph type="title"/>
+          </p:nvPr>
+        </p:nvSpPr>
+        <p:spPr>
+          <a:xfrm>
+            <a:off x="466722" y="586855"/>
+            <a:ext cx="3201366" cy="3387497"/>
+          </a:xfrm>
+        </p:spPr>
+        <p:txBody>
+          <a:bodyPr anchor="b">
+            <a:normAutofit/>
+          </a:bodyPr>
+          <a:lstStyle/>
+          <a:p>
+            <a:pPr algn="r"/>
+            <a:r>
+              <a:rPr lang="en-CH" sz="4000">
+                <a:solidFill>
+                  <a:srgbClr val="FFFFFF"/>
+                </a:solidFill>
+              </a:rPr>
+              <a:t>AWS Security Hub</a:t>
+            </a:r>
+          </a:p>
+        </p:txBody>
+      </p:sp>
+      <p:sp>
+        <p:nvSpPr>
+          <p:cNvPr id="3" name="Content Placeholder 2">
+            <a:extLst>
+              <a:ext uri="{FF2B5EF4-FFF2-40B4-BE49-F238E27FC236}">
+                <a16:creationId xmlns:a16="http://schemas.microsoft.com/office/drawing/2014/main" id="{FB6986B0-19EF-C260-3802-48E7053A9608}"/>
+              </a:ext>
+            </a:extLst>
+          </p:cNvPr>
+          <p:cNvSpPr>
+            <a:spLocks noGrp="1"/>
+          </p:cNvSpPr>
+          <p:nvPr>
+            <p:ph idx="1"/>
+          </p:nvPr>
+        </p:nvSpPr>
+        <p:spPr>
+          <a:xfrm>
+            <a:off x="4810259" y="649480"/>
+            <a:ext cx="6555347" cy="5546047"/>
+          </a:xfrm>
+        </p:spPr>
+        <p:txBody>
+          <a:bodyPr anchor="ctr">
+            <a:normAutofit/>
+          </a:bodyPr>
+          <a:lstStyle/>
+          <a:p>
+            <a:r>
+              <a:rPr lang="en-GB" sz="2000"/>
+              <a:t>Central security tool to manage security across several AWS accounts and automate security checks</a:t>
+            </a:r>
+          </a:p>
+          <a:p>
+            <a:r>
+              <a:rPr lang="en-GB" sz="2000"/>
+              <a:t>Integrated dashboards showing current security and compliance status to quickly take actions</a:t>
+            </a:r>
+          </a:p>
+          <a:p>
+            <a:r>
+              <a:rPr lang="en-GB" sz="2000"/>
+              <a:t>Must first enable the AWS Config Service</a:t>
+            </a:r>
+          </a:p>
+          <a:p>
+            <a:r>
+              <a:rPr lang="en-GB" sz="2000"/>
+              <a:t>Security Hub generates findings and continuous checks against the rules in a set of supported security standards </a:t>
+            </a:r>
+          </a:p>
+          <a:p>
+            <a:r>
+              <a:rPr lang="en-GB" sz="2000"/>
+              <a:t>Security Hub supports the following standards: </a:t>
+            </a:r>
+          </a:p>
+          <a:p>
+            <a:pPr lvl="1"/>
+            <a:r>
+              <a:rPr lang="en-GB" sz="2000"/>
+              <a:t>CIS AWS Foundations, PCI DSS, AWS Foundational Security Best Practices…</a:t>
+            </a:r>
+            <a:endParaRPr lang="en-CH" sz="2000"/>
+          </a:p>
+        </p:txBody>
+      </p:sp>
+    </p:spTree>
+    <p:extLst>
+      <p:ext uri="{BB962C8B-B14F-4D97-AF65-F5344CB8AC3E}">
+        <p14:creationId xmlns:p14="http://schemas.microsoft.com/office/powerpoint/2010/main" val="650521563"/>
+      </p:ext>
+    </p:extLst>
+  </p:cSld>
+  <p:clrMapOvr>
+    <a:masterClrMapping/>
+  </p:clrMapOvr>
+</p:sld>
+</file>
+
+<file path=ppt/slides/slide4.xml><?xml version="1.0" encoding="utf-8"?>
+<p:sld xmlns:a="http://schemas.openxmlformats.org/drawingml/2006/main" xmlns:r="http://schemas.openxmlformats.org/officeDocument/2006/relationships" xmlns:p="http://schemas.openxmlformats.org/presentationml/2006/main">
+  <p:cSld>
+    <p:bg>
+      <p:bgPr>
+        <a:solidFill>
+          <a:schemeClr val="bg1"/>
+        </a:solidFill>
+        <a:effectLst/>
+      </p:bgPr>
+    </p:bg>
+    <p:spTree>
+      <p:nvGrpSpPr>
+        <p:cNvPr id="1" name=""/>
+        <p:cNvGrpSpPr/>
+        <p:nvPr/>
+      </p:nvGrpSpPr>
+      <p:grpSpPr>
+        <a:xfrm>
+          <a:off x="0" y="0"/>
+          <a:ext cx="0" cy="0"/>
+          <a:chOff x="0" y="0"/>
+          <a:chExt cx="0" cy="0"/>
+        </a:xfrm>
+      </p:grpSpPr>
+      <p:sp useBgFill="1">
+        <p:nvSpPr>
+          <p:cNvPr id="8" name="Rectangle 7">
+            <a:extLst>
+              <a:ext uri="{FF2B5EF4-FFF2-40B4-BE49-F238E27FC236}">
+                <a16:creationId xmlns:a16="http://schemas.microsoft.com/office/drawing/2014/main" id="{09588DA8-065E-4F6F-8EFD-43104AB2E0CF}"/>
+              </a:ext>
+              <a:ext uri="{C183D7F6-B498-43B3-948B-1728B52AA6E4}">
+                <adec:decorative xmlns:adec="http://schemas.microsoft.com/office/drawing/2017/decorative" val="1"/>
+              </a:ext>
+            </a:extLst>
+          </p:cNvPr>
+          <p:cNvSpPr>
+            <a:spLocks noGrp="1" noRot="1" noChangeAspect="1" noMove="1" noResize="1" noEditPoints="1" noAdjustHandles="1" noChangeArrowheads="1" noChangeShapeType="1" noTextEdit="1"/>
+          </p:cNvSpPr>
+          <p:nvPr>
+            <p:extLst>
+              <p:ext uri="{386F3935-93C4-4BCD-93E2-E3B085C9AB24}">
+                <p16:designElem xmlns:p16="http://schemas.microsoft.com/office/powerpoint/2015/main" val="1"/>
+              </p:ext>
+            </p:extLst>
+          </p:nvPr>
+        </p:nvSpPr>
+        <p:spPr>
+          <a:xfrm>
+            <a:off x="0" y="0"/>
+            <a:ext cx="12192000" cy="6858000"/>
+          </a:xfrm>
+          <a:prstGeom prst="rect">
+            <a:avLst/>
+          </a:prstGeom>
+          <a:ln w="12700" cap="flat" cmpd="sng" algn="ctr">
+            <a:noFill/>
+            <a:prstDash val="solid"/>
+            <a:miter lim="800000"/>
+          </a:ln>
+          <a:effectLst/>
+          <a:extLst>
+            <a:ext uri="{91240B29-F687-4F45-9708-019B960494DF}">
+              <a14:hiddenLine xmlns:a14="http://schemas.microsoft.com/office/drawing/2010/main" w="12700" cap="flat" cmpd="sng" algn="ctr">
+                <a:solidFill>
+                  <a:schemeClr val="accent1">
+                    <a:shade val="50000"/>
+                  </a:schemeClr>
+                </a:solidFill>
+                <a:prstDash val="solid"/>
+                <a:miter lim="800000"/>
+              </a14:hiddenLine>
+            </a:ext>
+          </a:extLst>
+        </p:spPr>
+        <p:style>
+          <a:lnRef idx="2">
+            <a:schemeClr val="accent1">
+              <a:shade val="50000"/>
+            </a:schemeClr>
+          </a:lnRef>
+          <a:fillRef idx="1">
+            <a:schemeClr val="accent1"/>
+          </a:fillRef>
+          <a:effectRef idx="0">
+            <a:schemeClr val="accent1"/>
+          </a:effectRef>
+          <a:fontRef idx="minor">
+            <a:schemeClr val="lt1"/>
+          </a:fontRef>
+        </p:style>
+        <p:txBody>
+          <a:bodyPr rtlCol="0" anchor="ctr"/>
+          <a:lstStyle/>
+          <a:p>
+            <a:pPr algn="ctr"/>
+            <a:endParaRPr lang="en-US"/>
+          </a:p>
+        </p:txBody>
+      </p:sp>
+      <p:sp useBgFill="1">
+        <p:nvSpPr>
+          <p:cNvPr id="10" name="Rectangle 9">
+            <a:extLst>
+              <a:ext uri="{FF2B5EF4-FFF2-40B4-BE49-F238E27FC236}">
+                <a16:creationId xmlns:a16="http://schemas.microsoft.com/office/drawing/2014/main" id="{C4285719-470E-454C-AF62-8323075F1F5B}"/>
+              </a:ext>
+              <a:ext uri="{C183D7F6-B498-43B3-948B-1728B52AA6E4}">
+                <adec:decorative xmlns:adec="http://schemas.microsoft.com/office/drawing/2017/decorative" val="1"/>
+              </a:ext>
+            </a:extLst>
+          </p:cNvPr>
+          <p:cNvSpPr>
+            <a:spLocks noGrp="1" noRot="1" noChangeAspect="1" noMove="1" noResize="1" noEditPoints="1" noAdjustHandles="1" noChangeArrowheads="1" noChangeShapeType="1" noTextEdit="1"/>
+          </p:cNvSpPr>
+          <p:nvPr>
+            <p:extLst>
+              <p:ext uri="{386F3935-93C4-4BCD-93E2-E3B085C9AB24}">
+                <p16:designElem xmlns:p16="http://schemas.microsoft.com/office/powerpoint/2015/main" val="1"/>
+              </p:ext>
+            </p:extLst>
+          </p:nvPr>
+        </p:nvSpPr>
+        <p:spPr>
+          <a:xfrm>
+            <a:off x="0" y="0"/>
+            <a:ext cx="12188952" cy="6858000"/>
+          </a:xfrm>
+          <a:prstGeom prst="rect">
+            <a:avLst/>
+          </a:prstGeom>
+          <a:ln w="12700" cap="flat" cmpd="sng" algn="ctr">
+            <a:noFill/>
+            <a:prstDash val="solid"/>
+            <a:miter lim="800000"/>
+          </a:ln>
+          <a:effectLst/>
+          <a:extLst>
+            <a:ext uri="{91240B29-F687-4F45-9708-019B960494DF}">
+              <a14:hiddenLine xmlns:a14="http://schemas.microsoft.com/office/drawing/2010/main" w="12700" cap="flat" cmpd="sng" algn="ctr">
+                <a:solidFill>
+                  <a:schemeClr val="accent1">
+                    <a:shade val="50000"/>
+                  </a:schemeClr>
+                </a:solidFill>
+                <a:prstDash val="solid"/>
+                <a:miter lim="800000"/>
+              </a14:hiddenLine>
+            </a:ext>
+          </a:extLst>
+        </p:spPr>
+        <p:style>
+          <a:lnRef idx="2">
+            <a:schemeClr val="accent1">
+              <a:shade val="50000"/>
+            </a:schemeClr>
+          </a:lnRef>
+          <a:fillRef idx="1">
+            <a:schemeClr val="accent1"/>
+          </a:fillRef>
+          <a:effectRef idx="0">
+            <a:schemeClr val="accent1"/>
+          </a:effectRef>
+          <a:fontRef idx="minor">
+            <a:schemeClr val="lt1"/>
+          </a:fontRef>
+        </p:style>
+        <p:txBody>
+          <a:bodyPr rtlCol="0" anchor="ctr"/>
+          <a:lstStyle/>
+          <a:p>
+            <a:pPr algn="ctr"/>
+            <a:endParaRPr lang="en-US"/>
+          </a:p>
+        </p:txBody>
+      </p:sp>
+      <p:sp>
+        <p:nvSpPr>
+          <p:cNvPr id="12" name="Rectangle 11">
+            <a:extLst>
+              <a:ext uri="{FF2B5EF4-FFF2-40B4-BE49-F238E27FC236}">
+                <a16:creationId xmlns:a16="http://schemas.microsoft.com/office/drawing/2014/main" id="{CD9FE4EF-C4D8-49A0-B2FF-81D8DB7D8A24}"/>
+              </a:ext>
+              <a:ext uri="{C183D7F6-B498-43B3-948B-1728B52AA6E4}">
+                <adec:decorative xmlns:adec="http://schemas.microsoft.com/office/drawing/2017/decorative" val="1"/>
+              </a:ext>
+            </a:extLst>
+          </p:cNvPr>
+          <p:cNvSpPr>
+            <a:spLocks noGrp="1" noRot="1" noChangeAspect="1" noMove="1" noResize="1" noEditPoints="1" noAdjustHandles="1" noChangeArrowheads="1" noChangeShapeType="1" noTextEdit="1"/>
+          </p:cNvSpPr>
+          <p:nvPr>
+            <p:extLst>
+              <p:ext uri="{386F3935-93C4-4BCD-93E2-E3B085C9AB24}">
+                <p16:designElem xmlns:p16="http://schemas.microsoft.com/office/powerpoint/2015/main" val="1"/>
+              </p:ext>
+            </p:extLst>
+          </p:nvPr>
+        </p:nvSpPr>
+        <p:spPr>
+          <a:xfrm rot="5400000" flipH="1">
+            <a:off x="-1410084" y="1410082"/>
+            <a:ext cx="6858000" cy="4037836"/>
+          </a:xfrm>
+          <a:prstGeom prst="rect">
+            <a:avLst/>
+          </a:prstGeom>
+          <a:gradFill>
+            <a:gsLst>
+              <a:gs pos="8000">
+                <a:srgbClr val="000000"/>
+              </a:gs>
+              <a:gs pos="100000">
+                <a:schemeClr val="accent1">
+                  <a:lumMod val="75000"/>
+                </a:schemeClr>
+              </a:gs>
+            </a:gsLst>
+            <a:lin ang="3000000" scaled="0"/>
+          </a:gradFill>
+          <a:ln>
+            <a:noFill/>
+          </a:ln>
+        </p:spPr>
+        <p:style>
+          <a:lnRef idx="2">
+            <a:schemeClr val="accent1">
+              <a:shade val="50000"/>
+            </a:schemeClr>
+          </a:lnRef>
+          <a:fillRef idx="1">
+            <a:schemeClr val="accent1"/>
+          </a:fillRef>
+          <a:effectRef idx="0">
+            <a:schemeClr val="accent1"/>
+          </a:effectRef>
+          <a:fontRef idx="minor">
+            <a:schemeClr val="lt1"/>
+          </a:fontRef>
+        </p:style>
+        <p:txBody>
+          <a:bodyPr rtlCol="0" anchor="ctr"/>
+          <a:lstStyle/>
+          <a:p>
+            <a:pPr algn="ctr"/>
+            <a:endParaRPr lang="en-US"/>
+          </a:p>
+        </p:txBody>
+      </p:sp>
+      <p:sp>
+        <p:nvSpPr>
+          <p:cNvPr id="14" name="Rectangle 13">
+            <a:extLst>
+              <a:ext uri="{FF2B5EF4-FFF2-40B4-BE49-F238E27FC236}">
+                <a16:creationId xmlns:a16="http://schemas.microsoft.com/office/drawing/2014/main" id="{4300840D-0A0B-4512-BACA-B439D5B9C57C}"/>
+              </a:ext>
+              <a:ext uri="{C183D7F6-B498-43B3-948B-1728B52AA6E4}">
+                <adec:decorative xmlns:adec="http://schemas.microsoft.com/office/drawing/2017/decorative" val="1"/>
+              </a:ext>
+            </a:extLst>
+          </p:cNvPr>
+          <p:cNvSpPr>
+            <a:spLocks noGrp="1" noRot="1" noChangeAspect="1" noMove="1" noResize="1" noEditPoints="1" noAdjustHandles="1" noChangeArrowheads="1" noChangeShapeType="1" noTextEdit="1"/>
+          </p:cNvSpPr>
+          <p:nvPr>
+            <p:extLst>
+              <p:ext uri="{386F3935-93C4-4BCD-93E2-E3B085C9AB24}">
+                <p16:designElem xmlns:p16="http://schemas.microsoft.com/office/powerpoint/2015/main" val="1"/>
+              </p:ext>
+            </p:extLst>
+          </p:nvPr>
+        </p:nvSpPr>
+        <p:spPr>
+          <a:xfrm rot="5400000" flipH="1">
+            <a:off x="-1410085" y="1420219"/>
+            <a:ext cx="6857999" cy="4037839"/>
+          </a:xfrm>
+          <a:prstGeom prst="rect">
+            <a:avLst/>
+          </a:prstGeom>
+          <a:gradFill>
+            <a:gsLst>
+              <a:gs pos="0">
+                <a:srgbClr val="000000">
+                  <a:alpha val="0"/>
+                </a:srgbClr>
+              </a:gs>
+              <a:gs pos="99000">
+                <a:schemeClr val="accent1">
+                  <a:alpha val="46000"/>
+                </a:schemeClr>
+              </a:gs>
+            </a:gsLst>
+            <a:lin ang="1800000" scaled="0"/>
+          </a:gradFill>
+          <a:ln>
+            <a:noFill/>
+          </a:ln>
+        </p:spPr>
+        <p:style>
+          <a:lnRef idx="2">
+            <a:schemeClr val="accent1">
+              <a:shade val="50000"/>
+            </a:schemeClr>
+          </a:lnRef>
+          <a:fillRef idx="1">
+            <a:schemeClr val="accent1"/>
+          </a:fillRef>
+          <a:effectRef idx="0">
+            <a:schemeClr val="accent1"/>
+          </a:effectRef>
+          <a:fontRef idx="minor">
+            <a:schemeClr val="lt1"/>
+          </a:fontRef>
+        </p:style>
+        <p:txBody>
+          <a:bodyPr rtlCol="0" anchor="ctr"/>
+          <a:lstStyle/>
+          <a:p>
+            <a:pPr algn="ctr"/>
+            <a:endParaRPr lang="en-US"/>
+          </a:p>
+        </p:txBody>
+      </p:sp>
+      <p:sp>
+        <p:nvSpPr>
+          <p:cNvPr id="16" name="Rectangle 15">
+            <a:extLst>
+              <a:ext uri="{FF2B5EF4-FFF2-40B4-BE49-F238E27FC236}">
+                <a16:creationId xmlns:a16="http://schemas.microsoft.com/office/drawing/2014/main" id="{D2B78728-A580-49A7-84F9-6EF6F583ADE0}"/>
+              </a:ext>
+              <a:ext uri="{C183D7F6-B498-43B3-948B-1728B52AA6E4}">
+                <adec:decorative xmlns:adec="http://schemas.microsoft.com/office/drawing/2017/decorative" val="1"/>
+              </a:ext>
+            </a:extLst>
+          </p:cNvPr>
+          <p:cNvSpPr>
+            <a:spLocks noGrp="1" noRot="1" noChangeAspect="1" noMove="1" noResize="1" noEditPoints="1" noAdjustHandles="1" noChangeArrowheads="1" noChangeShapeType="1" noTextEdit="1"/>
+          </p:cNvSpPr>
+          <p:nvPr>
+            <p:extLst>
+              <p:ext uri="{386F3935-93C4-4BCD-93E2-E3B085C9AB24}">
+                <p16:designElem xmlns:p16="http://schemas.microsoft.com/office/powerpoint/2015/main" val="1"/>
+              </p:ext>
+            </p:extLst>
+          </p:nvPr>
+        </p:nvSpPr>
+        <p:spPr>
+          <a:xfrm rot="5400000" flipH="1">
+            <a:off x="767923" y="3588085"/>
+            <a:ext cx="2501979" cy="4037841"/>
+          </a:xfrm>
+          <a:prstGeom prst="rect">
+            <a:avLst/>
+          </a:prstGeom>
+          <a:gradFill>
+            <a:gsLst>
+              <a:gs pos="2000">
+                <a:schemeClr val="accent1">
+                  <a:alpha val="29000"/>
+                </a:schemeClr>
+              </a:gs>
+              <a:gs pos="100000">
+                <a:srgbClr val="000000">
+                  <a:alpha val="30000"/>
+                </a:srgbClr>
+              </a:gs>
+            </a:gsLst>
+            <a:lin ang="7800000" scaled="0"/>
+          </a:gradFill>
+          <a:ln>
+            <a:noFill/>
+          </a:ln>
+        </p:spPr>
+        <p:style>
+          <a:lnRef idx="2">
+            <a:schemeClr val="accent1">
+              <a:shade val="50000"/>
+            </a:schemeClr>
+          </a:lnRef>
+          <a:fillRef idx="1">
+            <a:schemeClr val="accent1"/>
+          </a:fillRef>
+          <a:effectRef idx="0">
+            <a:schemeClr val="accent1"/>
+          </a:effectRef>
+          <a:fontRef idx="minor">
+            <a:schemeClr val="lt1"/>
+          </a:fontRef>
+        </p:style>
+        <p:txBody>
+          <a:bodyPr rtlCol="0" anchor="ctr"/>
+          <a:lstStyle/>
+          <a:p>
+            <a:pPr algn="ctr"/>
+            <a:endParaRPr lang="en-US" dirty="0"/>
+          </a:p>
+        </p:txBody>
+      </p:sp>
+      <p:sp>
+        <p:nvSpPr>
+          <p:cNvPr id="18" name="Freeform: Shape 17">
+            <a:extLst>
+              <a:ext uri="{FF2B5EF4-FFF2-40B4-BE49-F238E27FC236}">
+                <a16:creationId xmlns:a16="http://schemas.microsoft.com/office/drawing/2014/main" id="{38FAA1A1-D861-433F-88FA-1E9D6FD31D11}"/>
+              </a:ext>
+              <a:ext uri="{C183D7F6-B498-43B3-948B-1728B52AA6E4}">
+                <adec:decorative xmlns:adec="http://schemas.microsoft.com/office/drawing/2017/decorative" val="1"/>
+              </a:ext>
+            </a:extLst>
+          </p:cNvPr>
+          <p:cNvSpPr>
+            <a:spLocks noGrp="1" noRot="1" noChangeAspect="1" noMove="1" noResize="1" noEditPoints="1" noAdjustHandles="1" noChangeArrowheads="1" noChangeShapeType="1" noTextEdit="1"/>
+          </p:cNvSpPr>
+          <p:nvPr>
+            <p:extLst>
+              <p:ext uri="{386F3935-93C4-4BCD-93E2-E3B085C9AB24}">
+                <p16:designElem xmlns:p16="http://schemas.microsoft.com/office/powerpoint/2015/main" val="1"/>
+              </p:ext>
+            </p:extLst>
+          </p:nvPr>
+        </p:nvSpPr>
+        <p:spPr>
+          <a:xfrm rot="20635413">
+            <a:off x="-501737" y="969718"/>
+            <a:ext cx="3900357" cy="4178958"/>
+          </a:xfrm>
+          <a:custGeom>
+            <a:avLst/>
+            <a:gdLst>
+              <a:gd name="connsiteX0" fmla="*/ 2432225 w 3900357"/>
+              <a:gd name="connsiteY0" fmla="*/ 93939 h 4178958"/>
+              <a:gd name="connsiteX1" fmla="*/ 3900357 w 3900357"/>
+              <a:gd name="connsiteY1" fmla="*/ 2089479 h 4178958"/>
+              <a:gd name="connsiteX2" fmla="*/ 1810878 w 3900357"/>
+              <a:gd name="connsiteY2" fmla="*/ 4178958 h 4178958"/>
+              <a:gd name="connsiteX3" fmla="*/ 78249 w 3900357"/>
+              <a:gd name="connsiteY3" fmla="*/ 3257727 h 4178958"/>
+              <a:gd name="connsiteX4" fmla="*/ 0 w 3900357"/>
+              <a:gd name="connsiteY4" fmla="*/ 3128923 h 4178958"/>
+              <a:gd name="connsiteX5" fmla="*/ 831324 w 3900357"/>
+              <a:gd name="connsiteY5" fmla="*/ 244281 h 4178958"/>
+              <a:gd name="connsiteX6" fmla="*/ 997559 w 3900357"/>
+              <a:gd name="connsiteY6" fmla="*/ 164202 h 4178958"/>
+              <a:gd name="connsiteX7" fmla="*/ 1810878 w 3900357"/>
+              <a:gd name="connsiteY7" fmla="*/ 0 h 4178958"/>
+              <a:gd name="connsiteX8" fmla="*/ 2432225 w 3900357"/>
+              <a:gd name="connsiteY8" fmla="*/ 93939 h 4178958"/>
+            </a:gdLst>
+            <a:ahLst/>
+            <a:cxnLst>
+              <a:cxn ang="0">
+                <a:pos x="connsiteX0" y="connsiteY0"/>
+              </a:cxn>
+              <a:cxn ang="0">
+                <a:pos x="connsiteX1" y="connsiteY1"/>
+              </a:cxn>
+              <a:cxn ang="0">
+                <a:pos x="connsiteX2" y="connsiteY2"/>
+              </a:cxn>
+              <a:cxn ang="0">
+                <a:pos x="connsiteX3" y="connsiteY3"/>
+              </a:cxn>
+              <a:cxn ang="0">
+                <a:pos x="connsiteX4" y="connsiteY4"/>
+              </a:cxn>
+              <a:cxn ang="0">
+                <a:pos x="connsiteX5" y="connsiteY5"/>
+              </a:cxn>
+              <a:cxn ang="0">
+                <a:pos x="connsiteX6" y="connsiteY6"/>
+              </a:cxn>
+              <a:cxn ang="0">
+                <a:pos x="connsiteX7" y="connsiteY7"/>
+              </a:cxn>
+              <a:cxn ang="0">
+                <a:pos x="connsiteX8" y="connsiteY8"/>
+              </a:cxn>
+            </a:cxnLst>
+            <a:rect l="l" t="t" r="r" b="b"/>
+            <a:pathLst>
+              <a:path w="3900357" h="4178958">
+                <a:moveTo>
+                  <a:pt x="2432225" y="93939"/>
+                </a:moveTo>
+                <a:cubicBezTo>
+                  <a:pt x="3282786" y="358491"/>
+                  <a:pt x="3900357" y="1151865"/>
+                  <a:pt x="3900357" y="2089479"/>
+                </a:cubicBezTo>
+                <a:cubicBezTo>
+                  <a:pt x="3900357" y="3243466"/>
+                  <a:pt x="2964865" y="4178958"/>
+                  <a:pt x="1810878" y="4178958"/>
+                </a:cubicBezTo>
+                <a:cubicBezTo>
+                  <a:pt x="1089636" y="4178958"/>
+                  <a:pt x="453744" y="3813531"/>
+                  <a:pt x="78249" y="3257727"/>
+                </a:cubicBezTo>
+                <a:lnTo>
+                  <a:pt x="0" y="3128923"/>
+                </a:lnTo>
+                <a:lnTo>
+                  <a:pt x="831324" y="244281"/>
+                </a:lnTo>
+                <a:lnTo>
+                  <a:pt x="997559" y="164202"/>
+                </a:lnTo>
+                <a:cubicBezTo>
+                  <a:pt x="1247540" y="58468"/>
+                  <a:pt x="1522381" y="0"/>
+                  <a:pt x="1810878" y="0"/>
+                </a:cubicBezTo>
+                <a:cubicBezTo>
+                  <a:pt x="2027251" y="0"/>
+                  <a:pt x="2235942" y="32888"/>
+                  <a:pt x="2432225" y="93939"/>
+                </a:cubicBezTo>
+                <a:close/>
+              </a:path>
+            </a:pathLst>
+          </a:custGeom>
+          <a:gradFill>
+            <a:gsLst>
+              <a:gs pos="29000">
+                <a:srgbClr val="000000">
+                  <a:alpha val="0"/>
+                </a:srgbClr>
+              </a:gs>
+              <a:gs pos="100000">
+                <a:schemeClr val="accent1">
+                  <a:alpha val="43000"/>
+                </a:schemeClr>
+              </a:gs>
+            </a:gsLst>
+            <a:lin ang="1800000" scaled="0"/>
+          </a:gradFill>
+          <a:ln>
+            <a:noFill/>
+          </a:ln>
+        </p:spPr>
+        <p:style>
+          <a:lnRef idx="2">
+            <a:schemeClr val="accent1">
+              <a:shade val="50000"/>
+            </a:schemeClr>
+          </a:lnRef>
+          <a:fillRef idx="1">
+            <a:schemeClr val="accent1"/>
+          </a:fillRef>
+          <a:effectRef idx="0">
+            <a:schemeClr val="accent1"/>
+          </a:effectRef>
+          <a:fontRef idx="minor">
+            <a:schemeClr val="lt1"/>
+          </a:fontRef>
+        </p:style>
+        <p:txBody>
+          <a:bodyPr wrap="square" rtlCol="0" anchor="ctr">
+            <a:noAutofit/>
+          </a:bodyPr>
+          <a:lstStyle/>
+          <a:p>
+            <a:pPr algn="ctr"/>
+            <a:endParaRPr lang="en-US" dirty="0"/>
+          </a:p>
+        </p:txBody>
+      </p:sp>
+      <p:sp>
+        <p:nvSpPr>
+          <p:cNvPr id="20" name="Rectangle 19">
+            <a:extLst>
+              <a:ext uri="{FF2B5EF4-FFF2-40B4-BE49-F238E27FC236}">
+                <a16:creationId xmlns:a16="http://schemas.microsoft.com/office/drawing/2014/main" id="{8D71EDA1-87BF-4D5D-AB79-F346FD19278A}"/>
+              </a:ext>
+              <a:ext uri="{C183D7F6-B498-43B3-948B-1728B52AA6E4}">
+                <adec:decorative xmlns:adec="http://schemas.microsoft.com/office/drawing/2017/decorative" val="1"/>
+              </a:ext>
+            </a:extLst>
+          </p:cNvPr>
+          <p:cNvSpPr>
+            <a:spLocks noGrp="1" noRot="1" noChangeAspect="1" noMove="1" noResize="1" noEditPoints="1" noAdjustHandles="1" noChangeArrowheads="1" noChangeShapeType="1" noTextEdit="1"/>
+          </p:cNvSpPr>
+          <p:nvPr>
+            <p:extLst>
+              <p:ext uri="{386F3935-93C4-4BCD-93E2-E3B085C9AB24}">
+                <p16:designElem xmlns:p16="http://schemas.microsoft.com/office/powerpoint/2015/main" val="1"/>
+              </p:ext>
+            </p:extLst>
+          </p:nvPr>
+        </p:nvSpPr>
+        <p:spPr>
+          <a:xfrm rot="5400000" flipH="1">
+            <a:off x="-1410093" y="1399943"/>
+            <a:ext cx="6858003" cy="4037835"/>
+          </a:xfrm>
+          <a:prstGeom prst="rect">
+            <a:avLst/>
+          </a:prstGeom>
+          <a:gradFill>
+            <a:gsLst>
+              <a:gs pos="0">
+                <a:srgbClr val="000000">
+                  <a:alpha val="0"/>
+                </a:srgbClr>
+              </a:gs>
+              <a:gs pos="99000">
+                <a:schemeClr val="accent1">
+                  <a:lumMod val="60000"/>
+                  <a:lumOff val="40000"/>
+                  <a:alpha val="11000"/>
+                </a:schemeClr>
+              </a:gs>
+            </a:gsLst>
+            <a:lin ang="7200000" scaled="0"/>
+          </a:gradFill>
+          <a:ln>
+            <a:noFill/>
+          </a:ln>
+        </p:spPr>
+        <p:style>
+          <a:lnRef idx="2">
+            <a:schemeClr val="accent1">
+              <a:shade val="50000"/>
+            </a:schemeClr>
+          </a:lnRef>
+          <a:fillRef idx="1">
+            <a:schemeClr val="accent1"/>
+          </a:fillRef>
+          <a:effectRef idx="0">
+            <a:schemeClr val="accent1"/>
+          </a:effectRef>
+          <a:fontRef idx="minor">
+            <a:schemeClr val="lt1"/>
+          </a:fontRef>
+        </p:style>
+        <p:txBody>
+          <a:bodyPr rtlCol="0" anchor="ctr"/>
+          <a:lstStyle/>
+          <a:p>
+            <a:pPr algn="ctr"/>
+            <a:endParaRPr lang="en-US"/>
+          </a:p>
+        </p:txBody>
+      </p:sp>
+      <p:sp>
+        <p:nvSpPr>
+          <p:cNvPr id="2" name="Title 1">
+            <a:extLst>
+              <a:ext uri="{FF2B5EF4-FFF2-40B4-BE49-F238E27FC236}">
+                <a16:creationId xmlns:a16="http://schemas.microsoft.com/office/drawing/2014/main" id="{83A0A686-B934-50FB-66A7-90A2149E8CE6}"/>
+              </a:ext>
+            </a:extLst>
+          </p:cNvPr>
+          <p:cNvSpPr>
+            <a:spLocks noGrp="1"/>
+          </p:cNvSpPr>
+          <p:nvPr>
+            <p:ph type="title"/>
+          </p:nvPr>
+        </p:nvSpPr>
+        <p:spPr>
+          <a:xfrm>
+            <a:off x="466722" y="586855"/>
+            <a:ext cx="3201366" cy="3387497"/>
+          </a:xfrm>
+        </p:spPr>
+        <p:txBody>
+          <a:bodyPr anchor="b">
+            <a:normAutofit/>
+          </a:bodyPr>
+          <a:lstStyle/>
+          <a:p>
+            <a:pPr algn="r"/>
+            <a:r>
+              <a:rPr lang="en-CH" sz="4000">
+                <a:solidFill>
+                  <a:srgbClr val="FFFFFF"/>
+                </a:solidFill>
+              </a:rPr>
+              <a:t>AWS Security Hub Main Features</a:t>
+            </a:r>
+          </a:p>
+        </p:txBody>
+      </p:sp>
+      <p:sp>
+        <p:nvSpPr>
+          <p:cNvPr id="3" name="Content Placeholder 2">
+            <a:extLst>
+              <a:ext uri="{FF2B5EF4-FFF2-40B4-BE49-F238E27FC236}">
+                <a16:creationId xmlns:a16="http://schemas.microsoft.com/office/drawing/2014/main" id="{81C44CD4-8186-4E78-51B9-D16AF43C5934}"/>
+              </a:ext>
+            </a:extLst>
+          </p:cNvPr>
+          <p:cNvSpPr>
+            <a:spLocks noGrp="1"/>
+          </p:cNvSpPr>
+          <p:nvPr>
+            <p:ph idx="1"/>
+          </p:nvPr>
+        </p:nvSpPr>
+        <p:spPr>
+          <a:xfrm>
+            <a:off x="4810259" y="649480"/>
+            <a:ext cx="6555347" cy="5546047"/>
+          </a:xfrm>
+        </p:spPr>
+        <p:txBody>
+          <a:bodyPr anchor="ctr">
+            <a:normAutofit/>
+          </a:bodyPr>
+          <a:lstStyle/>
+          <a:p>
+            <a:r>
+              <a:rPr lang="en-GB" sz="2000"/>
+              <a:t>Cross-Region Aggregation – aggregate findings, insights, and security scores from multiple Regions to a single aggregation Region </a:t>
+            </a:r>
+          </a:p>
+          <a:p>
+            <a:r>
+              <a:rPr lang="en-GB" sz="2000"/>
+              <a:t>AWS Organizations Integration  </a:t>
+            </a:r>
+          </a:p>
+          <a:p>
+            <a:pPr lvl="1"/>
+            <a:r>
+              <a:rPr lang="en-GB" sz="2000"/>
+              <a:t>Manage all accounts in the Organization  </a:t>
+            </a:r>
+          </a:p>
+          <a:p>
+            <a:pPr lvl="1"/>
+            <a:r>
+              <a:rPr lang="en-GB" sz="2000"/>
+              <a:t>Security Hub automatically detects new accounts  </a:t>
+            </a:r>
+          </a:p>
+          <a:p>
+            <a:pPr lvl="1"/>
+            <a:r>
+              <a:rPr lang="en-GB" sz="2000"/>
+              <a:t>By default, Organization management account is the Security Hub administrator  </a:t>
+            </a:r>
+          </a:p>
+          <a:p>
+            <a:pPr lvl="1"/>
+            <a:r>
+              <a:rPr lang="en-GB" sz="2000"/>
+              <a:t>Ability to have a designated Security Hub administrator from member accounts  </a:t>
+            </a:r>
+          </a:p>
+          <a:p>
+            <a:r>
+              <a:rPr lang="en-GB" sz="2000"/>
+              <a:t>AWS Config must be enabled  </a:t>
+            </a:r>
+          </a:p>
+          <a:p>
+            <a:pPr lvl="1"/>
+            <a:r>
+              <a:rPr lang="en-GB" sz="2000"/>
+              <a:t>Security Hub uses AWS Config to perform its security checks  </a:t>
+            </a:r>
+          </a:p>
+          <a:p>
+            <a:pPr lvl="1"/>
+            <a:r>
+              <a:rPr lang="en-GB" sz="2000"/>
+              <a:t>Must be enabled on all accounts (Security Hub does NOT manage AWS Config)</a:t>
+            </a:r>
+            <a:endParaRPr lang="en-CH" sz="2000"/>
+          </a:p>
+        </p:txBody>
+      </p:sp>
+    </p:spTree>
+    <p:extLst>
+      <p:ext uri="{BB962C8B-B14F-4D97-AF65-F5344CB8AC3E}">
+        <p14:creationId xmlns:p14="http://schemas.microsoft.com/office/powerpoint/2010/main" val="562514052"/>
+      </p:ext>
+    </p:extLst>
+  </p:cSld>
+  <p:clrMapOvr>
+    <a:masterClrMapping/>
+  </p:clrMapOvr>
+</p:sld>
+</file>
+
+<file path=ppt/slides/slide5.xml><?xml version="1.0" encoding="utf-8"?>
+<p:sld xmlns:a="http://schemas.openxmlformats.org/drawingml/2006/main" xmlns:r="http://schemas.openxmlformats.org/officeDocument/2006/relationships" xmlns:p="http://schemas.openxmlformats.org/presentationml/2006/main">
+  <p:cSld>
+    <p:bg>
+      <p:bgPr>
+        <a:solidFill>
+          <a:schemeClr val="bg1"/>
+        </a:solidFill>
+        <a:effectLst/>
+      </p:bgPr>
+    </p:bg>
+    <p:spTree>
+      <p:nvGrpSpPr>
+        <p:cNvPr id="1" name=""/>
+        <p:cNvGrpSpPr/>
+        <p:nvPr/>
+      </p:nvGrpSpPr>
+      <p:grpSpPr>
+        <a:xfrm>
+          <a:off x="0" y="0"/>
+          <a:ext cx="0" cy="0"/>
+          <a:chOff x="0" y="0"/>
+          <a:chExt cx="0" cy="0"/>
+        </a:xfrm>
+      </p:grpSpPr>
+      <p:sp useBgFill="1">
+        <p:nvSpPr>
+          <p:cNvPr id="1031" name="Rectangle 1030">
+            <a:extLst>
+              <a:ext uri="{FF2B5EF4-FFF2-40B4-BE49-F238E27FC236}">
+                <a16:creationId xmlns:a16="http://schemas.microsoft.com/office/drawing/2014/main" id="{A8384FB5-9ADC-4DDC-881B-597D56F5B15D}"/>
+              </a:ext>
+              <a:ext uri="{C183D7F6-B498-43B3-948B-1728B52AA6E4}">
+                <adec:decorative xmlns:adec="http://schemas.microsoft.com/office/drawing/2017/decorative" val="1"/>
+              </a:ext>
+            </a:extLst>
+          </p:cNvPr>
+          <p:cNvSpPr>
+            <a:spLocks noGrp="1" noRot="1" noChangeAspect="1" noMove="1" noResize="1" noEditPoints="1" noAdjustHandles="1" noChangeArrowheads="1" noChangeShapeType="1" noTextEdit="1"/>
+          </p:cNvSpPr>
+          <p:nvPr>
+            <p:extLst>
+              <p:ext uri="{386F3935-93C4-4BCD-93E2-E3B085C9AB24}">
+                <p16:designElem xmlns:p16="http://schemas.microsoft.com/office/powerpoint/2015/main" val="1"/>
+              </p:ext>
+            </p:extLst>
+          </p:nvPr>
+        </p:nvSpPr>
+        <p:spPr>
+          <a:xfrm>
+            <a:off x="0" y="0"/>
+            <a:ext cx="12192000" cy="6858000"/>
+          </a:xfrm>
+          <a:prstGeom prst="rect">
+            <a:avLst/>
+          </a:prstGeom>
+          <a:ln w="12700" cap="flat" cmpd="sng" algn="ctr">
+            <a:noFill/>
+            <a:prstDash val="solid"/>
+            <a:miter lim="800000"/>
+          </a:ln>
+          <a:effectLst/>
+          <a:extLst>
+            <a:ext uri="{91240B29-F687-4F45-9708-019B960494DF}">
+              <a14:hiddenLine xmlns:a14="http://schemas.microsoft.com/office/drawing/2010/main" w="12700" cap="flat" cmpd="sng" algn="ctr">
+                <a:solidFill>
+                  <a:schemeClr val="accent1">
+                    <a:shade val="50000"/>
+                  </a:schemeClr>
+                </a:solidFill>
+                <a:prstDash val="solid"/>
+                <a:miter lim="800000"/>
+              </a14:hiddenLine>
+            </a:ext>
+          </a:extLst>
+        </p:spPr>
+        <p:style>
+          <a:lnRef idx="2">
+            <a:schemeClr val="accent1">
+              <a:shade val="50000"/>
+            </a:schemeClr>
+          </a:lnRef>
+          <a:fillRef idx="1">
+            <a:schemeClr val="accent1"/>
+          </a:fillRef>
+          <a:effectRef idx="0">
+            <a:schemeClr val="accent1"/>
+          </a:effectRef>
+          <a:fontRef idx="minor">
+            <a:schemeClr val="lt1"/>
+          </a:fontRef>
+        </p:style>
+        <p:txBody>
+          <a:bodyPr rtlCol="0" anchor="ctr"/>
+          <a:lstStyle/>
+          <a:p>
+            <a:pPr algn="ctr"/>
+            <a:endParaRPr lang="en-US"/>
+          </a:p>
+        </p:txBody>
+      </p:sp>
+      <p:sp>
+        <p:nvSpPr>
+          <p:cNvPr id="1033" name="Rectangle 1032">
+            <a:extLst>
+              <a:ext uri="{FF2B5EF4-FFF2-40B4-BE49-F238E27FC236}">
+                <a16:creationId xmlns:a16="http://schemas.microsoft.com/office/drawing/2014/main" id="{1199E1B1-A8C0-4FE8-A5A8-1CB41D69F857}"/>
+              </a:ext>
+              <a:ext uri="{C183D7F6-B498-43B3-948B-1728B52AA6E4}">
+                <adec:decorative xmlns:adec="http://schemas.microsoft.com/office/drawing/2017/decorative" val="1"/>
+              </a:ext>
+            </a:extLst>
+          </p:cNvPr>
+          <p:cNvSpPr>
+            <a:spLocks noGrp="1" noRot="1" noChangeAspect="1" noMove="1" noResize="1" noEditPoints="1" noAdjustHandles="1" noChangeArrowheads="1" noChangeShapeType="1" noTextEdit="1"/>
+          </p:cNvSpPr>
+          <p:nvPr>
+            <p:extLst>
+              <p:ext uri="{386F3935-93C4-4BCD-93E2-E3B085C9AB24}">
+                <p16:designElem xmlns:p16="http://schemas.microsoft.com/office/powerpoint/2015/main" val="1"/>
+              </p:ext>
+            </p:extLst>
+          </p:nvPr>
+        </p:nvSpPr>
+        <p:spPr>
+          <a:xfrm rot="10800000" flipH="1">
+            <a:off x="2" y="0"/>
+            <a:ext cx="12191998" cy="1575955"/>
+          </a:xfrm>
+          <a:prstGeom prst="rect">
+            <a:avLst/>
+          </a:prstGeom>
+          <a:gradFill>
+            <a:gsLst>
+              <a:gs pos="0">
+                <a:srgbClr val="000000">
+                  <a:alpha val="96000"/>
+                </a:srgbClr>
+              </a:gs>
+              <a:gs pos="100000">
+                <a:schemeClr val="accent1">
+                  <a:lumMod val="75000"/>
+                </a:schemeClr>
+              </a:gs>
+            </a:gsLst>
+            <a:lin ang="6000000" scaled="0"/>
+          </a:gradFill>
+          <a:ln>
+            <a:noFill/>
+          </a:ln>
+        </p:spPr>
+        <p:style>
+          <a:lnRef idx="2">
+            <a:schemeClr val="accent1">
+              <a:shade val="50000"/>
+            </a:schemeClr>
+          </a:lnRef>
+          <a:fillRef idx="1">
+            <a:schemeClr val="accent1"/>
+          </a:fillRef>
+          <a:effectRef idx="0">
+            <a:schemeClr val="accent1"/>
+          </a:effectRef>
+          <a:fontRef idx="minor">
+            <a:schemeClr val="lt1"/>
+          </a:fontRef>
+        </p:style>
+        <p:txBody>
+          <a:bodyPr rtlCol="0" anchor="ctr"/>
+          <a:lstStyle/>
+          <a:p>
+            <a:pPr algn="ctr"/>
+            <a:endParaRPr lang="en-US"/>
+          </a:p>
+        </p:txBody>
+      </p:sp>
+      <p:sp>
+        <p:nvSpPr>
+          <p:cNvPr id="1035" name="Rectangle 1034">
+            <a:extLst>
+              <a:ext uri="{FF2B5EF4-FFF2-40B4-BE49-F238E27FC236}">
+                <a16:creationId xmlns:a16="http://schemas.microsoft.com/office/drawing/2014/main" id="{84A8DE83-DE75-4B41-9DB4-A7EC0B0DEC0B}"/>
+              </a:ext>
+              <a:ext uri="{C183D7F6-B498-43B3-948B-1728B52AA6E4}">
+                <adec:decorative xmlns:adec="http://schemas.microsoft.com/office/drawing/2017/decorative" val="1"/>
+              </a:ext>
+            </a:extLst>
+          </p:cNvPr>
+          <p:cNvSpPr>
+            <a:spLocks noGrp="1" noRot="1" noChangeAspect="1" noMove="1" noResize="1" noEditPoints="1" noAdjustHandles="1" noChangeArrowheads="1" noChangeShapeType="1" noTextEdit="1"/>
+          </p:cNvSpPr>
+          <p:nvPr>
+            <p:extLst>
+              <p:ext uri="{386F3935-93C4-4BCD-93E2-E3B085C9AB24}">
+                <p16:designElem xmlns:p16="http://schemas.microsoft.com/office/powerpoint/2015/main" val="1"/>
+              </p:ext>
+            </p:extLst>
+          </p:nvPr>
+        </p:nvSpPr>
+        <p:spPr>
+          <a:xfrm>
+            <a:off x="0" y="0"/>
+            <a:ext cx="8128856" cy="1575461"/>
+          </a:xfrm>
+          <a:prstGeom prst="rect">
+            <a:avLst/>
+          </a:prstGeom>
+          <a:gradFill>
+            <a:gsLst>
+              <a:gs pos="0">
+                <a:schemeClr val="accent1">
+                  <a:alpha val="41000"/>
+                </a:schemeClr>
+              </a:gs>
+              <a:gs pos="74000">
+                <a:schemeClr val="accent1">
+                  <a:lumMod val="60000"/>
+                  <a:lumOff val="40000"/>
+                  <a:alpha val="0"/>
+                </a:schemeClr>
+              </a:gs>
+            </a:gsLst>
+            <a:lin ang="8400000" scaled="0"/>
+          </a:gradFill>
+          <a:ln>
+            <a:noFill/>
+          </a:ln>
+        </p:spPr>
+        <p:style>
+          <a:lnRef idx="2">
+            <a:schemeClr val="accent1">
+              <a:shade val="50000"/>
+            </a:schemeClr>
+          </a:lnRef>
+          <a:fillRef idx="1">
+            <a:schemeClr val="accent1"/>
+          </a:fillRef>
+          <a:effectRef idx="0">
+            <a:schemeClr val="accent1"/>
+          </a:effectRef>
+          <a:fontRef idx="minor">
+            <a:schemeClr val="lt1"/>
+          </a:fontRef>
+        </p:style>
+        <p:txBody>
+          <a:bodyPr rtlCol="0" anchor="ctr"/>
+          <a:lstStyle/>
+          <a:p>
+            <a:pPr algn="ctr"/>
+            <a:endParaRPr lang="en-US"/>
+          </a:p>
+        </p:txBody>
+      </p:sp>
+      <p:sp>
+        <p:nvSpPr>
+          <p:cNvPr id="1037" name="Rectangle 1036">
+            <a:extLst>
+              <a:ext uri="{FF2B5EF4-FFF2-40B4-BE49-F238E27FC236}">
+                <a16:creationId xmlns:a16="http://schemas.microsoft.com/office/drawing/2014/main" id="{A7009A0A-BEF5-4EAC-AF15-E4F9F002E239}"/>
+              </a:ext>
+              <a:ext uri="{C183D7F6-B498-43B3-948B-1728B52AA6E4}">
+                <adec:decorative xmlns:adec="http://schemas.microsoft.com/office/drawing/2017/decorative" val="1"/>
+              </a:ext>
+            </a:extLst>
+          </p:cNvPr>
+          <p:cNvSpPr>
+            <a:spLocks noGrp="1" noRot="1" noChangeAspect="1" noMove="1" noResize="1" noEditPoints="1" noAdjustHandles="1" noChangeArrowheads="1" noChangeShapeType="1" noTextEdit="1"/>
+          </p:cNvSpPr>
+          <p:nvPr>
+            <p:extLst>
+              <p:ext uri="{386F3935-93C4-4BCD-93E2-E3B085C9AB24}">
+                <p16:designElem xmlns:p16="http://schemas.microsoft.com/office/powerpoint/2015/main" val="1"/>
+              </p:ext>
+            </p:extLst>
+          </p:nvPr>
+        </p:nvSpPr>
+        <p:spPr>
+          <a:xfrm flipH="1">
+            <a:off x="-3" y="-1"/>
+            <a:ext cx="12192002" cy="1574311"/>
+          </a:xfrm>
+          <a:prstGeom prst="rect">
+            <a:avLst/>
+          </a:prstGeom>
+          <a:gradFill>
+            <a:gsLst>
+              <a:gs pos="0">
+                <a:srgbClr val="000000">
+                  <a:alpha val="63000"/>
+                </a:srgbClr>
+              </a:gs>
+              <a:gs pos="78000">
+                <a:schemeClr val="accent1">
+                  <a:alpha val="15000"/>
+                </a:schemeClr>
+              </a:gs>
+            </a:gsLst>
+            <a:lin ang="15600000" scaled="0"/>
+          </a:gradFill>
+          <a:ln>
+            <a:noFill/>
+          </a:ln>
+        </p:spPr>
+        <p:style>
+          <a:lnRef idx="2">
+            <a:schemeClr val="accent1">
+              <a:shade val="50000"/>
+            </a:schemeClr>
+          </a:lnRef>
+          <a:fillRef idx="1">
+            <a:schemeClr val="accent1"/>
+          </a:fillRef>
+          <a:effectRef idx="0">
+            <a:schemeClr val="accent1"/>
+          </a:effectRef>
+          <a:fontRef idx="minor">
+            <a:schemeClr val="lt1"/>
+          </a:fontRef>
+        </p:style>
+        <p:txBody>
+          <a:bodyPr rtlCol="0" anchor="ctr"/>
+          <a:lstStyle/>
+          <a:p>
+            <a:pPr algn="ctr"/>
+            <a:endParaRPr lang="en-US"/>
+          </a:p>
+        </p:txBody>
+      </p:sp>
+      <p:sp>
+        <p:nvSpPr>
+          <p:cNvPr id="2" name="Title 1">
+            <a:extLst>
+              <a:ext uri="{FF2B5EF4-FFF2-40B4-BE49-F238E27FC236}">
+                <a16:creationId xmlns:a16="http://schemas.microsoft.com/office/drawing/2014/main" id="{2A0E728A-A1A8-3B47-EB4B-EB02B9AC9FE1}"/>
+              </a:ext>
+            </a:extLst>
+          </p:cNvPr>
+          <p:cNvSpPr>
+            <a:spLocks noGrp="1"/>
+          </p:cNvSpPr>
+          <p:nvPr>
+            <p:ph type="title"/>
+          </p:nvPr>
+        </p:nvSpPr>
+        <p:spPr>
+          <a:xfrm>
+            <a:off x="699713" y="248038"/>
+            <a:ext cx="7063721" cy="1159200"/>
+          </a:xfrm>
+        </p:spPr>
+        <p:txBody>
+          <a:bodyPr vert="horz" lIns="91440" tIns="45720" rIns="91440" bIns="45720" rtlCol="0" anchor="ctr">
+            <a:normAutofit/>
+          </a:bodyPr>
+          <a:lstStyle/>
+          <a:p>
+            <a:r>
+              <a:rPr lang="en-US" sz="4000" b="0" i="0" kern="1200" dirty="0">
+                <a:solidFill>
+                  <a:srgbClr val="FFFFFF"/>
+                </a:solidFill>
+                <a:effectLst/>
+                <a:latin typeface="+mj-lt"/>
+                <a:ea typeface="+mj-ea"/>
+                <a:cs typeface="+mj-cs"/>
+              </a:rPr>
+              <a:t>AWS Security Hub</a:t>
+            </a:r>
+            <a:endParaRPr lang="en-US" sz="4000" kern="1200" dirty="0">
+              <a:solidFill>
+                <a:srgbClr val="FFFFFF"/>
+              </a:solidFill>
+              <a:latin typeface="+mj-lt"/>
+              <a:ea typeface="+mj-ea"/>
+              <a:cs typeface="+mj-cs"/>
+            </a:endParaRPr>
+          </a:p>
+        </p:txBody>
+      </p:sp>
+      <p:pic>
+        <p:nvPicPr>
+          <p:cNvPr id="1026" name="Picture 2">
+            <a:extLst>
+              <a:ext uri="{FF2B5EF4-FFF2-40B4-BE49-F238E27FC236}">
+                <a16:creationId xmlns:a16="http://schemas.microsoft.com/office/drawing/2014/main" id="{912D4FB8-208E-9B36-CDF0-9B7DFC3073CE}"/>
+              </a:ext>
+            </a:extLst>
+          </p:cNvPr>
+          <p:cNvPicPr>
+            <a:picLocks noGrp="1" noChangeAspect="1" noChangeArrowheads="1"/>
+          </p:cNvPicPr>
+          <p:nvPr>
+            <p:ph idx="1"/>
+          </p:nvPr>
+        </p:nvPicPr>
+        <p:blipFill>
+          <a:blip r:embed="rId2">
+            <a:extLst>
+              <a:ext uri="{28A0092B-C50C-407E-A947-70E740481C1C}">
+                <a14:useLocalDpi xmlns:a14="http://schemas.microsoft.com/office/drawing/2010/main" val="0"/>
+              </a:ext>
+            </a:extLst>
+          </a:blip>
+          <a:stretch>
+            <a:fillRect/>
+          </a:stretch>
+        </p:blipFill>
+        <p:spPr bwMode="auto">
+          <a:xfrm>
+            <a:off x="1149155" y="1966293"/>
+            <a:ext cx="9893688" cy="4452160"/>
+          </a:xfrm>
+          <a:prstGeom prst="rect">
+            <a:avLst/>
+          </a:prstGeom>
+          <a:noFill/>
+          <a:extLst>
+            <a:ext uri="{909E8E84-426E-40DD-AFC4-6F175D3DCCD1}">
+              <a14:hiddenFill xmlns:a14="http://schemas.microsoft.com/office/drawing/2010/main">
+                <a:solidFill>
+                  <a:srgbClr val="FFFFFF"/>
+                </a:solidFill>
+              </a14:hiddenFill>
+            </a:ext>
+          </a:extLst>
+        </p:spPr>
+      </p:pic>
+    </p:spTree>
+    <p:extLst>
+      <p:ext uri="{BB962C8B-B14F-4D97-AF65-F5344CB8AC3E}">
+        <p14:creationId xmlns:p14="http://schemas.microsoft.com/office/powerpoint/2010/main" val="1026631560"/>
+      </p:ext>
+    </p:extLst>
+  </p:cSld>
+  <p:clrMapOvr>
+    <a:masterClrMapping/>
+  </p:clrMapOvr>
+</p:sld>
+</file>
+
+<file path=ppt/slides/slide6.xml><?xml version="1.0" encoding="utf-8"?>
+<p:sld xmlns:a="http://schemas.openxmlformats.org/drawingml/2006/main" xmlns:r="http://schemas.openxmlformats.org/officeDocument/2006/relationships" xmlns:p="http://schemas.openxmlformats.org/presentationml/2006/main">
+  <p:cSld>
+    <p:bg>
+      <p:bgPr>
+        <a:solidFill>
+          <a:schemeClr val="bg1"/>
+        </a:solidFill>
+        <a:effectLst/>
+      </p:bgPr>
+    </p:bg>
+    <p:spTree>
+      <p:nvGrpSpPr>
+        <p:cNvPr id="1" name=""/>
+        <p:cNvGrpSpPr/>
+        <p:nvPr/>
+      </p:nvGrpSpPr>
+      <p:grpSpPr>
+        <a:xfrm>
+          <a:off x="0" y="0"/>
+          <a:ext cx="0" cy="0"/>
+          <a:chOff x="0" y="0"/>
+          <a:chExt cx="0" cy="0"/>
+        </a:xfrm>
+      </p:grpSpPr>
+      <p:sp useBgFill="1">
+        <p:nvSpPr>
+          <p:cNvPr id="8" name="Rectangle 7">
+            <a:extLst>
+              <a:ext uri="{FF2B5EF4-FFF2-40B4-BE49-F238E27FC236}">
+                <a16:creationId xmlns:a16="http://schemas.microsoft.com/office/drawing/2014/main" id="{09588DA8-065E-4F6F-8EFD-43104AB2E0CF}"/>
+              </a:ext>
+              <a:ext uri="{C183D7F6-B498-43B3-948B-1728B52AA6E4}">
+                <adec:decorative xmlns:adec="http://schemas.microsoft.com/office/drawing/2017/decorative" val="1"/>
+              </a:ext>
+            </a:extLst>
+          </p:cNvPr>
+          <p:cNvSpPr>
+            <a:spLocks noGrp="1" noRot="1" noChangeAspect="1" noMove="1" noResize="1" noEditPoints="1" noAdjustHandles="1" noChangeArrowheads="1" noChangeShapeType="1" noTextEdit="1"/>
+          </p:cNvSpPr>
+          <p:nvPr>
+            <p:extLst>
+              <p:ext uri="{386F3935-93C4-4BCD-93E2-E3B085C9AB24}">
+                <p16:designElem xmlns:p16="http://schemas.microsoft.com/office/powerpoint/2015/main" val="1"/>
+              </p:ext>
+            </p:extLst>
+          </p:nvPr>
+        </p:nvSpPr>
+        <p:spPr>
+          <a:xfrm>
+            <a:off x="0" y="0"/>
+            <a:ext cx="12192000" cy="6858000"/>
+          </a:xfrm>
+          <a:prstGeom prst="rect">
+            <a:avLst/>
+          </a:prstGeom>
+          <a:ln w="12700" cap="flat" cmpd="sng" algn="ctr">
+            <a:noFill/>
+            <a:prstDash val="solid"/>
+            <a:miter lim="800000"/>
+          </a:ln>
+          <a:effectLst/>
+          <a:extLst>
+            <a:ext uri="{91240B29-F687-4F45-9708-019B960494DF}">
+              <a14:hiddenLine xmlns:a14="http://schemas.microsoft.com/office/drawing/2010/main" w="12700" cap="flat" cmpd="sng" algn="ctr">
+                <a:solidFill>
+                  <a:schemeClr val="accent1">
+                    <a:shade val="50000"/>
+                  </a:schemeClr>
+                </a:solidFill>
+                <a:prstDash val="solid"/>
+                <a:miter lim="800000"/>
+              </a14:hiddenLine>
+            </a:ext>
+          </a:extLst>
+        </p:spPr>
+        <p:style>
+          <a:lnRef idx="2">
+            <a:schemeClr val="accent1">
+              <a:shade val="50000"/>
+            </a:schemeClr>
+          </a:lnRef>
+          <a:fillRef idx="1">
+            <a:schemeClr val="accent1"/>
+          </a:fillRef>
+          <a:effectRef idx="0">
+            <a:schemeClr val="accent1"/>
+          </a:effectRef>
+          <a:fontRef idx="minor">
+            <a:schemeClr val="lt1"/>
+          </a:fontRef>
+        </p:style>
+        <p:txBody>
+          <a:bodyPr rtlCol="0" anchor="ctr"/>
+          <a:lstStyle/>
+          <a:p>
+            <a:pPr algn="ctr"/>
+            <a:endParaRPr lang="en-US"/>
+          </a:p>
+        </p:txBody>
+      </p:sp>
+      <p:sp useBgFill="1">
+        <p:nvSpPr>
+          <p:cNvPr id="10" name="Rectangle 9">
+            <a:extLst>
+              <a:ext uri="{FF2B5EF4-FFF2-40B4-BE49-F238E27FC236}">
+                <a16:creationId xmlns:a16="http://schemas.microsoft.com/office/drawing/2014/main" id="{C4285719-470E-454C-AF62-8323075F1F5B}"/>
+              </a:ext>
+              <a:ext uri="{C183D7F6-B498-43B3-948B-1728B52AA6E4}">
+                <adec:decorative xmlns:adec="http://schemas.microsoft.com/office/drawing/2017/decorative" val="1"/>
+              </a:ext>
+            </a:extLst>
+          </p:cNvPr>
+          <p:cNvSpPr>
+            <a:spLocks noGrp="1" noRot="1" noChangeAspect="1" noMove="1" noResize="1" noEditPoints="1" noAdjustHandles="1" noChangeArrowheads="1" noChangeShapeType="1" noTextEdit="1"/>
+          </p:cNvSpPr>
+          <p:nvPr>
+            <p:extLst>
+              <p:ext uri="{386F3935-93C4-4BCD-93E2-E3B085C9AB24}">
+                <p16:designElem xmlns:p16="http://schemas.microsoft.com/office/powerpoint/2015/main" val="1"/>
+              </p:ext>
+            </p:extLst>
+          </p:nvPr>
+        </p:nvSpPr>
+        <p:spPr>
+          <a:xfrm>
+            <a:off x="0" y="0"/>
+            <a:ext cx="12188952" cy="6858000"/>
+          </a:xfrm>
+          <a:prstGeom prst="rect">
+            <a:avLst/>
+          </a:prstGeom>
+          <a:ln w="12700" cap="flat" cmpd="sng" algn="ctr">
+            <a:noFill/>
+            <a:prstDash val="solid"/>
+            <a:miter lim="800000"/>
+          </a:ln>
+          <a:effectLst/>
+          <a:extLst>
+            <a:ext uri="{91240B29-F687-4F45-9708-019B960494DF}">
+              <a14:hiddenLine xmlns:a14="http://schemas.microsoft.com/office/drawing/2010/main" w="12700" cap="flat" cmpd="sng" algn="ctr">
+                <a:solidFill>
+                  <a:schemeClr val="accent1">
+                    <a:shade val="50000"/>
+                  </a:schemeClr>
+                </a:solidFill>
+                <a:prstDash val="solid"/>
+                <a:miter lim="800000"/>
+              </a14:hiddenLine>
+            </a:ext>
+          </a:extLst>
+        </p:spPr>
+        <p:style>
+          <a:lnRef idx="2">
+            <a:schemeClr val="accent1">
+              <a:shade val="50000"/>
+            </a:schemeClr>
+          </a:lnRef>
+          <a:fillRef idx="1">
+            <a:schemeClr val="accent1"/>
+          </a:fillRef>
+          <a:effectRef idx="0">
+            <a:schemeClr val="accent1"/>
+          </a:effectRef>
+          <a:fontRef idx="minor">
+            <a:schemeClr val="lt1"/>
+          </a:fontRef>
+        </p:style>
+        <p:txBody>
+          <a:bodyPr rtlCol="0" anchor="ctr"/>
+          <a:lstStyle/>
+          <a:p>
+            <a:pPr algn="ctr"/>
+            <a:endParaRPr lang="en-US"/>
+          </a:p>
+        </p:txBody>
+      </p:sp>
+      <p:sp>
+        <p:nvSpPr>
+          <p:cNvPr id="12" name="Rectangle 11">
+            <a:extLst>
+              <a:ext uri="{FF2B5EF4-FFF2-40B4-BE49-F238E27FC236}">
+                <a16:creationId xmlns:a16="http://schemas.microsoft.com/office/drawing/2014/main" id="{CD9FE4EF-C4D8-49A0-B2FF-81D8DB7D8A24}"/>
+              </a:ext>
+              <a:ext uri="{C183D7F6-B498-43B3-948B-1728B52AA6E4}">
+                <adec:decorative xmlns:adec="http://schemas.microsoft.com/office/drawing/2017/decorative" val="1"/>
+              </a:ext>
+            </a:extLst>
+          </p:cNvPr>
+          <p:cNvSpPr>
+            <a:spLocks noGrp="1" noRot="1" noChangeAspect="1" noMove="1" noResize="1" noEditPoints="1" noAdjustHandles="1" noChangeArrowheads="1" noChangeShapeType="1" noTextEdit="1"/>
+          </p:cNvSpPr>
+          <p:nvPr>
+            <p:extLst>
+              <p:ext uri="{386F3935-93C4-4BCD-93E2-E3B085C9AB24}">
+                <p16:designElem xmlns:p16="http://schemas.microsoft.com/office/powerpoint/2015/main" val="1"/>
+              </p:ext>
+            </p:extLst>
+          </p:nvPr>
+        </p:nvSpPr>
+        <p:spPr>
+          <a:xfrm rot="5400000" flipH="1">
+            <a:off x="-1410084" y="1410082"/>
+            <a:ext cx="6858000" cy="4037836"/>
+          </a:xfrm>
+          <a:prstGeom prst="rect">
+            <a:avLst/>
+          </a:prstGeom>
+          <a:gradFill>
+            <a:gsLst>
+              <a:gs pos="8000">
+                <a:srgbClr val="000000"/>
+              </a:gs>
+              <a:gs pos="100000">
+                <a:schemeClr val="accent1">
+                  <a:lumMod val="75000"/>
+                </a:schemeClr>
+              </a:gs>
+            </a:gsLst>
+            <a:lin ang="3000000" scaled="0"/>
+          </a:gradFill>
+          <a:ln>
+            <a:noFill/>
+          </a:ln>
+        </p:spPr>
+        <p:style>
+          <a:lnRef idx="2">
+            <a:schemeClr val="accent1">
+              <a:shade val="50000"/>
+            </a:schemeClr>
+          </a:lnRef>
+          <a:fillRef idx="1">
+            <a:schemeClr val="accent1"/>
+          </a:fillRef>
+          <a:effectRef idx="0">
+            <a:schemeClr val="accent1"/>
+          </a:effectRef>
+          <a:fontRef idx="minor">
+            <a:schemeClr val="lt1"/>
+          </a:fontRef>
+        </p:style>
+        <p:txBody>
+          <a:bodyPr rtlCol="0" anchor="ctr"/>
+          <a:lstStyle/>
+          <a:p>
+            <a:pPr algn="ctr"/>
+            <a:endParaRPr lang="en-US"/>
+          </a:p>
+        </p:txBody>
+      </p:sp>
+      <p:sp>
+        <p:nvSpPr>
+          <p:cNvPr id="14" name="Rectangle 13">
+            <a:extLst>
+              <a:ext uri="{FF2B5EF4-FFF2-40B4-BE49-F238E27FC236}">
+                <a16:creationId xmlns:a16="http://schemas.microsoft.com/office/drawing/2014/main" id="{4300840D-0A0B-4512-BACA-B439D5B9C57C}"/>
+              </a:ext>
+              <a:ext uri="{C183D7F6-B498-43B3-948B-1728B52AA6E4}">
+                <adec:decorative xmlns:adec="http://schemas.microsoft.com/office/drawing/2017/decorative" val="1"/>
+              </a:ext>
+            </a:extLst>
+          </p:cNvPr>
+          <p:cNvSpPr>
+            <a:spLocks noGrp="1" noRot="1" noChangeAspect="1" noMove="1" noResize="1" noEditPoints="1" noAdjustHandles="1" noChangeArrowheads="1" noChangeShapeType="1" noTextEdit="1"/>
+          </p:cNvSpPr>
+          <p:nvPr>
+            <p:extLst>
+              <p:ext uri="{386F3935-93C4-4BCD-93E2-E3B085C9AB24}">
+                <p16:designElem xmlns:p16="http://schemas.microsoft.com/office/powerpoint/2015/main" val="1"/>
+              </p:ext>
+            </p:extLst>
+          </p:nvPr>
+        </p:nvSpPr>
+        <p:spPr>
+          <a:xfrm rot="5400000" flipH="1">
+            <a:off x="-1410085" y="1420219"/>
+            <a:ext cx="6857999" cy="4037839"/>
+          </a:xfrm>
+          <a:prstGeom prst="rect">
+            <a:avLst/>
+          </a:prstGeom>
+          <a:gradFill>
+            <a:gsLst>
+              <a:gs pos="0">
+                <a:srgbClr val="000000">
+                  <a:alpha val="0"/>
+                </a:srgbClr>
+              </a:gs>
+              <a:gs pos="99000">
+                <a:schemeClr val="accent1">
+                  <a:alpha val="46000"/>
+                </a:schemeClr>
+              </a:gs>
+            </a:gsLst>
+            <a:lin ang="1800000" scaled="0"/>
+          </a:gradFill>
+          <a:ln>
+            <a:noFill/>
+          </a:ln>
+        </p:spPr>
+        <p:style>
+          <a:lnRef idx="2">
+            <a:schemeClr val="accent1">
+              <a:shade val="50000"/>
+            </a:schemeClr>
+          </a:lnRef>
+          <a:fillRef idx="1">
+            <a:schemeClr val="accent1"/>
+          </a:fillRef>
+          <a:effectRef idx="0">
+            <a:schemeClr val="accent1"/>
+          </a:effectRef>
+          <a:fontRef idx="minor">
+            <a:schemeClr val="lt1"/>
+          </a:fontRef>
+        </p:style>
+        <p:txBody>
+          <a:bodyPr rtlCol="0" anchor="ctr"/>
+          <a:lstStyle/>
+          <a:p>
+            <a:pPr algn="ctr"/>
+            <a:endParaRPr lang="en-US"/>
+          </a:p>
+        </p:txBody>
+      </p:sp>
+      <p:sp>
+        <p:nvSpPr>
+          <p:cNvPr id="16" name="Rectangle 15">
+            <a:extLst>
+              <a:ext uri="{FF2B5EF4-FFF2-40B4-BE49-F238E27FC236}">
+                <a16:creationId xmlns:a16="http://schemas.microsoft.com/office/drawing/2014/main" id="{D2B78728-A580-49A7-84F9-6EF6F583ADE0}"/>
+              </a:ext>
+              <a:ext uri="{C183D7F6-B498-43B3-948B-1728B52AA6E4}">
+                <adec:decorative xmlns:adec="http://schemas.microsoft.com/office/drawing/2017/decorative" val="1"/>
+              </a:ext>
+            </a:extLst>
+          </p:cNvPr>
+          <p:cNvSpPr>
+            <a:spLocks noGrp="1" noRot="1" noChangeAspect="1" noMove="1" noResize="1" noEditPoints="1" noAdjustHandles="1" noChangeArrowheads="1" noChangeShapeType="1" noTextEdit="1"/>
+          </p:cNvSpPr>
+          <p:nvPr>
+            <p:extLst>
+              <p:ext uri="{386F3935-93C4-4BCD-93E2-E3B085C9AB24}">
+                <p16:designElem xmlns:p16="http://schemas.microsoft.com/office/powerpoint/2015/main" val="1"/>
+              </p:ext>
+            </p:extLst>
+          </p:nvPr>
+        </p:nvSpPr>
+        <p:spPr>
+          <a:xfrm rot="5400000" flipH="1">
+            <a:off x="767923" y="3588085"/>
+            <a:ext cx="2501979" cy="4037841"/>
+          </a:xfrm>
+          <a:prstGeom prst="rect">
+            <a:avLst/>
+          </a:prstGeom>
+          <a:gradFill>
+            <a:gsLst>
+              <a:gs pos="2000">
+                <a:schemeClr val="accent1">
+                  <a:alpha val="29000"/>
+                </a:schemeClr>
+              </a:gs>
+              <a:gs pos="100000">
+                <a:srgbClr val="000000">
+                  <a:alpha val="30000"/>
+                </a:srgbClr>
+              </a:gs>
+            </a:gsLst>
+            <a:lin ang="7800000" scaled="0"/>
+          </a:gradFill>
+          <a:ln>
+            <a:noFill/>
+          </a:ln>
+        </p:spPr>
+        <p:style>
+          <a:lnRef idx="2">
+            <a:schemeClr val="accent1">
+              <a:shade val="50000"/>
+            </a:schemeClr>
+          </a:lnRef>
+          <a:fillRef idx="1">
+            <a:schemeClr val="accent1"/>
+          </a:fillRef>
+          <a:effectRef idx="0">
+            <a:schemeClr val="accent1"/>
+          </a:effectRef>
+          <a:fontRef idx="minor">
+            <a:schemeClr val="lt1"/>
+          </a:fontRef>
+        </p:style>
+        <p:txBody>
+          <a:bodyPr rtlCol="0" anchor="ctr"/>
+          <a:lstStyle/>
+          <a:p>
+            <a:pPr algn="ctr"/>
+            <a:endParaRPr lang="en-US" dirty="0"/>
+          </a:p>
+        </p:txBody>
+      </p:sp>
+      <p:sp>
+        <p:nvSpPr>
+          <p:cNvPr id="18" name="Freeform: Shape 17">
+            <a:extLst>
+              <a:ext uri="{FF2B5EF4-FFF2-40B4-BE49-F238E27FC236}">
+                <a16:creationId xmlns:a16="http://schemas.microsoft.com/office/drawing/2014/main" id="{38FAA1A1-D861-433F-88FA-1E9D6FD31D11}"/>
+              </a:ext>
+              <a:ext uri="{C183D7F6-B498-43B3-948B-1728B52AA6E4}">
+                <adec:decorative xmlns:adec="http://schemas.microsoft.com/office/drawing/2017/decorative" val="1"/>
+              </a:ext>
+            </a:extLst>
+          </p:cNvPr>
+          <p:cNvSpPr>
+            <a:spLocks noGrp="1" noRot="1" noChangeAspect="1" noMove="1" noResize="1" noEditPoints="1" noAdjustHandles="1" noChangeArrowheads="1" noChangeShapeType="1" noTextEdit="1"/>
+          </p:cNvSpPr>
+          <p:nvPr>
+            <p:extLst>
+              <p:ext uri="{386F3935-93C4-4BCD-93E2-E3B085C9AB24}">
+                <p16:designElem xmlns:p16="http://schemas.microsoft.com/office/powerpoint/2015/main" val="1"/>
+              </p:ext>
+            </p:extLst>
+          </p:nvPr>
+        </p:nvSpPr>
+        <p:spPr>
+          <a:xfrm rot="20635413">
+            <a:off x="-501737" y="969718"/>
+            <a:ext cx="3900357" cy="4178958"/>
+          </a:xfrm>
+          <a:custGeom>
+            <a:avLst/>
+            <a:gdLst>
+              <a:gd name="connsiteX0" fmla="*/ 2432225 w 3900357"/>
+              <a:gd name="connsiteY0" fmla="*/ 93939 h 4178958"/>
+              <a:gd name="connsiteX1" fmla="*/ 3900357 w 3900357"/>
+              <a:gd name="connsiteY1" fmla="*/ 2089479 h 4178958"/>
+              <a:gd name="connsiteX2" fmla="*/ 1810878 w 3900357"/>
+              <a:gd name="connsiteY2" fmla="*/ 4178958 h 4178958"/>
+              <a:gd name="connsiteX3" fmla="*/ 78249 w 3900357"/>
+              <a:gd name="connsiteY3" fmla="*/ 3257727 h 4178958"/>
+              <a:gd name="connsiteX4" fmla="*/ 0 w 3900357"/>
+              <a:gd name="connsiteY4" fmla="*/ 3128923 h 4178958"/>
+              <a:gd name="connsiteX5" fmla="*/ 831324 w 3900357"/>
+              <a:gd name="connsiteY5" fmla="*/ 244281 h 4178958"/>
+              <a:gd name="connsiteX6" fmla="*/ 997559 w 3900357"/>
+              <a:gd name="connsiteY6" fmla="*/ 164202 h 4178958"/>
+              <a:gd name="connsiteX7" fmla="*/ 1810878 w 3900357"/>
+              <a:gd name="connsiteY7" fmla="*/ 0 h 4178958"/>
+              <a:gd name="connsiteX8" fmla="*/ 2432225 w 3900357"/>
+              <a:gd name="connsiteY8" fmla="*/ 93939 h 4178958"/>
+            </a:gdLst>
+            <a:ahLst/>
+            <a:cxnLst>
+              <a:cxn ang="0">
+                <a:pos x="connsiteX0" y="connsiteY0"/>
+              </a:cxn>
+              <a:cxn ang="0">
+                <a:pos x="connsiteX1" y="connsiteY1"/>
+              </a:cxn>
+              <a:cxn ang="0">
+                <a:pos x="connsiteX2" y="connsiteY2"/>
+              </a:cxn>
+              <a:cxn ang="0">
+                <a:pos x="connsiteX3" y="connsiteY3"/>
+              </a:cxn>
+              <a:cxn ang="0">
+                <a:pos x="connsiteX4" y="connsiteY4"/>
+              </a:cxn>
+              <a:cxn ang="0">
+                <a:pos x="connsiteX5" y="connsiteY5"/>
+              </a:cxn>
+              <a:cxn ang="0">
+                <a:pos x="connsiteX6" y="connsiteY6"/>
+              </a:cxn>
+              <a:cxn ang="0">
+                <a:pos x="connsiteX7" y="connsiteY7"/>
+              </a:cxn>
+              <a:cxn ang="0">
+                <a:pos x="connsiteX8" y="connsiteY8"/>
+              </a:cxn>
+            </a:cxnLst>
+            <a:rect l="l" t="t" r="r" b="b"/>
+            <a:pathLst>
+              <a:path w="3900357" h="4178958">
+                <a:moveTo>
+                  <a:pt x="2432225" y="93939"/>
+                </a:moveTo>
+                <a:cubicBezTo>
+                  <a:pt x="3282786" y="358491"/>
+                  <a:pt x="3900357" y="1151865"/>
+                  <a:pt x="3900357" y="2089479"/>
+                </a:cubicBezTo>
+                <a:cubicBezTo>
+                  <a:pt x="3900357" y="3243466"/>
+                  <a:pt x="2964865" y="4178958"/>
+                  <a:pt x="1810878" y="4178958"/>
+                </a:cubicBezTo>
+                <a:cubicBezTo>
+                  <a:pt x="1089636" y="4178958"/>
+                  <a:pt x="453744" y="3813531"/>
+                  <a:pt x="78249" y="3257727"/>
+                </a:cubicBezTo>
+                <a:lnTo>
+                  <a:pt x="0" y="3128923"/>
+                </a:lnTo>
+                <a:lnTo>
+                  <a:pt x="831324" y="244281"/>
+                </a:lnTo>
+                <a:lnTo>
+                  <a:pt x="997559" y="164202"/>
+                </a:lnTo>
+                <a:cubicBezTo>
+                  <a:pt x="1247540" y="58468"/>
+                  <a:pt x="1522381" y="0"/>
+                  <a:pt x="1810878" y="0"/>
+                </a:cubicBezTo>
+                <a:cubicBezTo>
+                  <a:pt x="2027251" y="0"/>
+                  <a:pt x="2235942" y="32888"/>
+                  <a:pt x="2432225" y="93939"/>
+                </a:cubicBezTo>
+                <a:close/>
+              </a:path>
+            </a:pathLst>
+          </a:custGeom>
+          <a:gradFill>
+            <a:gsLst>
+              <a:gs pos="29000">
+                <a:srgbClr val="000000">
+                  <a:alpha val="0"/>
+                </a:srgbClr>
+              </a:gs>
+              <a:gs pos="100000">
+                <a:schemeClr val="accent1">
+                  <a:alpha val="43000"/>
+                </a:schemeClr>
+              </a:gs>
+            </a:gsLst>
+            <a:lin ang="1800000" scaled="0"/>
+          </a:gradFill>
+          <a:ln>
+            <a:noFill/>
+          </a:ln>
+        </p:spPr>
+        <p:style>
+          <a:lnRef idx="2">
+            <a:schemeClr val="accent1">
+              <a:shade val="50000"/>
+            </a:schemeClr>
+          </a:lnRef>
+          <a:fillRef idx="1">
+            <a:schemeClr val="accent1"/>
+          </a:fillRef>
+          <a:effectRef idx="0">
+            <a:schemeClr val="accent1"/>
+          </a:effectRef>
+          <a:fontRef idx="minor">
+            <a:schemeClr val="lt1"/>
+          </a:fontRef>
+        </p:style>
+        <p:txBody>
+          <a:bodyPr wrap="square" rtlCol="0" anchor="ctr">
+            <a:noAutofit/>
+          </a:bodyPr>
+          <a:lstStyle/>
+          <a:p>
+            <a:pPr algn="ctr"/>
+            <a:endParaRPr lang="en-US" dirty="0"/>
+          </a:p>
+        </p:txBody>
+      </p:sp>
+      <p:sp>
+        <p:nvSpPr>
+          <p:cNvPr id="20" name="Rectangle 19">
+            <a:extLst>
+              <a:ext uri="{FF2B5EF4-FFF2-40B4-BE49-F238E27FC236}">
+                <a16:creationId xmlns:a16="http://schemas.microsoft.com/office/drawing/2014/main" id="{8D71EDA1-87BF-4D5D-AB79-F346FD19278A}"/>
+              </a:ext>
+              <a:ext uri="{C183D7F6-B498-43B3-948B-1728B52AA6E4}">
+                <adec:decorative xmlns:adec="http://schemas.microsoft.com/office/drawing/2017/decorative" val="1"/>
+              </a:ext>
+            </a:extLst>
+          </p:cNvPr>
+          <p:cNvSpPr>
+            <a:spLocks noGrp="1" noRot="1" noChangeAspect="1" noMove="1" noResize="1" noEditPoints="1" noAdjustHandles="1" noChangeArrowheads="1" noChangeShapeType="1" noTextEdit="1"/>
+          </p:cNvSpPr>
+          <p:nvPr>
+            <p:extLst>
+              <p:ext uri="{386F3935-93C4-4BCD-93E2-E3B085C9AB24}">
+                <p16:designElem xmlns:p16="http://schemas.microsoft.com/office/powerpoint/2015/main" val="1"/>
+              </p:ext>
+            </p:extLst>
+          </p:nvPr>
+        </p:nvSpPr>
+        <p:spPr>
+          <a:xfrm rot="5400000" flipH="1">
+            <a:off x="-1410093" y="1399943"/>
+            <a:ext cx="6858003" cy="4037835"/>
+          </a:xfrm>
+          <a:prstGeom prst="rect">
+            <a:avLst/>
+          </a:prstGeom>
+          <a:gradFill>
+            <a:gsLst>
+              <a:gs pos="0">
+                <a:srgbClr val="000000">
+                  <a:alpha val="0"/>
+                </a:srgbClr>
+              </a:gs>
+              <a:gs pos="99000">
+                <a:schemeClr val="accent1">
+                  <a:lumMod val="60000"/>
+                  <a:lumOff val="40000"/>
+                  <a:alpha val="11000"/>
+                </a:schemeClr>
+              </a:gs>
+            </a:gsLst>
+            <a:lin ang="7200000" scaled="0"/>
+          </a:gradFill>
+          <a:ln>
+            <a:noFill/>
+          </a:ln>
+        </p:spPr>
+        <p:style>
+          <a:lnRef idx="2">
+            <a:schemeClr val="accent1">
+              <a:shade val="50000"/>
+            </a:schemeClr>
+          </a:lnRef>
+          <a:fillRef idx="1">
+            <a:schemeClr val="accent1"/>
+          </a:fillRef>
+          <a:effectRef idx="0">
+            <a:schemeClr val="accent1"/>
+          </a:effectRef>
+          <a:fontRef idx="minor">
+            <a:schemeClr val="lt1"/>
+          </a:fontRef>
+        </p:style>
+        <p:txBody>
+          <a:bodyPr rtlCol="0" anchor="ctr"/>
+          <a:lstStyle/>
+          <a:p>
+            <a:pPr algn="ctr"/>
+            <a:endParaRPr lang="en-US"/>
+          </a:p>
+        </p:txBody>
+      </p:sp>
+      <p:sp>
+        <p:nvSpPr>
+          <p:cNvPr id="2" name="Title 1">
+            <a:extLst>
+              <a:ext uri="{FF2B5EF4-FFF2-40B4-BE49-F238E27FC236}">
+                <a16:creationId xmlns:a16="http://schemas.microsoft.com/office/drawing/2014/main" id="{7CB49392-311E-82BE-65C5-79CCE9F72673}"/>
+              </a:ext>
+            </a:extLst>
+          </p:cNvPr>
+          <p:cNvSpPr>
+            <a:spLocks noGrp="1"/>
+          </p:cNvSpPr>
+          <p:nvPr>
+            <p:ph type="title"/>
+          </p:nvPr>
+        </p:nvSpPr>
+        <p:spPr>
+          <a:xfrm>
+            <a:off x="466722" y="586855"/>
+            <a:ext cx="3201366" cy="3387497"/>
+          </a:xfrm>
+        </p:spPr>
+        <p:txBody>
+          <a:bodyPr anchor="b">
+            <a:normAutofit/>
+          </a:bodyPr>
+          <a:lstStyle/>
+          <a:p>
+            <a:pPr algn="r"/>
+            <a:r>
+              <a:rPr lang="en-CH" sz="4000">
+                <a:solidFill>
+                  <a:srgbClr val="FFFFFF"/>
+                </a:solidFill>
+              </a:rPr>
+              <a:t>Security Hub Intergration with GuardDuty</a:t>
+            </a:r>
+          </a:p>
+        </p:txBody>
+      </p:sp>
+      <p:sp>
+        <p:nvSpPr>
+          <p:cNvPr id="3" name="Content Placeholder 2">
+            <a:extLst>
+              <a:ext uri="{FF2B5EF4-FFF2-40B4-BE49-F238E27FC236}">
+                <a16:creationId xmlns:a16="http://schemas.microsoft.com/office/drawing/2014/main" id="{F805BE44-E8B1-2236-FB3D-9A00CE675228}"/>
+              </a:ext>
+            </a:extLst>
+          </p:cNvPr>
+          <p:cNvSpPr>
+            <a:spLocks noGrp="1"/>
+          </p:cNvSpPr>
+          <p:nvPr>
+            <p:ph idx="1"/>
+          </p:nvPr>
+        </p:nvSpPr>
+        <p:spPr>
+          <a:xfrm>
+            <a:off x="4810259" y="649480"/>
+            <a:ext cx="6555347" cy="5546047"/>
+          </a:xfrm>
+        </p:spPr>
+        <p:txBody>
+          <a:bodyPr anchor="ctr">
+            <a:normAutofit/>
+          </a:bodyPr>
+          <a:lstStyle/>
+          <a:p>
+            <a:r>
+              <a:rPr lang="en-GB" sz="2000"/>
+              <a:t>Automatically enabled when Security Hub is enabled (can be disabled) </a:t>
+            </a:r>
+          </a:p>
+          <a:p>
+            <a:r>
+              <a:rPr lang="en-GB" sz="2000"/>
+              <a:t>GuardDuty will send findings to Security Hub </a:t>
+            </a:r>
+          </a:p>
+          <a:p>
+            <a:r>
+              <a:rPr lang="en-GB" sz="2000"/>
+              <a:t>Findings are sent in </a:t>
+            </a:r>
+            <a:r>
+              <a:rPr lang="en-GB" sz="2000" b="1"/>
+              <a:t>AWS Security Finding Format (ASFF)  </a:t>
+            </a:r>
+          </a:p>
+          <a:p>
+            <a:r>
+              <a:rPr lang="en-GB" sz="2000"/>
+              <a:t>Findings are usually sent within 5 minutes </a:t>
+            </a:r>
+          </a:p>
+          <a:p>
+            <a:r>
+              <a:rPr lang="en-GB" sz="2000"/>
+              <a:t>Archiving a GuardDuty finding will NOT update the finding in Security Hub</a:t>
+            </a:r>
+            <a:endParaRPr lang="en-CH" sz="2000"/>
+          </a:p>
+        </p:txBody>
+      </p:sp>
+    </p:spTree>
+    <p:extLst>
+      <p:ext uri="{BB962C8B-B14F-4D97-AF65-F5344CB8AC3E}">
+        <p14:creationId xmlns:p14="http://schemas.microsoft.com/office/powerpoint/2010/main" val="3255373481"/>
+      </p:ext>
+    </p:extLst>
+  </p:cSld>
+  <p:clrMapOvr>
+    <a:masterClrMapping/>
+  </p:clrMapOvr>
+</p:sld>
+</file>
+
+<file path=ppt/slides/slide7.xml><?xml version="1.0" encoding="utf-8"?>
+<p:sld xmlns:a="http://schemas.openxmlformats.org/drawingml/2006/main" xmlns:r="http://schemas.openxmlformats.org/officeDocument/2006/relationships" xmlns:p="http://schemas.openxmlformats.org/presentationml/2006/main">
+  <p:cSld>
+    <p:bg>
+      <p:bgPr>
+        <a:solidFill>
+          <a:schemeClr val="bg1"/>
+        </a:solidFill>
+        <a:effectLst/>
+      </p:bgPr>
+    </p:bg>
+    <p:spTree>
+      <p:nvGrpSpPr>
+        <p:cNvPr id="1" name=""/>
+        <p:cNvGrpSpPr/>
+        <p:nvPr/>
+      </p:nvGrpSpPr>
+      <p:grpSpPr>
+        <a:xfrm>
+          <a:off x="0" y="0"/>
+          <a:ext cx="0" cy="0"/>
+          <a:chOff x="0" y="0"/>
+          <a:chExt cx="0" cy="0"/>
+        </a:xfrm>
+      </p:grpSpPr>
+      <p:sp>
+        <p:nvSpPr>
+          <p:cNvPr id="1031" name="Down Arrow 7">
+            <a:extLst>
+              <a:ext uri="{FF2B5EF4-FFF2-40B4-BE49-F238E27FC236}">
+                <a16:creationId xmlns:a16="http://schemas.microsoft.com/office/drawing/2014/main" id="{D4771268-CB57-404A-9271-370EB28F6090}"/>
+              </a:ext>
+              <a:ext uri="{C183D7F6-B498-43B3-948B-1728B52AA6E4}">
+                <adec:decorative xmlns:adec="http://schemas.microsoft.com/office/drawing/2017/decorative" val="1"/>
+              </a:ext>
+            </a:extLst>
+          </p:cNvPr>
+          <p:cNvSpPr>
+            <a:spLocks noGrp="1" noRot="1" noChangeAspect="1" noMove="1" noResize="1" noEditPoints="1" noAdjustHandles="1" noChangeArrowheads="1" noChangeShapeType="1" noTextEdit="1"/>
+          </p:cNvSpPr>
+          <p:nvPr>
+            <p:extLst>
+              <p:ext uri="{386F3935-93C4-4BCD-93E2-E3B085C9AB24}">
+                <p16:designElem xmlns:p16="http://schemas.microsoft.com/office/powerpoint/2015/main" val="1"/>
+              </p:ext>
+            </p:extLst>
+          </p:nvPr>
+        </p:nvSpPr>
+        <p:spPr>
+          <a:xfrm rot="16200000">
+            <a:off x="800100" y="1491343"/>
+            <a:ext cx="3333749" cy="3499103"/>
+          </a:xfrm>
+          <a:prstGeom prst="downArrow">
+            <a:avLst>
+              <a:gd name="adj1" fmla="val 100000"/>
+              <a:gd name="adj2" fmla="val 15788"/>
+            </a:avLst>
+          </a:prstGeom>
+          <a:solidFill>
+            <a:srgbClr val="404040"/>
+          </a:solidFill>
+          <a:ln w="53975">
+            <a:noFill/>
+          </a:ln>
+        </p:spPr>
+        <p:style>
+          <a:lnRef idx="2">
+            <a:schemeClr val="accent1">
+              <a:shade val="50000"/>
+            </a:schemeClr>
+          </a:lnRef>
+          <a:fillRef idx="1">
+            <a:schemeClr val="accent1"/>
+          </a:fillRef>
+          <a:effectRef idx="0">
+            <a:schemeClr val="accent1"/>
+          </a:effectRef>
+          <a:fontRef idx="minor">
+            <a:schemeClr val="lt1"/>
+          </a:fontRef>
+        </p:style>
+        <p:txBody>
+          <a:bodyPr rtlCol="0" anchor="ctr"/>
+          <a:lstStyle/>
+          <a:p>
+            <a:pPr algn="ctr"/>
+            <a:endParaRPr lang="en-US"/>
+          </a:p>
+        </p:txBody>
+      </p:sp>
+      <p:sp>
+        <p:nvSpPr>
+          <p:cNvPr id="2" name="Title 1">
+            <a:extLst>
+              <a:ext uri="{FF2B5EF4-FFF2-40B4-BE49-F238E27FC236}">
+                <a16:creationId xmlns:a16="http://schemas.microsoft.com/office/drawing/2014/main" id="{0F17D572-4605-0929-AD49-5B9148E3A43B}"/>
+              </a:ext>
+            </a:extLst>
+          </p:cNvPr>
+          <p:cNvSpPr>
+            <a:spLocks noGrp="1"/>
+          </p:cNvSpPr>
+          <p:nvPr>
+            <p:ph type="title"/>
+          </p:nvPr>
+        </p:nvSpPr>
+        <p:spPr>
+          <a:xfrm>
+            <a:off x="1028700" y="1967266"/>
+            <a:ext cx="2628900" cy="2547257"/>
+          </a:xfrm>
+          <a:noFill/>
+        </p:spPr>
+        <p:txBody>
+          <a:bodyPr vert="horz" lIns="91440" tIns="45720" rIns="91440" bIns="45720" rtlCol="0" anchor="ctr">
+            <a:normAutofit/>
+          </a:bodyPr>
+          <a:lstStyle/>
+          <a:p>
+            <a:pPr algn="ctr"/>
+            <a:r>
+              <a:rPr lang="en-US" sz="3600" kern="1200" dirty="0">
+                <a:solidFill>
+                  <a:srgbClr val="FFFFFF"/>
+                </a:solidFill>
+                <a:latin typeface="+mj-lt"/>
+                <a:ea typeface="+mj-ea"/>
+                <a:cs typeface="+mj-cs"/>
+              </a:rPr>
+              <a:t>Security Hub 3party integration</a:t>
+            </a:r>
+            <a:br>
+              <a:rPr lang="en-US" sz="3600" kern="1200" dirty="0">
+                <a:solidFill>
+                  <a:srgbClr val="FFFFFF"/>
+                </a:solidFill>
+                <a:latin typeface="+mj-lt"/>
+                <a:ea typeface="+mj-ea"/>
+                <a:cs typeface="+mj-cs"/>
+              </a:rPr>
+            </a:br>
+            <a:r>
+              <a:rPr lang="en-US" sz="3600" kern="1200" dirty="0">
+                <a:solidFill>
+                  <a:srgbClr val="FFFFFF"/>
+                </a:solidFill>
+                <a:latin typeface="+mj-lt"/>
+                <a:ea typeface="+mj-ea"/>
+                <a:cs typeface="+mj-cs"/>
+              </a:rPr>
+              <a:t>Atlassian</a:t>
+            </a:r>
+          </a:p>
+        </p:txBody>
+      </p:sp>
+      <p:pic>
+        <p:nvPicPr>
+          <p:cNvPr id="1026" name="Picture 2" descr="Amazon GuardDuty | AWS Architecture Blog">
+            <a:extLst>
+              <a:ext uri="{FF2B5EF4-FFF2-40B4-BE49-F238E27FC236}">
+                <a16:creationId xmlns:a16="http://schemas.microsoft.com/office/drawing/2014/main" id="{E8506B7A-1B73-817B-C02A-9F17BB541B4B}"/>
+              </a:ext>
+            </a:extLst>
+          </p:cNvPr>
+          <p:cNvPicPr>
+            <a:picLocks noChangeAspect="1" noChangeArrowheads="1"/>
+          </p:cNvPicPr>
+          <p:nvPr/>
+        </p:nvPicPr>
+        <p:blipFill>
+          <a:blip r:embed="rId2">
+            <a:extLst>
+              <a:ext uri="{28A0092B-C50C-407E-A947-70E740481C1C}">
+                <a14:useLocalDpi xmlns:a14="http://schemas.microsoft.com/office/drawing/2010/main" val="0"/>
+              </a:ext>
+            </a:extLst>
+          </a:blip>
+          <a:stretch>
+            <a:fillRect/>
+          </a:stretch>
+        </p:blipFill>
+        <p:spPr bwMode="auto">
+          <a:xfrm>
+            <a:off x="4777316" y="1181729"/>
+            <a:ext cx="6780700" cy="4492212"/>
+          </a:xfrm>
+          <a:prstGeom prst="rect">
+            <a:avLst/>
+          </a:prstGeom>
+          <a:noFill/>
+          <a:extLst>
+            <a:ext uri="{909E8E84-426E-40DD-AFC4-6F175D3DCCD1}">
+              <a14:hiddenFill xmlns:a14="http://schemas.microsoft.com/office/drawing/2010/main">
+                <a:solidFill>
+                  <a:srgbClr val="FFFFFF"/>
+                </a:solidFill>
+              </a14:hiddenFill>
+            </a:ext>
+          </a:extLst>
+        </p:spPr>
+      </p:pic>
+    </p:spTree>
+    <p:extLst>
+      <p:ext uri="{BB962C8B-B14F-4D97-AF65-F5344CB8AC3E}">
+        <p14:creationId xmlns:p14="http://schemas.microsoft.com/office/powerpoint/2010/main" val="4188928941"/>
+      </p:ext>
+    </p:extLst>
+  </p:cSld>
+  <p:clrMapOvr>
+    <a:masterClrMapping/>
+  </p:clrMapOvr>
+</p:sld>
+</file>
+
+<file path=ppt/slides/slide8.xml><?xml version="1.0" encoding="utf-8"?>
+<p:sld xmlns:a="http://schemas.openxmlformats.org/drawingml/2006/main" xmlns:r="http://schemas.openxmlformats.org/officeDocument/2006/relationships" xmlns:p="http://schemas.openxmlformats.org/presentationml/2006/main">
+  <p:cSld>
+    <p:bg>
+      <p:bgPr>
+        <a:solidFill>
+          <a:schemeClr val="bg1"/>
+        </a:solidFill>
+        <a:effectLst/>
+      </p:bgPr>
+    </p:bg>
+    <p:spTree>
+      <p:nvGrpSpPr>
+        <p:cNvPr id="1" name=""/>
+        <p:cNvGrpSpPr/>
+        <p:nvPr/>
+      </p:nvGrpSpPr>
+      <p:grpSpPr>
+        <a:xfrm>
+          <a:off x="0" y="0"/>
+          <a:ext cx="0" cy="0"/>
+          <a:chOff x="0" y="0"/>
+          <a:chExt cx="0" cy="0"/>
+        </a:xfrm>
+      </p:grpSpPr>
+      <p:sp useBgFill="1">
+        <p:nvSpPr>
+          <p:cNvPr id="9" name="Rectangle 8">
+            <a:extLst>
+              <a:ext uri="{FF2B5EF4-FFF2-40B4-BE49-F238E27FC236}">
+                <a16:creationId xmlns:a16="http://schemas.microsoft.com/office/drawing/2014/main" id="{2596F992-698C-48C0-9D89-70DA4CE927EF}"/>
+              </a:ext>
+              <a:ext uri="{C183D7F6-B498-43B3-948B-1728B52AA6E4}">
+                <adec:decorative xmlns:adec="http://schemas.microsoft.com/office/drawing/2017/decorative" val="1"/>
+              </a:ext>
+            </a:extLst>
+          </p:cNvPr>
+          <p:cNvSpPr>
+            <a:spLocks noGrp="1" noRot="1" noChangeAspect="1" noMove="1" noResize="1" noEditPoints="1" noAdjustHandles="1" noChangeArrowheads="1" noChangeShapeType="1" noTextEdit="1"/>
+          </p:cNvSpPr>
+          <p:nvPr>
+            <p:extLst>
+              <p:ext uri="{386F3935-93C4-4BCD-93E2-E3B085C9AB24}">
+                <p16:designElem xmlns:p16="http://schemas.microsoft.com/office/powerpoint/2015/main" val="1"/>
+              </p:ext>
+            </p:extLst>
+          </p:nvPr>
+        </p:nvSpPr>
+        <p:spPr>
+          <a:xfrm>
+            <a:off x="0" y="0"/>
+            <a:ext cx="12192000" cy="6858000"/>
+          </a:xfrm>
+          <a:prstGeom prst="rect">
+            <a:avLst/>
+          </a:prstGeom>
+          <a:ln w="12700" cap="flat" cmpd="sng" algn="ctr">
+            <a:noFill/>
+            <a:prstDash val="solid"/>
+            <a:miter lim="800000"/>
+          </a:ln>
+          <a:effectLst/>
+          <a:extLst>
+            <a:ext uri="{91240B29-F687-4F45-9708-019B960494DF}">
+              <a14:hiddenLine xmlns:a14="http://schemas.microsoft.com/office/drawing/2010/main" w="12700" cap="flat" cmpd="sng" algn="ctr">
+                <a:solidFill>
+                  <a:schemeClr val="accent1">
+                    <a:shade val="50000"/>
+                  </a:schemeClr>
+                </a:solidFill>
+                <a:prstDash val="solid"/>
+                <a:miter lim="800000"/>
+              </a14:hiddenLine>
+            </a:ext>
+          </a:extLst>
+        </p:spPr>
+        <p:style>
+          <a:lnRef idx="2">
+            <a:schemeClr val="accent1">
+              <a:shade val="50000"/>
+            </a:schemeClr>
+          </a:lnRef>
+          <a:fillRef idx="1">
+            <a:schemeClr val="accent1"/>
+          </a:fillRef>
+          <a:effectRef idx="0">
+            <a:schemeClr val="accent1"/>
+          </a:effectRef>
+          <a:fontRef idx="minor">
+            <a:schemeClr val="lt1"/>
+          </a:fontRef>
+        </p:style>
+        <p:txBody>
+          <a:bodyPr rtlCol="0" anchor="ctr"/>
+          <a:lstStyle/>
+          <a:p>
+            <a:pPr algn="ctr"/>
+            <a:endParaRPr lang="en-US"/>
+          </a:p>
+        </p:txBody>
+      </p:sp>
+      <p:sp>
+        <p:nvSpPr>
+          <p:cNvPr id="2" name="Title 1">
+            <a:extLst>
+              <a:ext uri="{FF2B5EF4-FFF2-40B4-BE49-F238E27FC236}">
+                <a16:creationId xmlns:a16="http://schemas.microsoft.com/office/drawing/2014/main" id="{BAA00A78-D33F-DE76-82F4-0C671C93F904}"/>
+              </a:ext>
+            </a:extLst>
+          </p:cNvPr>
+          <p:cNvSpPr>
+            <a:spLocks noGrp="1"/>
+          </p:cNvSpPr>
+          <p:nvPr>
+            <p:ph type="title"/>
+          </p:nvPr>
+        </p:nvSpPr>
+        <p:spPr>
+          <a:xfrm>
+            <a:off x="914402" y="489508"/>
+            <a:ext cx="5535825" cy="709097"/>
+          </a:xfrm>
+        </p:spPr>
+        <p:txBody>
+          <a:bodyPr anchor="b">
+            <a:normAutofit/>
+          </a:bodyPr>
+          <a:lstStyle/>
+          <a:p>
+            <a:pPr algn="r"/>
+            <a:r>
+              <a:rPr lang="en-CH" sz="4000" dirty="0"/>
+              <a:t>Security Hub Pricing</a:t>
+            </a:r>
+          </a:p>
+        </p:txBody>
+      </p:sp>
+      <p:sp>
+        <p:nvSpPr>
+          <p:cNvPr id="3" name="Content Placeholder 2">
+            <a:extLst>
+              <a:ext uri="{FF2B5EF4-FFF2-40B4-BE49-F238E27FC236}">
+                <a16:creationId xmlns:a16="http://schemas.microsoft.com/office/drawing/2014/main" id="{6C226AA0-2574-9E79-C381-9F742F3453F9}"/>
+              </a:ext>
+            </a:extLst>
+          </p:cNvPr>
+          <p:cNvSpPr>
+            <a:spLocks noGrp="1"/>
+          </p:cNvSpPr>
+          <p:nvPr>
+            <p:ph idx="1"/>
+          </p:nvPr>
+        </p:nvSpPr>
+        <p:spPr>
+          <a:xfrm>
+            <a:off x="662153" y="1688113"/>
+            <a:ext cx="4855778" cy="1958368"/>
+          </a:xfrm>
+        </p:spPr>
+        <p:txBody>
+          <a:bodyPr anchor="t">
+            <a:normAutofit/>
+          </a:bodyPr>
+          <a:lstStyle/>
+          <a:p>
+            <a:r>
+              <a:rPr lang="en-GB" sz="2000" b="0" i="0" dirty="0">
+                <a:effectLst/>
+                <a:latin typeface="Amazon Ember"/>
+              </a:rPr>
+              <a:t>for the first time a 30-day Security Hub free trial.</a:t>
+            </a:r>
+          </a:p>
+          <a:p>
+            <a:r>
+              <a:rPr lang="en-GB" sz="2000" b="0" i="0" dirty="0">
+                <a:effectLst/>
+                <a:latin typeface="Amazon Ember"/>
+                <a:hlinkClick r:id="rId2"/>
+              </a:rPr>
+              <a:t>https://aws.amazon.com/security-hub/pricing/</a:t>
+            </a:r>
+            <a:endParaRPr lang="en-GB" sz="2000" b="0" i="0" dirty="0">
+              <a:effectLst/>
+              <a:latin typeface="Amazon Ember"/>
+            </a:endParaRPr>
+          </a:p>
+          <a:p>
+            <a:endParaRPr lang="en-GB" sz="2000" b="0" i="0" dirty="0">
+              <a:effectLst/>
+              <a:latin typeface="Amazon Ember"/>
+            </a:endParaRPr>
+          </a:p>
+          <a:p>
+            <a:endParaRPr lang="en-GB" sz="2000" b="0" i="0" dirty="0">
+              <a:effectLst/>
+              <a:latin typeface="Amazon Ember"/>
+            </a:endParaRPr>
+          </a:p>
+          <a:p>
+            <a:endParaRPr lang="en-CH" sz="2000" dirty="0"/>
+          </a:p>
+        </p:txBody>
+      </p:sp>
+      <p:pic>
+        <p:nvPicPr>
+          <p:cNvPr id="4" name="Picture 3">
+            <a:extLst>
+              <a:ext uri="{FF2B5EF4-FFF2-40B4-BE49-F238E27FC236}">
+                <a16:creationId xmlns:a16="http://schemas.microsoft.com/office/drawing/2014/main" id="{56513A9F-9499-E1DF-4FCE-6CB302E7CF9D}"/>
+              </a:ext>
+            </a:extLst>
+          </p:cNvPr>
+          <p:cNvPicPr>
+            <a:picLocks noChangeAspect="1"/>
+          </p:cNvPicPr>
+          <p:nvPr/>
+        </p:nvPicPr>
+        <p:blipFill>
+          <a:blip r:embed="rId3"/>
+          <a:stretch>
+            <a:fillRect/>
+          </a:stretch>
+        </p:blipFill>
+        <p:spPr>
+          <a:xfrm>
+            <a:off x="1518746" y="3959430"/>
+            <a:ext cx="9154508" cy="2128420"/>
+          </a:xfrm>
+          <a:prstGeom prst="rect">
+            <a:avLst/>
+          </a:prstGeom>
+        </p:spPr>
+      </p:pic>
+      <p:sp>
+        <p:nvSpPr>
+          <p:cNvPr id="11" name="Rectangle 10">
+            <a:extLst>
+              <a:ext uri="{FF2B5EF4-FFF2-40B4-BE49-F238E27FC236}">
+                <a16:creationId xmlns:a16="http://schemas.microsoft.com/office/drawing/2014/main" id="{A344AAA5-41F4-4862-97EF-688D31DC7567}"/>
+              </a:ext>
+              <a:ext uri="{C183D7F6-B498-43B3-948B-1728B52AA6E4}">
+                <adec:decorative xmlns:adec="http://schemas.microsoft.com/office/drawing/2017/decorative" val="1"/>
+              </a:ext>
+            </a:extLst>
+          </p:cNvPr>
+          <p:cNvSpPr>
+            <a:spLocks noGrp="1" noRot="1" noChangeAspect="1" noMove="1" noResize="1" noEditPoints="1" noAdjustHandles="1" noChangeArrowheads="1" noChangeShapeType="1" noTextEdit="1"/>
+          </p:cNvSpPr>
+          <p:nvPr>
+            <p:extLst>
+              <p:ext uri="{386F3935-93C4-4BCD-93E2-E3B085C9AB24}">
+                <p16:designElem xmlns:p16="http://schemas.microsoft.com/office/powerpoint/2015/main" val="1"/>
+              </p:ext>
+            </p:extLst>
+          </p:nvPr>
+        </p:nvSpPr>
+        <p:spPr>
+          <a:xfrm rot="10800000" flipH="1">
+            <a:off x="0" y="6400799"/>
+            <a:ext cx="12192000" cy="456773"/>
+          </a:xfrm>
+          <a:prstGeom prst="rect">
+            <a:avLst/>
+          </a:prstGeom>
+          <a:gradFill>
+            <a:gsLst>
+              <a:gs pos="0">
+                <a:schemeClr val="accent1"/>
+              </a:gs>
+              <a:gs pos="85000">
+                <a:srgbClr val="000000"/>
+              </a:gs>
+            </a:gsLst>
+            <a:lin ang="2400000" scaled="0"/>
+          </a:gradFill>
+          <a:ln>
+            <a:noFill/>
+          </a:ln>
+        </p:spPr>
+        <p:style>
+          <a:lnRef idx="2">
+            <a:schemeClr val="accent1">
+              <a:shade val="50000"/>
+            </a:schemeClr>
+          </a:lnRef>
+          <a:fillRef idx="1">
+            <a:schemeClr val="accent1"/>
+          </a:fillRef>
+          <a:effectRef idx="0">
+            <a:schemeClr val="accent1"/>
+          </a:effectRef>
+          <a:fontRef idx="minor">
+            <a:schemeClr val="lt1"/>
+          </a:fontRef>
+        </p:style>
+        <p:txBody>
+          <a:bodyPr rtlCol="0" anchor="ctr"/>
+          <a:lstStyle/>
+          <a:p>
+            <a:pPr algn="ctr"/>
+            <a:endParaRPr lang="en-US"/>
+          </a:p>
+        </p:txBody>
+      </p:sp>
+      <p:sp>
+        <p:nvSpPr>
+          <p:cNvPr id="13" name="Rectangle 12">
+            <a:extLst>
+              <a:ext uri="{FF2B5EF4-FFF2-40B4-BE49-F238E27FC236}">
+                <a16:creationId xmlns:a16="http://schemas.microsoft.com/office/drawing/2014/main" id="{69E1A62C-2AAF-4B3E-8CDB-65E237080997}"/>
+              </a:ext>
+              <a:ext uri="{C183D7F6-B498-43B3-948B-1728B52AA6E4}">
+                <adec:decorative xmlns:adec="http://schemas.microsoft.com/office/drawing/2017/decorative" val="1"/>
+              </a:ext>
+            </a:extLst>
+          </p:cNvPr>
+          <p:cNvSpPr>
+            <a:spLocks noGrp="1" noRot="1" noChangeAspect="1" noMove="1" noResize="1" noEditPoints="1" noAdjustHandles="1" noChangeArrowheads="1" noChangeShapeType="1" noTextEdit="1"/>
+          </p:cNvSpPr>
+          <p:nvPr>
+            <p:extLst>
+              <p:ext uri="{386F3935-93C4-4BCD-93E2-E3B085C9AB24}">
+                <p16:designElem xmlns:p16="http://schemas.microsoft.com/office/powerpoint/2015/main" val="1"/>
+              </p:ext>
+            </p:extLst>
+          </p:nvPr>
+        </p:nvSpPr>
+        <p:spPr>
+          <a:xfrm flipH="1">
+            <a:off x="4038600" y="6400799"/>
+            <a:ext cx="8153398" cy="456772"/>
+          </a:xfrm>
+          <a:prstGeom prst="rect">
+            <a:avLst/>
+          </a:prstGeom>
+          <a:gradFill>
+            <a:gsLst>
+              <a:gs pos="0">
+                <a:srgbClr val="000000">
+                  <a:alpha val="26000"/>
+                </a:srgbClr>
+              </a:gs>
+              <a:gs pos="100000">
+                <a:schemeClr val="accent1">
+                  <a:lumMod val="75000"/>
+                </a:schemeClr>
+              </a:gs>
+            </a:gsLst>
+            <a:lin ang="13800000" scaled="0"/>
+          </a:gradFill>
+          <a:ln>
+            <a:noFill/>
+          </a:ln>
+        </p:spPr>
+        <p:style>
+          <a:lnRef idx="2">
+            <a:schemeClr val="accent1">
+              <a:shade val="50000"/>
+            </a:schemeClr>
+          </a:lnRef>
+          <a:fillRef idx="1">
+            <a:schemeClr val="accent1"/>
+          </a:fillRef>
+          <a:effectRef idx="0">
+            <a:schemeClr val="accent1"/>
+          </a:effectRef>
+          <a:fontRef idx="minor">
+            <a:schemeClr val="lt1"/>
+          </a:fontRef>
+        </p:style>
+        <p:txBody>
+          <a:bodyPr rtlCol="0" anchor="ctr"/>
+          <a:lstStyle/>
+          <a:p>
+            <a:pPr algn="ctr"/>
+            <a:endParaRPr lang="en-US"/>
+          </a:p>
+        </p:txBody>
+      </p:sp>
+    </p:spTree>
+    <p:extLst>
+      <p:ext uri="{BB962C8B-B14F-4D97-AF65-F5344CB8AC3E}">
+        <p14:creationId xmlns:p14="http://schemas.microsoft.com/office/powerpoint/2010/main" val="434424016"/>
+      </p:ext>
+    </p:extLst>
+  </p:cSld>
+  <p:clrMapOvr>
+    <a:masterClrMapping/>
+  </p:clrMapOvr>
+</p:sld>
+</file>
+
+<file path=ppt/slides/slide9.xml><?xml version="1.0" encoding="utf-8"?>
+<p:sld xmlns:a="http://schemas.openxmlformats.org/drawingml/2006/main" xmlns:r="http://schemas.openxmlformats.org/officeDocument/2006/relationships" xmlns:p="http://schemas.openxmlformats.org/presentationml/2006/main">
+  <p:cSld>
+    <p:bg>
+      <p:bgPr>
+        <a:solidFill>
+          <a:schemeClr val="bg1"/>
+        </a:solidFill>
+        <a:effectLst/>
+      </p:bgPr>
+    </p:bg>
+    <p:spTree>
+      <p:nvGrpSpPr>
+        <p:cNvPr id="1" name=""/>
+        <p:cNvGrpSpPr/>
+        <p:nvPr/>
+      </p:nvGrpSpPr>
+      <p:grpSpPr>
+        <a:xfrm>
+          <a:off x="0" y="0"/>
+          <a:ext cx="0" cy="0"/>
+          <a:chOff x="0" y="0"/>
+          <a:chExt cx="0" cy="0"/>
+        </a:xfrm>
+      </p:grpSpPr>
+      <p:sp useBgFill="1">
+        <p:nvSpPr>
+          <p:cNvPr id="3089" name="Rectangle 3078">
+            <a:extLst>
+              <a:ext uri="{FF2B5EF4-FFF2-40B4-BE49-F238E27FC236}">
+                <a16:creationId xmlns:a16="http://schemas.microsoft.com/office/drawing/2014/main" id="{A8384FB5-9ADC-4DDC-881B-597D56F5B15D}"/>
+              </a:ext>
+              <a:ext uri="{C183D7F6-B498-43B3-948B-1728B52AA6E4}">
+                <adec:decorative xmlns:adec="http://schemas.microsoft.com/office/drawing/2017/decorative" val="1"/>
+              </a:ext>
+            </a:extLst>
+          </p:cNvPr>
+          <p:cNvSpPr>
+            <a:spLocks noGrp="1" noRot="1" noChangeAspect="1" noMove="1" noResize="1" noEditPoints="1" noAdjustHandles="1" noChangeArrowheads="1" noChangeShapeType="1" noTextEdit="1"/>
+          </p:cNvSpPr>
+          <p:nvPr>
+            <p:extLst>
+              <p:ext uri="{386F3935-93C4-4BCD-93E2-E3B085C9AB24}">
+                <p16:designElem xmlns:p16="http://schemas.microsoft.com/office/powerpoint/2015/main" val="1"/>
+              </p:ext>
+            </p:extLst>
+          </p:nvPr>
+        </p:nvSpPr>
+        <p:spPr>
+          <a:xfrm>
+            <a:off x="0" y="0"/>
+            <a:ext cx="12192000" cy="6858000"/>
+          </a:xfrm>
+          <a:prstGeom prst="rect">
+            <a:avLst/>
+          </a:prstGeom>
+          <a:ln w="12700" cap="flat" cmpd="sng" algn="ctr">
+            <a:noFill/>
+            <a:prstDash val="solid"/>
+            <a:miter lim="800000"/>
+          </a:ln>
+          <a:effectLst/>
+          <a:extLst>
+            <a:ext uri="{91240B29-F687-4F45-9708-019B960494DF}">
+              <a14:hiddenLine xmlns:a14="http://schemas.microsoft.com/office/drawing/2010/main" w="12700" cap="flat" cmpd="sng" algn="ctr">
+                <a:solidFill>
+                  <a:schemeClr val="accent1">
+                    <a:shade val="50000"/>
+                  </a:schemeClr>
+                </a:solidFill>
+                <a:prstDash val="solid"/>
+                <a:miter lim="800000"/>
+              </a14:hiddenLine>
+            </a:ext>
+          </a:extLst>
+        </p:spPr>
+        <p:style>
+          <a:lnRef idx="2">
+            <a:schemeClr val="accent1">
+              <a:shade val="50000"/>
+            </a:schemeClr>
+          </a:lnRef>
+          <a:fillRef idx="1">
+            <a:schemeClr val="accent1"/>
+          </a:fillRef>
+          <a:effectRef idx="0">
+            <a:schemeClr val="accent1"/>
+          </a:effectRef>
+          <a:fontRef idx="minor">
+            <a:schemeClr val="lt1"/>
+          </a:fontRef>
+        </p:style>
+        <p:txBody>
+          <a:bodyPr rtlCol="0" anchor="ctr"/>
+          <a:lstStyle/>
+          <a:p>
+            <a:pPr algn="ctr"/>
+            <a:endParaRPr lang="en-US"/>
+          </a:p>
+        </p:txBody>
+      </p:sp>
+      <p:sp>
+        <p:nvSpPr>
+          <p:cNvPr id="3090" name="Rectangle 3080">
+            <a:extLst>
+              <a:ext uri="{FF2B5EF4-FFF2-40B4-BE49-F238E27FC236}">
+                <a16:creationId xmlns:a16="http://schemas.microsoft.com/office/drawing/2014/main" id="{1199E1B1-A8C0-4FE8-A5A8-1CB41D69F857}"/>
+              </a:ext>
+              <a:ext uri="{C183D7F6-B498-43B3-948B-1728B52AA6E4}">
+                <adec:decorative xmlns:adec="http://schemas.microsoft.com/office/drawing/2017/decorative" val="1"/>
+              </a:ext>
+            </a:extLst>
+          </p:cNvPr>
+          <p:cNvSpPr>
+            <a:spLocks noGrp="1" noRot="1" noChangeAspect="1" noMove="1" noResize="1" noEditPoints="1" noAdjustHandles="1" noChangeArrowheads="1" noChangeShapeType="1" noTextEdit="1"/>
+          </p:cNvSpPr>
+          <p:nvPr>
+            <p:extLst>
+              <p:ext uri="{386F3935-93C4-4BCD-93E2-E3B085C9AB24}">
+                <p16:designElem xmlns:p16="http://schemas.microsoft.com/office/powerpoint/2015/main" val="1"/>
+              </p:ext>
+            </p:extLst>
+          </p:nvPr>
+        </p:nvSpPr>
+        <p:spPr>
+          <a:xfrm rot="10800000" flipH="1">
+            <a:off x="2" y="0"/>
+            <a:ext cx="12191998" cy="1575955"/>
+          </a:xfrm>
+          <a:prstGeom prst="rect">
+            <a:avLst/>
+          </a:prstGeom>
+          <a:gradFill>
+            <a:gsLst>
+              <a:gs pos="0">
+                <a:srgbClr val="000000">
+                  <a:alpha val="96000"/>
+                </a:srgbClr>
+              </a:gs>
+              <a:gs pos="100000">
+                <a:schemeClr val="accent1">
+                  <a:lumMod val="75000"/>
+                </a:schemeClr>
+              </a:gs>
+            </a:gsLst>
+            <a:lin ang="6000000" scaled="0"/>
+          </a:gradFill>
+          <a:ln>
+            <a:noFill/>
+          </a:ln>
+        </p:spPr>
+        <p:style>
+          <a:lnRef idx="2">
+            <a:schemeClr val="accent1">
+              <a:shade val="50000"/>
+            </a:schemeClr>
+          </a:lnRef>
+          <a:fillRef idx="1">
+            <a:schemeClr val="accent1"/>
+          </a:fillRef>
+          <a:effectRef idx="0">
+            <a:schemeClr val="accent1"/>
+          </a:effectRef>
+          <a:fontRef idx="minor">
+            <a:schemeClr val="lt1"/>
+          </a:fontRef>
+        </p:style>
+        <p:txBody>
+          <a:bodyPr rtlCol="0" anchor="ctr"/>
+          <a:lstStyle/>
+          <a:p>
+            <a:pPr algn="ctr"/>
+            <a:endParaRPr lang="en-US"/>
+          </a:p>
+        </p:txBody>
+      </p:sp>
+      <p:sp>
+        <p:nvSpPr>
+          <p:cNvPr id="3091" name="Rectangle 3082">
+            <a:extLst>
+              <a:ext uri="{FF2B5EF4-FFF2-40B4-BE49-F238E27FC236}">
+                <a16:creationId xmlns:a16="http://schemas.microsoft.com/office/drawing/2014/main" id="{84A8DE83-DE75-4B41-9DB4-A7EC0B0DEC0B}"/>
+              </a:ext>
+              <a:ext uri="{C183D7F6-B498-43B3-948B-1728B52AA6E4}">
+                <adec:decorative xmlns:adec="http://schemas.microsoft.com/office/drawing/2017/decorative" val="1"/>
+              </a:ext>
+            </a:extLst>
+          </p:cNvPr>
+          <p:cNvSpPr>
+            <a:spLocks noGrp="1" noRot="1" noChangeAspect="1" noMove="1" noResize="1" noEditPoints="1" noAdjustHandles="1" noChangeArrowheads="1" noChangeShapeType="1" noTextEdit="1"/>
+          </p:cNvSpPr>
+          <p:nvPr>
+            <p:extLst>
+              <p:ext uri="{386F3935-93C4-4BCD-93E2-E3B085C9AB24}">
+                <p16:designElem xmlns:p16="http://schemas.microsoft.com/office/powerpoint/2015/main" val="1"/>
+              </p:ext>
+            </p:extLst>
+          </p:nvPr>
+        </p:nvSpPr>
+        <p:spPr>
+          <a:xfrm>
+            <a:off x="0" y="0"/>
+            <a:ext cx="8128856" cy="1575461"/>
+          </a:xfrm>
+          <a:prstGeom prst="rect">
+            <a:avLst/>
+          </a:prstGeom>
+          <a:gradFill>
+            <a:gsLst>
+              <a:gs pos="0">
+                <a:schemeClr val="accent1">
+                  <a:alpha val="41000"/>
+                </a:schemeClr>
+              </a:gs>
+              <a:gs pos="74000">
+                <a:schemeClr val="accent1">
+                  <a:lumMod val="60000"/>
+                  <a:lumOff val="40000"/>
+                  <a:alpha val="0"/>
+                </a:schemeClr>
+              </a:gs>
+            </a:gsLst>
+            <a:lin ang="8400000" scaled="0"/>
+          </a:gradFill>
+          <a:ln>
+            <a:noFill/>
+          </a:ln>
+        </p:spPr>
+        <p:style>
+          <a:lnRef idx="2">
+            <a:schemeClr val="accent1">
+              <a:shade val="50000"/>
+            </a:schemeClr>
+          </a:lnRef>
+          <a:fillRef idx="1">
+            <a:schemeClr val="accent1"/>
+          </a:fillRef>
+          <a:effectRef idx="0">
+            <a:schemeClr val="accent1"/>
+          </a:effectRef>
+          <a:fontRef idx="minor">
+            <a:schemeClr val="lt1"/>
+          </a:fontRef>
+        </p:style>
+        <p:txBody>
+          <a:bodyPr rtlCol="0" anchor="ctr"/>
+          <a:lstStyle/>
+          <a:p>
+            <a:pPr algn="ctr"/>
+            <a:endParaRPr lang="en-US"/>
+          </a:p>
+        </p:txBody>
+      </p:sp>
+      <p:sp>
+        <p:nvSpPr>
+          <p:cNvPr id="3092" name="Rectangle 3084">
+            <a:extLst>
+              <a:ext uri="{FF2B5EF4-FFF2-40B4-BE49-F238E27FC236}">
+                <a16:creationId xmlns:a16="http://schemas.microsoft.com/office/drawing/2014/main" id="{A7009A0A-BEF5-4EAC-AF15-E4F9F002E239}"/>
+              </a:ext>
+              <a:ext uri="{C183D7F6-B498-43B3-948B-1728B52AA6E4}">
+                <adec:decorative xmlns:adec="http://schemas.microsoft.com/office/drawing/2017/decorative" val="1"/>
+              </a:ext>
+            </a:extLst>
+          </p:cNvPr>
+          <p:cNvSpPr>
+            <a:spLocks noGrp="1" noRot="1" noChangeAspect="1" noMove="1" noResize="1" noEditPoints="1" noAdjustHandles="1" noChangeArrowheads="1" noChangeShapeType="1" noTextEdit="1"/>
+          </p:cNvSpPr>
+          <p:nvPr>
+            <p:extLst>
+              <p:ext uri="{386F3935-93C4-4BCD-93E2-E3B085C9AB24}">
+                <p16:designElem xmlns:p16="http://schemas.microsoft.com/office/powerpoint/2015/main" val="1"/>
+              </p:ext>
+            </p:extLst>
+          </p:nvPr>
+        </p:nvSpPr>
+        <p:spPr>
+          <a:xfrm flipH="1">
+            <a:off x="-3" y="-1"/>
+            <a:ext cx="12192002" cy="1574311"/>
+          </a:xfrm>
+          <a:prstGeom prst="rect">
+            <a:avLst/>
+          </a:prstGeom>
+          <a:gradFill>
+            <a:gsLst>
+              <a:gs pos="0">
+                <a:srgbClr val="000000">
+                  <a:alpha val="63000"/>
+                </a:srgbClr>
+              </a:gs>
+              <a:gs pos="78000">
+                <a:schemeClr val="accent1">
+                  <a:alpha val="15000"/>
+                </a:schemeClr>
+              </a:gs>
+            </a:gsLst>
+            <a:lin ang="15600000" scaled="0"/>
+          </a:gradFill>
+          <a:ln>
+            <a:noFill/>
+          </a:ln>
+        </p:spPr>
+        <p:style>
+          <a:lnRef idx="2">
+            <a:schemeClr val="accent1">
+              <a:shade val="50000"/>
+            </a:schemeClr>
+          </a:lnRef>
+          <a:fillRef idx="1">
+            <a:schemeClr val="accent1"/>
+          </a:fillRef>
+          <a:effectRef idx="0">
+            <a:schemeClr val="accent1"/>
+          </a:effectRef>
+          <a:fontRef idx="minor">
+            <a:schemeClr val="lt1"/>
+          </a:fontRef>
+        </p:style>
+        <p:txBody>
+          <a:bodyPr rtlCol="0" anchor="ctr"/>
+          <a:lstStyle/>
+          <a:p>
+            <a:pPr algn="ctr"/>
+            <a:endParaRPr lang="en-US"/>
+          </a:p>
+        </p:txBody>
+      </p:sp>
+      <p:sp>
+        <p:nvSpPr>
+          <p:cNvPr id="2" name="Title 1">
+            <a:extLst>
+              <a:ext uri="{FF2B5EF4-FFF2-40B4-BE49-F238E27FC236}">
+                <a16:creationId xmlns:a16="http://schemas.microsoft.com/office/drawing/2014/main" id="{C2C6CC84-665D-F22E-8DF8-073E1530B791}"/>
+              </a:ext>
+            </a:extLst>
+          </p:cNvPr>
+          <p:cNvSpPr>
+            <a:spLocks noGrp="1"/>
+          </p:cNvSpPr>
+          <p:nvPr>
+            <p:ph type="title"/>
+          </p:nvPr>
+        </p:nvSpPr>
+        <p:spPr>
+          <a:xfrm>
+            <a:off x="699713" y="248038"/>
+            <a:ext cx="7063721" cy="1159200"/>
+          </a:xfrm>
+        </p:spPr>
+        <p:txBody>
+          <a:bodyPr vert="horz" lIns="91440" tIns="45720" rIns="91440" bIns="45720" rtlCol="0" anchor="ctr">
+            <a:normAutofit/>
+          </a:bodyPr>
+          <a:lstStyle/>
+          <a:p>
+            <a:r>
+              <a:rPr lang="en-US" sz="4000" kern="1200">
+                <a:solidFill>
+                  <a:srgbClr val="FFFFFF"/>
+                </a:solidFill>
+                <a:latin typeface="+mj-lt"/>
+                <a:ea typeface="+mj-ea"/>
+                <a:cs typeface="+mj-cs"/>
+              </a:rPr>
+              <a:t>Sucurity Hub SNS Notification</a:t>
+            </a:r>
+          </a:p>
+        </p:txBody>
+      </p:sp>
+      <p:pic>
+        <p:nvPicPr>
+          <p:cNvPr id="3074" name="Picture 2" descr="How to set up a recurring Security Hub summary email | AWS Security Blog">
+            <a:extLst>
+              <a:ext uri="{FF2B5EF4-FFF2-40B4-BE49-F238E27FC236}">
+                <a16:creationId xmlns:a16="http://schemas.microsoft.com/office/drawing/2014/main" id="{C9AD7AC3-3FE8-C6ED-4691-B3DD89B39D25}"/>
+              </a:ext>
+            </a:extLst>
+          </p:cNvPr>
+          <p:cNvPicPr>
+            <a:picLocks noChangeAspect="1" noChangeArrowheads="1"/>
+          </p:cNvPicPr>
+          <p:nvPr/>
+        </p:nvPicPr>
+        <p:blipFill>
+          <a:blip r:embed="rId2">
+            <a:extLst>
+              <a:ext uri="{28A0092B-C50C-407E-A947-70E740481C1C}">
+                <a14:useLocalDpi xmlns:a14="http://schemas.microsoft.com/office/drawing/2010/main" val="0"/>
+              </a:ext>
+            </a:extLst>
+          </a:blip>
+          <a:stretch>
+            <a:fillRect/>
+          </a:stretch>
+        </p:blipFill>
+        <p:spPr bwMode="auto">
+          <a:xfrm>
+            <a:off x="1643839" y="1966293"/>
+            <a:ext cx="8904320" cy="4452160"/>
+          </a:xfrm>
+          <a:prstGeom prst="rect">
+            <a:avLst/>
+          </a:prstGeom>
+          <a:noFill/>
+          <a:extLst>
+            <a:ext uri="{909E8E84-426E-40DD-AFC4-6F175D3DCCD1}">
+              <a14:hiddenFill xmlns:a14="http://schemas.microsoft.com/office/drawing/2010/main">
+                <a:solidFill>
+                  <a:srgbClr val="FFFFFF"/>
+                </a:solidFill>
+              </a14:hiddenFill>
+            </a:ext>
+          </a:extLst>
+        </p:spPr>
+      </p:pic>
+    </p:spTree>
+    <p:extLst>
+      <p:ext uri="{BB962C8B-B14F-4D97-AF65-F5344CB8AC3E}">
+        <p14:creationId xmlns:p14="http://schemas.microsoft.com/office/powerpoint/2010/main" val="3426558226"/>
+      </p:ext>
+    </p:extLst>
+  </p:cSld>
+  <p:clrMapOvr>
+    <a:masterClrMapping/>
+  </p:clrMapOvr>
 </p:sld>
 </file>
 
